--- a/seminars/EEF-presentation-02-08-2019/jeffrey-hanson-eff-slides.pptx
+++ b/seminars/EEF-presentation-02-08-2019/jeffrey-hanson-eff-slides.pptx
@@ -6,21 +6,25 @@
     <p:sldMasterId id="2147483660" r:id="rId2"/>
   </p:sldMasterIdLst>
   <p:notesMasterIdLst>
-    <p:notesMasterId r:id="rId15"/>
+    <p:notesMasterId r:id="rId19"/>
   </p:notesMasterIdLst>
   <p:sldIdLst>
     <p:sldId id="256" r:id="rId3"/>
-    <p:sldId id="258" r:id="rId4"/>
+    <p:sldId id="283" r:id="rId4"/>
     <p:sldId id="274" r:id="rId5"/>
     <p:sldId id="275" r:id="rId6"/>
     <p:sldId id="260" r:id="rId7"/>
     <p:sldId id="271" r:id="rId8"/>
     <p:sldId id="261" r:id="rId9"/>
-    <p:sldId id="270" r:id="rId10"/>
-    <p:sldId id="266" r:id="rId11"/>
-    <p:sldId id="273" r:id="rId12"/>
-    <p:sldId id="272" r:id="rId13"/>
-    <p:sldId id="268" r:id="rId14"/>
+    <p:sldId id="286" r:id="rId10"/>
+    <p:sldId id="270" r:id="rId11"/>
+    <p:sldId id="288" r:id="rId12"/>
+    <p:sldId id="280" r:id="rId13"/>
+    <p:sldId id="281" r:id="rId14"/>
+    <p:sldId id="282" r:id="rId15"/>
+    <p:sldId id="266" r:id="rId16"/>
+    <p:sldId id="273" r:id="rId17"/>
+    <p:sldId id="272" r:id="rId18"/>
   </p:sldIdLst>
   <p:sldSz cx="12192000" cy="6858000"/>
   <p:notesSz cx="6858000" cy="9144000"/>
@@ -119,6 +123,11 @@
       </a:defRPr>
     </a:lvl9pPr>
   </p:defaultTextStyle>
+  <p:extLst>
+    <p:ext uri="{EFAFB233-063F-42B5-8137-9DF3F51BA10A}">
+      <p15:sldGuideLst xmlns:p15="http://schemas.microsoft.com/office/powerpoint/2012/main"/>
+    </p:ext>
+  </p:extLst>
 </p:presentation>
 </file>
 
@@ -204,7 +213,7 @@
           <a:p>
             <a:fld id="{A8CDC424-4A50-4DC9-8E87-A17760EB22DE}" type="datetimeFigureOut">
               <a:rPr lang="en-AU" smtClean="0"/>
-              <a:t>23/07/2019</a:t>
+              <a:t>27/07/2019</a:t>
             </a:fld>
             <a:endParaRPr lang="en-AU"/>
           </a:p>
@@ -499,7 +508,12 @@
             <p:ph type="sldImg"/>
           </p:nvPr>
         </p:nvSpPr>
-        <p:spPr/>
+        <p:spPr>
+          <a:xfrm>
+            <a:off x="381000" y="685800"/>
+            <a:ext cx="6096000" cy="3429000"/>
+          </a:xfrm>
+        </p:spPr>
       </p:sp>
       <p:sp>
         <p:nvSpPr>
@@ -516,6 +530,54 @@
           <a:bodyPr/>
           <a:lstStyle/>
           <a:p>
+            <a:r>
+              <a:rPr lang="en-AU" dirty="0" smtClean="0"/>
+              <a:t>- not all remaining habitat can be preserved</a:t>
+            </a:r>
+          </a:p>
+          <a:p>
+            <a:r>
+              <a:rPr lang="en-AU" dirty="0" smtClean="0"/>
+              <a:t>- achieve conservation objectives for minimal cost</a:t>
+            </a:r>
+          </a:p>
+          <a:p>
+            <a:r>
+              <a:rPr lang="en-AU" dirty="0" smtClean="0"/>
+              <a:t>- modern systematic conservation planning primarily focusses on representing species</a:t>
+            </a:r>
+          </a:p>
+          <a:p>
+            <a:pPr marL="0" marR="0" indent="0" algn="l" defTabSz="914400" rtl="0" eaLnBrk="1" fontAlgn="auto" latinLnBrk="0" hangingPunct="1">
+              <a:lnSpc>
+                <a:spcPct val="100000"/>
+              </a:lnSpc>
+              <a:spcBef>
+                <a:spcPts val="0"/>
+              </a:spcBef>
+              <a:spcAft>
+                <a:spcPts val="0"/>
+              </a:spcAft>
+              <a:buClrTx/>
+              <a:buSzTx/>
+              <a:buFontTx/>
+              <a:buNone/>
+              <a:tabLst/>
+              <a:defRPr/>
+            </a:pPr>
+            <a:r>
+              <a:rPr lang="en-AU" sz="1000" kern="1200" dirty="0" smtClean="0">
+                <a:solidFill>
+                  <a:schemeClr val="tx1"/>
+                </a:solidFill>
+                <a:latin typeface="+mn-lt"/>
+                <a:ea typeface="+mn-ea"/>
+                <a:cs typeface="+mn-cs"/>
+              </a:rPr>
+              <a:t>- however, this ignores intra-specific biodiversity</a:t>
+            </a:r>
+          </a:p>
+          <a:p>
             <a:endParaRPr lang="en-AU" dirty="0"/>
           </a:p>
         </p:txBody>
@@ -535,9 +597,153 @@
           <a:bodyPr/>
           <a:lstStyle/>
           <a:p>
+            <a:pPr marL="0" marR="0" lvl="0" indent="0" algn="r" defTabSz="914400" rtl="0" eaLnBrk="1" fontAlgn="auto" latinLnBrk="0" hangingPunct="1">
+              <a:lnSpc>
+                <a:spcPct val="100000"/>
+              </a:lnSpc>
+              <a:spcBef>
+                <a:spcPts val="0"/>
+              </a:spcBef>
+              <a:spcAft>
+                <a:spcPts val="0"/>
+              </a:spcAft>
+              <a:buClrTx/>
+              <a:buSzTx/>
+              <a:buFontTx/>
+              <a:buNone/>
+              <a:tabLst/>
+              <a:defRPr/>
+            </a:pPr>
+            <a:fld id="{67B435CA-C371-4DED-9C4C-6273828C0F3B}" type="slidenum">
+              <a:rPr kumimoji="0" lang="en-AU" sz="1200" b="0" i="0" u="none" strike="noStrike" kern="1200" cap="none" spc="0" normalizeH="0" baseline="0" noProof="0" smtClean="0">
+                <a:ln>
+                  <a:noFill/>
+                </a:ln>
+                <a:solidFill>
+                  <a:prstClr val="black"/>
+                </a:solidFill>
+                <a:effectLst/>
+                <a:uLnTx/>
+                <a:uFillTx/>
+                <a:latin typeface="Calibri"/>
+                <a:ea typeface="+mn-ea"/>
+                <a:cs typeface="+mn-cs"/>
+              </a:rPr>
+              <a:pPr marL="0" marR="0" lvl="0" indent="0" algn="r" defTabSz="914400" rtl="0" eaLnBrk="1" fontAlgn="auto" latinLnBrk="0" hangingPunct="1">
+                <a:lnSpc>
+                  <a:spcPct val="100000"/>
+                </a:lnSpc>
+                <a:spcBef>
+                  <a:spcPts val="0"/>
+                </a:spcBef>
+                <a:spcAft>
+                  <a:spcPts val="0"/>
+                </a:spcAft>
+                <a:buClrTx/>
+                <a:buSzTx/>
+                <a:buFontTx/>
+                <a:buNone/>
+                <a:tabLst/>
+                <a:defRPr/>
+              </a:pPr>
+              <a:t>2</a:t>
+            </a:fld>
+            <a:endParaRPr kumimoji="0" lang="en-AU" sz="1200" b="0" i="0" u="none" strike="noStrike" kern="1200" cap="none" spc="0" normalizeH="0" baseline="0" noProof="0">
+              <a:ln>
+                <a:noFill/>
+              </a:ln>
+              <a:solidFill>
+                <a:prstClr val="black"/>
+              </a:solidFill>
+              <a:effectLst/>
+              <a:uLnTx/>
+              <a:uFillTx/>
+              <a:latin typeface="Calibri"/>
+              <a:ea typeface="+mn-ea"/>
+              <a:cs typeface="+mn-cs"/>
+            </a:endParaRPr>
+          </a:p>
+        </p:txBody>
+      </p:sp>
+    </p:spTree>
+    <p:extLst>
+      <p:ext uri="{BB962C8B-B14F-4D97-AF65-F5344CB8AC3E}">
+        <p14:creationId xmlns:p14="http://schemas.microsoft.com/office/powerpoint/2010/main" val="647343899"/>
+      </p:ext>
+    </p:extLst>
+  </p:cSld>
+  <p:clrMapOvr>
+    <a:masterClrMapping/>
+  </p:clrMapOvr>
+</p:notes>
+</file>
+
+<file path=ppt/notesSlides/notesSlide2.xml><?xml version="1.0" encoding="utf-8"?>
+<p:notes xmlns:a="http://schemas.openxmlformats.org/drawingml/2006/main" xmlns:r="http://schemas.openxmlformats.org/officeDocument/2006/relationships" xmlns:p="http://schemas.openxmlformats.org/presentationml/2006/main">
+  <p:cSld>
+    <p:spTree>
+      <p:nvGrpSpPr>
+        <p:cNvPr id="1" name=""/>
+        <p:cNvGrpSpPr/>
+        <p:nvPr/>
+      </p:nvGrpSpPr>
+      <p:grpSpPr>
+        <a:xfrm>
+          <a:off x="0" y="0"/>
+          <a:ext cx="0" cy="0"/>
+          <a:chOff x="0" y="0"/>
+          <a:chExt cx="0" cy="0"/>
+        </a:xfrm>
+      </p:grpSpPr>
+      <p:sp>
+        <p:nvSpPr>
+          <p:cNvPr id="2" name="Slide Image Placeholder 1"/>
+          <p:cNvSpPr>
+            <a:spLocks noGrp="1" noRot="1" noChangeAspect="1"/>
+          </p:cNvSpPr>
+          <p:nvPr>
+            <p:ph type="sldImg"/>
+          </p:nvPr>
+        </p:nvSpPr>
+        <p:spPr/>
+      </p:sp>
+      <p:sp>
+        <p:nvSpPr>
+          <p:cNvPr id="3" name="Notes Placeholder 2"/>
+          <p:cNvSpPr>
+            <a:spLocks noGrp="1"/>
+          </p:cNvSpPr>
+          <p:nvPr>
+            <p:ph type="body" idx="1"/>
+          </p:nvPr>
+        </p:nvSpPr>
+        <p:spPr/>
+        <p:txBody>
+          <a:bodyPr/>
+          <a:lstStyle/>
+          <a:p>
+            <a:endParaRPr lang="en-AU" dirty="0"/>
+          </a:p>
+        </p:txBody>
+      </p:sp>
+      <p:sp>
+        <p:nvSpPr>
+          <p:cNvPr id="4" name="Slide Number Placeholder 3"/>
+          <p:cNvSpPr>
+            <a:spLocks noGrp="1"/>
+          </p:cNvSpPr>
+          <p:nvPr>
+            <p:ph type="sldNum" sz="quarter" idx="10"/>
+          </p:nvPr>
+        </p:nvSpPr>
+        <p:spPr/>
+        <p:txBody>
+          <a:bodyPr/>
+          <a:lstStyle/>
+          <a:p>
             <a:fld id="{74D4E95D-E11A-4D61-AA35-B3ECB22C38A2}" type="slidenum">
               <a:rPr lang="en-AU" smtClean="0"/>
-              <a:t>11</a:t>
+              <a:t>16</a:t>
             </a:fld>
             <a:endParaRPr lang="en-AU"/>
           </a:p>
@@ -687,7 +893,7 @@
           <a:p>
             <a:fld id="{14FC7A66-C777-4C68-B666-3143FCBD3720}" type="datetimeFigureOut">
               <a:rPr lang="en-AU" smtClean="0"/>
-              <a:t>23/07/2019</a:t>
+              <a:t>27/07/2019</a:t>
             </a:fld>
             <a:endParaRPr lang="en-AU"/>
           </a:p>
@@ -864,7 +1070,7 @@
           <a:p>
             <a:fld id="{14FC7A66-C777-4C68-B666-3143FCBD3720}" type="datetimeFigureOut">
               <a:rPr lang="en-AU" smtClean="0"/>
-              <a:t>23/07/2019</a:t>
+              <a:t>27/07/2019</a:t>
             </a:fld>
             <a:endParaRPr lang="en-AU"/>
           </a:p>
@@ -1051,7 +1257,7 @@
           <a:p>
             <a:fld id="{14FC7A66-C777-4C68-B666-3143FCBD3720}" type="datetimeFigureOut">
               <a:rPr lang="en-AU" smtClean="0"/>
-              <a:t>23/07/2019</a:t>
+              <a:t>27/07/2019</a:t>
             </a:fld>
             <a:endParaRPr lang="en-AU"/>
           </a:p>
@@ -1301,7 +1507,7 @@
             <a:fld id="{1D8BD707-D9CF-40AE-B4C6-C98DA3205C09}" type="datetimeFigureOut">
               <a:rPr lang="en-US" smtClean="0"/>
               <a:pPr/>
-              <a:t>7/24/2019</a:t>
+              <a:t>7/27/2019</a:t>
             </a:fld>
             <a:endParaRPr lang="en-US"/>
           </a:p>
@@ -1484,7 +1690,7 @@
             <a:fld id="{1D8BD707-D9CF-40AE-B4C6-C98DA3205C09}" type="datetimeFigureOut">
               <a:rPr lang="en-US" smtClean="0"/>
               <a:pPr/>
-              <a:t>7/24/2019</a:t>
+              <a:t>7/27/2019</a:t>
             </a:fld>
             <a:endParaRPr lang="en-US"/>
           </a:p>
@@ -1739,7 +1945,7 @@
             <a:fld id="{1D8BD707-D9CF-40AE-B4C6-C98DA3205C09}" type="datetimeFigureOut">
               <a:rPr lang="en-US" smtClean="0"/>
               <a:pPr/>
-              <a:t>7/24/2019</a:t>
+              <a:t>7/27/2019</a:t>
             </a:fld>
             <a:endParaRPr lang="en-US"/>
           </a:p>
@@ -2036,7 +2242,7 @@
             <a:fld id="{1D8BD707-D9CF-40AE-B4C6-C98DA3205C09}" type="datetimeFigureOut">
               <a:rPr lang="en-US" smtClean="0"/>
               <a:pPr/>
-              <a:t>7/24/2019</a:t>
+              <a:t>7/27/2019</a:t>
             </a:fld>
             <a:endParaRPr lang="en-US"/>
           </a:p>
@@ -2467,7 +2673,7 @@
             <a:fld id="{1D8BD707-D9CF-40AE-B4C6-C98DA3205C09}" type="datetimeFigureOut">
               <a:rPr lang="en-US" smtClean="0"/>
               <a:pPr/>
-              <a:t>7/24/2019</a:t>
+              <a:t>7/27/2019</a:t>
             </a:fld>
             <a:endParaRPr lang="en-US"/>
           </a:p>
@@ -2594,7 +2800,7 @@
             <a:fld id="{1D8BD707-D9CF-40AE-B4C6-C98DA3205C09}" type="datetimeFigureOut">
               <a:rPr lang="en-US" smtClean="0"/>
               <a:pPr/>
-              <a:t>7/24/2019</a:t>
+              <a:t>7/27/2019</a:t>
             </a:fld>
             <a:endParaRPr lang="en-US"/>
           </a:p>
@@ -2698,7 +2904,7 @@
             <a:fld id="{1D8BD707-D9CF-40AE-B4C6-C98DA3205C09}" type="datetimeFigureOut">
               <a:rPr lang="en-US" smtClean="0"/>
               <a:pPr/>
-              <a:t>7/24/2019</a:t>
+              <a:t>7/27/2019</a:t>
             </a:fld>
             <a:endParaRPr lang="en-US"/>
           </a:p>
@@ -2984,7 +3190,7 @@
             <a:fld id="{1D8BD707-D9CF-40AE-B4C6-C98DA3205C09}" type="datetimeFigureOut">
               <a:rPr lang="en-US" smtClean="0"/>
               <a:pPr/>
-              <a:t>7/24/2019</a:t>
+              <a:t>7/27/2019</a:t>
             </a:fld>
             <a:endParaRPr lang="en-US"/>
           </a:p>
@@ -3166,7 +3372,7 @@
           <a:p>
             <a:fld id="{14FC7A66-C777-4C68-B666-3143FCBD3720}" type="datetimeFigureOut">
               <a:rPr lang="en-AU" smtClean="0"/>
-              <a:t>23/07/2019</a:t>
+              <a:t>27/07/2019</a:t>
             </a:fld>
             <a:endParaRPr lang="en-AU"/>
           </a:p>
@@ -3427,7 +3633,7 @@
             <a:fld id="{1D8BD707-D9CF-40AE-B4C6-C98DA3205C09}" type="datetimeFigureOut">
               <a:rPr lang="en-US" smtClean="0"/>
               <a:pPr/>
-              <a:t>7/24/2019</a:t>
+              <a:t>7/27/2019</a:t>
             </a:fld>
             <a:endParaRPr lang="en-US"/>
           </a:p>
@@ -3606,7 +3812,7 @@
             <a:fld id="{1D8BD707-D9CF-40AE-B4C6-C98DA3205C09}" type="datetimeFigureOut">
               <a:rPr lang="en-US" smtClean="0"/>
               <a:pPr/>
-              <a:t>7/24/2019</a:t>
+              <a:t>7/27/2019</a:t>
             </a:fld>
             <a:endParaRPr lang="en-US"/>
           </a:p>
@@ -3795,7 +4001,7 @@
             <a:fld id="{1D8BD707-D9CF-40AE-B4C6-C98DA3205C09}" type="datetimeFigureOut">
               <a:rPr lang="en-US" smtClean="0"/>
               <a:pPr/>
-              <a:t>7/24/2019</a:t>
+              <a:t>7/27/2019</a:t>
             </a:fld>
             <a:endParaRPr lang="en-US"/>
           </a:p>
@@ -4049,7 +4255,7 @@
           <a:p>
             <a:fld id="{14FC7A66-C777-4C68-B666-3143FCBD3720}" type="datetimeFigureOut">
               <a:rPr lang="en-AU" smtClean="0"/>
-              <a:t>23/07/2019</a:t>
+              <a:t>27/07/2019</a:t>
             </a:fld>
             <a:endParaRPr lang="en-AU"/>
           </a:p>
@@ -4288,7 +4494,7 @@
           <a:p>
             <a:fld id="{14FC7A66-C777-4C68-B666-3143FCBD3720}" type="datetimeFigureOut">
               <a:rPr lang="en-AU" smtClean="0"/>
-              <a:t>23/07/2019</a:t>
+              <a:t>27/07/2019</a:t>
             </a:fld>
             <a:endParaRPr lang="en-AU"/>
           </a:p>
@@ -4662,7 +4868,7 @@
           <a:p>
             <a:fld id="{14FC7A66-C777-4C68-B666-3143FCBD3720}" type="datetimeFigureOut">
               <a:rPr lang="en-AU" smtClean="0"/>
-              <a:t>23/07/2019</a:t>
+              <a:t>27/07/2019</a:t>
             </a:fld>
             <a:endParaRPr lang="en-AU"/>
           </a:p>
@@ -4787,7 +4993,7 @@
           <a:p>
             <a:fld id="{14FC7A66-C777-4C68-B666-3143FCBD3720}" type="datetimeFigureOut">
               <a:rPr lang="en-AU" smtClean="0"/>
-              <a:t>23/07/2019</a:t>
+              <a:t>27/07/2019</a:t>
             </a:fld>
             <a:endParaRPr lang="en-AU"/>
           </a:p>
@@ -4889,7 +5095,7 @@
           <a:p>
             <a:fld id="{14FC7A66-C777-4C68-B666-3143FCBD3720}" type="datetimeFigureOut">
               <a:rPr lang="en-AU" smtClean="0"/>
-              <a:t>23/07/2019</a:t>
+              <a:t>27/07/2019</a:t>
             </a:fld>
             <a:endParaRPr lang="en-AU"/>
           </a:p>
@@ -5173,7 +5379,7 @@
           <a:p>
             <a:fld id="{14FC7A66-C777-4C68-B666-3143FCBD3720}" type="datetimeFigureOut">
               <a:rPr lang="en-AU" smtClean="0"/>
-              <a:t>23/07/2019</a:t>
+              <a:t>27/07/2019</a:t>
             </a:fld>
             <a:endParaRPr lang="en-AU"/>
           </a:p>
@@ -5433,7 +5639,7 @@
           <a:p>
             <a:fld id="{14FC7A66-C777-4C68-B666-3143FCBD3720}" type="datetimeFigureOut">
               <a:rPr lang="en-AU" smtClean="0"/>
-              <a:t>23/07/2019</a:t>
+              <a:t>27/07/2019</a:t>
             </a:fld>
             <a:endParaRPr lang="en-AU"/>
           </a:p>
@@ -5657,7 +5863,7 @@
             <a:fld id="{14FC7A66-C777-4C68-B666-3143FCBD3720}" type="datetimeFigureOut">
               <a:rPr lang="en-AU" smtClean="0"/>
               <a:pPr/>
-              <a:t>23/07/2019</a:t>
+              <a:t>27/07/2019</a:t>
             </a:fld>
             <a:endParaRPr lang="en-AU" dirty="0"/>
           </a:p>
@@ -6218,7 +6424,7 @@
             <a:fld id="{1D8BD707-D9CF-40AE-B4C6-C98DA3205C09}" type="datetimeFigureOut">
               <a:rPr lang="en-US" smtClean="0"/>
               <a:pPr/>
-              <a:t>7/24/2019</a:t>
+              <a:t>7/27/2019</a:t>
             </a:fld>
             <a:endParaRPr lang="en-US"/>
           </a:p>
@@ -6643,7 +6849,7 @@
         </p:nvSpPr>
         <p:spPr>
           <a:xfrm>
-            <a:off x="1066799" y="3201988"/>
+            <a:off x="1180435" y="3428413"/>
             <a:ext cx="10182225" cy="1655762"/>
           </a:xfrm>
         </p:spPr>
@@ -6669,7 +6875,7 @@
         </p:nvGrpSpPr>
         <p:grpSpPr>
           <a:xfrm>
-            <a:off x="967113" y="5968008"/>
+            <a:off x="967113" y="5793834"/>
             <a:ext cx="5694224" cy="523220"/>
             <a:chOff x="259155" y="4479765"/>
             <a:chExt cx="5694224" cy="523220"/>
@@ -6778,7 +6984,7 @@
         </p:nvGrpSpPr>
         <p:grpSpPr>
           <a:xfrm>
-            <a:off x="7796713" y="5968008"/>
+            <a:off x="7796713" y="5793834"/>
             <a:ext cx="3328486" cy="523220"/>
             <a:chOff x="6059800" y="5988839"/>
             <a:chExt cx="3328486" cy="697626"/>
@@ -6918,16 +7124,2233 @@
             <p:ph type="title"/>
           </p:nvPr>
         </p:nvSpPr>
-        <p:spPr/>
-        <p:txBody>
-          <a:bodyPr/>
-          <a:lstStyle/>
-          <a:p>
-            <a:r>
-              <a:rPr lang="en-AU" dirty="0" smtClean="0"/>
-              <a:t>Planning for the long-term persistence of species</a:t>
-            </a:r>
-            <a:endParaRPr lang="en-AU" dirty="0"/>
+        <p:spPr>
+          <a:xfrm>
+            <a:off x="0" y="9525"/>
+            <a:ext cx="12191999" cy="727075"/>
+          </a:xfrm>
+        </p:spPr>
+        <p:txBody>
+          <a:bodyPr>
+            <a:normAutofit/>
+          </a:bodyPr>
+          <a:lstStyle/>
+          <a:p>
+            <a:pPr algn="ctr"/>
+            <a:r>
+              <a:rPr lang="en-AU" sz="3600" dirty="0" smtClean="0">
+                <a:latin typeface="+mn-lt"/>
+              </a:rPr>
+              <a:t>Protection of </a:t>
+            </a:r>
+            <a:r>
+              <a:rPr lang="en-AU" sz="3600" dirty="0" smtClean="0">
+                <a:latin typeface="+mn-lt"/>
+              </a:rPr>
+              <a:t>individual heterozygosity (“genetic fitness”)</a:t>
+            </a:r>
+            <a:endParaRPr lang="en-AU" sz="3600" dirty="0">
+              <a:latin typeface="+mn-lt"/>
+            </a:endParaRPr>
+          </a:p>
+        </p:txBody>
+      </p:sp>
+      <p:pic>
+        <p:nvPicPr>
+          <p:cNvPr id="4" name="Content Placeholder 3"/>
+          <p:cNvPicPr>
+            <a:picLocks noGrp="1" noChangeAspect="1"/>
+          </p:cNvPicPr>
+          <p:nvPr>
+            <p:ph idx="1"/>
+          </p:nvPr>
+        </p:nvPicPr>
+        <p:blipFill>
+          <a:blip r:embed="rId2" cstate="print">
+            <a:extLst>
+              <a:ext uri="{28A0092B-C50C-407E-A947-70E740481C1C}">
+                <a14:useLocalDpi xmlns:a14="http://schemas.microsoft.com/office/drawing/2010/main" val="0"/>
+              </a:ext>
+            </a:extLst>
+          </a:blip>
+          <a:stretch>
+            <a:fillRect/>
+          </a:stretch>
+        </p:blipFill>
+        <p:spPr>
+          <a:xfrm>
+            <a:off x="6461024" y="1746381"/>
+            <a:ext cx="5690323" cy="3906494"/>
+          </a:xfrm>
+        </p:spPr>
+      </p:pic>
+      <p:sp>
+        <p:nvSpPr>
+          <p:cNvPr id="13" name="TextBox 12"/>
+          <p:cNvSpPr txBox="1"/>
+          <p:nvPr/>
+        </p:nvSpPr>
+        <p:spPr>
+          <a:xfrm rot="16200000">
+            <a:off x="-466535" y="1219726"/>
+            <a:ext cx="1794081" cy="584775"/>
+          </a:xfrm>
+          <a:prstGeom prst="rect">
+            <a:avLst/>
+          </a:prstGeom>
+          <a:noFill/>
+        </p:spPr>
+        <p:txBody>
+          <a:bodyPr wrap="none" rtlCol="0">
+            <a:spAutoFit/>
+          </a:bodyPr>
+          <a:lstStyle/>
+          <a:p>
+            <a:r>
+              <a:rPr lang="en-AU" sz="3200" i="1" dirty="0" smtClean="0">
+                <a:solidFill>
+                  <a:schemeClr val="bg1"/>
+                </a:solidFill>
+              </a:rPr>
+              <a:t>H. </a:t>
+            </a:r>
+            <a:r>
+              <a:rPr lang="en-AU" sz="3200" i="1" dirty="0" err="1" smtClean="0">
+                <a:solidFill>
+                  <a:schemeClr val="bg1"/>
+                </a:solidFill>
+              </a:rPr>
+              <a:t>molleri</a:t>
+            </a:r>
+            <a:endParaRPr lang="en-AU" sz="3200" i="1" dirty="0">
+              <a:solidFill>
+                <a:schemeClr val="bg1"/>
+              </a:solidFill>
+            </a:endParaRPr>
+          </a:p>
+        </p:txBody>
+      </p:sp>
+      <p:sp>
+        <p:nvSpPr>
+          <p:cNvPr id="14" name="TextBox 13"/>
+          <p:cNvSpPr txBox="1"/>
+          <p:nvPr/>
+        </p:nvSpPr>
+        <p:spPr>
+          <a:xfrm rot="16200000">
+            <a:off x="-611107" y="3456324"/>
+            <a:ext cx="2007024" cy="646331"/>
+          </a:xfrm>
+          <a:prstGeom prst="rect">
+            <a:avLst/>
+          </a:prstGeom>
+          <a:noFill/>
+        </p:spPr>
+        <p:txBody>
+          <a:bodyPr wrap="none" rtlCol="0">
+            <a:spAutoFit/>
+          </a:bodyPr>
+          <a:lstStyle/>
+          <a:p>
+            <a:r>
+              <a:rPr lang="en-AU" sz="3600" i="1" dirty="0" smtClean="0">
+                <a:solidFill>
+                  <a:schemeClr val="bg1"/>
+                </a:solidFill>
+              </a:rPr>
+              <a:t>P. </a:t>
+            </a:r>
+            <a:r>
+              <a:rPr lang="en-AU" sz="3200" i="1" dirty="0" err="1" smtClean="0">
+                <a:solidFill>
+                  <a:schemeClr val="bg1"/>
+                </a:solidFill>
+              </a:rPr>
+              <a:t>cultripes</a:t>
+            </a:r>
+            <a:endParaRPr lang="en-AU" sz="3200" i="1" dirty="0">
+              <a:solidFill>
+                <a:schemeClr val="bg1"/>
+              </a:solidFill>
+            </a:endParaRPr>
+          </a:p>
+        </p:txBody>
+      </p:sp>
+      <p:sp>
+        <p:nvSpPr>
+          <p:cNvPr id="15" name="TextBox 14"/>
+          <p:cNvSpPr txBox="1"/>
+          <p:nvPr/>
+        </p:nvSpPr>
+        <p:spPr>
+          <a:xfrm rot="16200000">
+            <a:off x="-469851" y="5589057"/>
+            <a:ext cx="1724511" cy="584775"/>
+          </a:xfrm>
+          <a:prstGeom prst="rect">
+            <a:avLst/>
+          </a:prstGeom>
+          <a:noFill/>
+        </p:spPr>
+        <p:txBody>
+          <a:bodyPr wrap="none" rtlCol="0">
+            <a:spAutoFit/>
+          </a:bodyPr>
+          <a:lstStyle/>
+          <a:p>
+            <a:r>
+              <a:rPr lang="en-AU" sz="3200" i="1" dirty="0" smtClean="0">
+                <a:solidFill>
+                  <a:schemeClr val="bg1"/>
+                </a:solidFill>
+              </a:rPr>
+              <a:t>R. </a:t>
+            </a:r>
+            <a:r>
+              <a:rPr lang="en-AU" sz="3200" i="1" dirty="0" err="1" smtClean="0">
+                <a:solidFill>
+                  <a:schemeClr val="bg1"/>
+                </a:solidFill>
+              </a:rPr>
+              <a:t>iberica</a:t>
+            </a:r>
+            <a:endParaRPr lang="en-AU" sz="3200" i="1" dirty="0">
+              <a:solidFill>
+                <a:schemeClr val="bg1"/>
+              </a:solidFill>
+            </a:endParaRPr>
+          </a:p>
+        </p:txBody>
+      </p:sp>
+      <p:grpSp>
+        <p:nvGrpSpPr>
+          <p:cNvPr id="3" name="Group 2"/>
+          <p:cNvGrpSpPr/>
+          <p:nvPr/>
+        </p:nvGrpSpPr>
+        <p:grpSpPr>
+          <a:xfrm>
+            <a:off x="840217" y="606940"/>
+            <a:ext cx="5299906" cy="6185376"/>
+            <a:chOff x="840217" y="606940"/>
+            <a:chExt cx="5299906" cy="6185376"/>
+          </a:xfrm>
+        </p:grpSpPr>
+        <p:grpSp>
+          <p:nvGrpSpPr>
+            <p:cNvPr id="22" name="Group 21"/>
+            <p:cNvGrpSpPr/>
+            <p:nvPr/>
+          </p:nvGrpSpPr>
+          <p:grpSpPr>
+            <a:xfrm>
+              <a:off x="841225" y="606940"/>
+              <a:ext cx="5298898" cy="1989027"/>
+              <a:chOff x="841225" y="606940"/>
+              <a:chExt cx="5298898" cy="1989027"/>
+            </a:xfrm>
+          </p:grpSpPr>
+          <p:pic>
+            <p:nvPicPr>
+              <p:cNvPr id="11" name="Picture 10"/>
+              <p:cNvPicPr>
+                <a:picLocks noChangeAspect="1"/>
+              </p:cNvPicPr>
+              <p:nvPr/>
+            </p:nvPicPr>
+            <p:blipFill>
+              <a:blip r:embed="rId3" cstate="print">
+                <a:extLst>
+                  <a:ext uri="{28A0092B-C50C-407E-A947-70E740481C1C}">
+                    <a14:useLocalDpi xmlns:a14="http://schemas.microsoft.com/office/drawing/2010/main" val="0"/>
+                  </a:ext>
+                </a:extLst>
+              </a:blip>
+              <a:stretch>
+                <a:fillRect/>
+              </a:stretch>
+            </p:blipFill>
+            <p:spPr>
+              <a:xfrm>
+                <a:off x="3651629" y="606940"/>
+                <a:ext cx="2488494" cy="1989027"/>
+              </a:xfrm>
+              <a:prstGeom prst="rect">
+                <a:avLst/>
+              </a:prstGeom>
+            </p:spPr>
+          </p:pic>
+          <p:pic>
+            <p:nvPicPr>
+              <p:cNvPr id="12" name="Picture 11"/>
+              <p:cNvPicPr>
+                <a:picLocks noChangeAspect="1"/>
+              </p:cNvPicPr>
+              <p:nvPr/>
+            </p:nvPicPr>
+            <p:blipFill>
+              <a:blip r:embed="rId4" cstate="print">
+                <a:extLst>
+                  <a:ext uri="{28A0092B-C50C-407E-A947-70E740481C1C}">
+                    <a14:useLocalDpi xmlns:a14="http://schemas.microsoft.com/office/drawing/2010/main" val="0"/>
+                  </a:ext>
+                </a:extLst>
+              </a:blip>
+              <a:stretch>
+                <a:fillRect/>
+              </a:stretch>
+            </p:blipFill>
+            <p:spPr>
+              <a:xfrm>
+                <a:off x="841225" y="606940"/>
+                <a:ext cx="2488494" cy="1989027"/>
+              </a:xfrm>
+              <a:prstGeom prst="rect">
+                <a:avLst/>
+              </a:prstGeom>
+            </p:spPr>
+          </p:pic>
+        </p:grpSp>
+        <p:grpSp>
+          <p:nvGrpSpPr>
+            <p:cNvPr id="21" name="Group 20"/>
+            <p:cNvGrpSpPr/>
+            <p:nvPr/>
+          </p:nvGrpSpPr>
+          <p:grpSpPr>
+            <a:xfrm>
+              <a:off x="840217" y="2704308"/>
+              <a:ext cx="5293529" cy="1990639"/>
+              <a:chOff x="840217" y="2758267"/>
+              <a:chExt cx="5293529" cy="1990639"/>
+            </a:xfrm>
+          </p:grpSpPr>
+          <p:pic>
+            <p:nvPicPr>
+              <p:cNvPr id="16" name="Picture 15"/>
+              <p:cNvPicPr>
+                <a:picLocks noChangeAspect="1"/>
+              </p:cNvPicPr>
+              <p:nvPr/>
+            </p:nvPicPr>
+            <p:blipFill>
+              <a:blip r:embed="rId5" cstate="print">
+                <a:extLst>
+                  <a:ext uri="{28A0092B-C50C-407E-A947-70E740481C1C}">
+                    <a14:useLocalDpi xmlns:a14="http://schemas.microsoft.com/office/drawing/2010/main" val="0"/>
+                  </a:ext>
+                </a:extLst>
+              </a:blip>
+              <a:stretch>
+                <a:fillRect/>
+              </a:stretch>
+            </p:blipFill>
+            <p:spPr>
+              <a:xfrm>
+                <a:off x="3658006" y="2764170"/>
+                <a:ext cx="2475740" cy="1978833"/>
+              </a:xfrm>
+              <a:prstGeom prst="rect">
+                <a:avLst/>
+              </a:prstGeom>
+            </p:spPr>
+          </p:pic>
+          <p:pic>
+            <p:nvPicPr>
+              <p:cNvPr id="17" name="Picture 16"/>
+              <p:cNvPicPr>
+                <a:picLocks noChangeAspect="1"/>
+              </p:cNvPicPr>
+              <p:nvPr/>
+            </p:nvPicPr>
+            <p:blipFill>
+              <a:blip r:embed="rId6" cstate="print">
+                <a:extLst>
+                  <a:ext uri="{28A0092B-C50C-407E-A947-70E740481C1C}">
+                    <a14:useLocalDpi xmlns:a14="http://schemas.microsoft.com/office/drawing/2010/main" val="0"/>
+                  </a:ext>
+                </a:extLst>
+              </a:blip>
+              <a:stretch>
+                <a:fillRect/>
+              </a:stretch>
+            </p:blipFill>
+            <p:spPr>
+              <a:xfrm>
+                <a:off x="840217" y="2758267"/>
+                <a:ext cx="2490511" cy="1990639"/>
+              </a:xfrm>
+              <a:prstGeom prst="rect">
+                <a:avLst/>
+              </a:prstGeom>
+            </p:spPr>
+          </p:pic>
+        </p:grpSp>
+        <p:grpSp>
+          <p:nvGrpSpPr>
+            <p:cNvPr id="20" name="Group 19"/>
+            <p:cNvGrpSpPr/>
+            <p:nvPr/>
+          </p:nvGrpSpPr>
+          <p:grpSpPr>
+            <a:xfrm>
+              <a:off x="841225" y="4803289"/>
+              <a:ext cx="5265332" cy="1989027"/>
+              <a:chOff x="841225" y="4803289"/>
+              <a:chExt cx="5265332" cy="1989027"/>
+            </a:xfrm>
+          </p:grpSpPr>
+          <p:pic>
+            <p:nvPicPr>
+              <p:cNvPr id="18" name="Picture 17"/>
+              <p:cNvPicPr>
+                <a:picLocks noChangeAspect="1"/>
+              </p:cNvPicPr>
+              <p:nvPr/>
+            </p:nvPicPr>
+            <p:blipFill>
+              <a:blip r:embed="rId7" cstate="print">
+                <a:extLst>
+                  <a:ext uri="{28A0092B-C50C-407E-A947-70E740481C1C}">
+                    <a14:useLocalDpi xmlns:a14="http://schemas.microsoft.com/office/drawing/2010/main" val="0"/>
+                  </a:ext>
+                </a:extLst>
+              </a:blip>
+              <a:stretch>
+                <a:fillRect/>
+              </a:stretch>
+            </p:blipFill>
+            <p:spPr>
+              <a:xfrm>
+                <a:off x="3685195" y="4830118"/>
+                <a:ext cx="2421362" cy="1935369"/>
+              </a:xfrm>
+              <a:prstGeom prst="rect">
+                <a:avLst/>
+              </a:prstGeom>
+            </p:spPr>
+          </p:pic>
+          <p:pic>
+            <p:nvPicPr>
+              <p:cNvPr id="19" name="Picture 18"/>
+              <p:cNvPicPr>
+                <a:picLocks noChangeAspect="1"/>
+              </p:cNvPicPr>
+              <p:nvPr/>
+            </p:nvPicPr>
+            <p:blipFill>
+              <a:blip r:embed="rId8" cstate="print">
+                <a:extLst>
+                  <a:ext uri="{28A0092B-C50C-407E-A947-70E740481C1C}">
+                    <a14:useLocalDpi xmlns:a14="http://schemas.microsoft.com/office/drawing/2010/main" val="0"/>
+                  </a:ext>
+                </a:extLst>
+              </a:blip>
+              <a:stretch>
+                <a:fillRect/>
+              </a:stretch>
+            </p:blipFill>
+            <p:spPr>
+              <a:xfrm>
+                <a:off x="841225" y="4803289"/>
+                <a:ext cx="2488494" cy="1989027"/>
+              </a:xfrm>
+              <a:prstGeom prst="rect">
+                <a:avLst/>
+              </a:prstGeom>
+            </p:spPr>
+          </p:pic>
+        </p:grpSp>
+      </p:grpSp>
+    </p:spTree>
+    <p:extLst>
+      <p:ext uri="{BB962C8B-B14F-4D97-AF65-F5344CB8AC3E}">
+        <p14:creationId xmlns:p14="http://schemas.microsoft.com/office/powerpoint/2010/main" val="2815885344"/>
+      </p:ext>
+    </p:extLst>
+  </p:cSld>
+  <p:clrMapOvr>
+    <a:masterClrMapping/>
+  </p:clrMapOvr>
+  <p:timing>
+    <p:tnLst>
+      <p:par>
+        <p:cTn id="1" dur="indefinite" restart="never" nodeType="tmRoot"/>
+      </p:par>
+    </p:tnLst>
+  </p:timing>
+</p:sld>
+</file>
+
+<file path=ppt/slides/slide11.xml><?xml version="1.0" encoding="utf-8"?>
+<p:sld xmlns:a="http://schemas.openxmlformats.org/drawingml/2006/main" xmlns:r="http://schemas.openxmlformats.org/officeDocument/2006/relationships" xmlns:p="http://schemas.openxmlformats.org/presentationml/2006/main">
+  <p:cSld>
+    <p:spTree>
+      <p:nvGrpSpPr>
+        <p:cNvPr id="1" name=""/>
+        <p:cNvGrpSpPr/>
+        <p:nvPr/>
+      </p:nvGrpSpPr>
+      <p:grpSpPr>
+        <a:xfrm>
+          <a:off x="0" y="0"/>
+          <a:ext cx="0" cy="0"/>
+          <a:chOff x="0" y="0"/>
+          <a:chExt cx="0" cy="0"/>
+        </a:xfrm>
+      </p:grpSpPr>
+      <p:sp>
+        <p:nvSpPr>
+          <p:cNvPr id="2" name="Title 1"/>
+          <p:cNvSpPr>
+            <a:spLocks noGrp="1"/>
+          </p:cNvSpPr>
+          <p:nvPr>
+            <p:ph type="title"/>
+          </p:nvPr>
+        </p:nvSpPr>
+        <p:spPr>
+          <a:xfrm>
+            <a:off x="419100" y="2"/>
+            <a:ext cx="11353800" cy="615072"/>
+          </a:xfrm>
+        </p:spPr>
+        <p:txBody>
+          <a:bodyPr>
+            <a:normAutofit/>
+          </a:bodyPr>
+          <a:lstStyle/>
+          <a:p>
+            <a:pPr algn="ctr"/>
+            <a:r>
+              <a:rPr lang="en-AU" sz="3600" dirty="0" smtClean="0">
+                <a:latin typeface="+mn-lt"/>
+              </a:rPr>
+              <a:t>Protection of neutral genetic diversity</a:t>
+            </a:r>
+            <a:endParaRPr lang="en-AU" sz="3600" dirty="0">
+              <a:latin typeface="+mn-lt"/>
+            </a:endParaRPr>
+          </a:p>
+        </p:txBody>
+      </p:sp>
+      <p:pic>
+        <p:nvPicPr>
+          <p:cNvPr id="4" name="Content Placeholder 3"/>
+          <p:cNvPicPr>
+            <a:picLocks noGrp="1" noChangeAspect="1"/>
+          </p:cNvPicPr>
+          <p:nvPr>
+            <p:ph idx="1"/>
+          </p:nvPr>
+        </p:nvPicPr>
+        <p:blipFill>
+          <a:blip r:embed="rId2" cstate="print">
+            <a:extLst>
+              <a:ext uri="{28A0092B-C50C-407E-A947-70E740481C1C}">
+                <a14:useLocalDpi xmlns:a14="http://schemas.microsoft.com/office/drawing/2010/main" val="0"/>
+              </a:ext>
+            </a:extLst>
+          </a:blip>
+          <a:stretch>
+            <a:fillRect/>
+          </a:stretch>
+        </p:blipFill>
+        <p:spPr>
+          <a:xfrm>
+            <a:off x="6241688" y="1707147"/>
+            <a:ext cx="5804623" cy="3984963"/>
+          </a:xfrm>
+        </p:spPr>
+      </p:pic>
+      <p:sp>
+        <p:nvSpPr>
+          <p:cNvPr id="9" name="TextBox 8"/>
+          <p:cNvSpPr txBox="1"/>
+          <p:nvPr/>
+        </p:nvSpPr>
+        <p:spPr>
+          <a:xfrm rot="16200000">
+            <a:off x="-466535" y="1219726"/>
+            <a:ext cx="1794081" cy="584775"/>
+          </a:xfrm>
+          <a:prstGeom prst="rect">
+            <a:avLst/>
+          </a:prstGeom>
+          <a:noFill/>
+        </p:spPr>
+        <p:txBody>
+          <a:bodyPr wrap="none" rtlCol="0">
+            <a:spAutoFit/>
+          </a:bodyPr>
+          <a:lstStyle/>
+          <a:p>
+            <a:r>
+              <a:rPr lang="en-AU" sz="3200" i="1" dirty="0" smtClean="0">
+                <a:solidFill>
+                  <a:schemeClr val="bg1"/>
+                </a:solidFill>
+              </a:rPr>
+              <a:t>H. </a:t>
+            </a:r>
+            <a:r>
+              <a:rPr lang="en-AU" sz="3200" i="1" dirty="0" err="1" smtClean="0">
+                <a:solidFill>
+                  <a:schemeClr val="bg1"/>
+                </a:solidFill>
+              </a:rPr>
+              <a:t>molleri</a:t>
+            </a:r>
+            <a:endParaRPr lang="en-AU" sz="3200" i="1" dirty="0">
+              <a:solidFill>
+                <a:schemeClr val="bg1"/>
+              </a:solidFill>
+            </a:endParaRPr>
+          </a:p>
+        </p:txBody>
+      </p:sp>
+      <p:sp>
+        <p:nvSpPr>
+          <p:cNvPr id="10" name="TextBox 9"/>
+          <p:cNvSpPr txBox="1"/>
+          <p:nvPr/>
+        </p:nvSpPr>
+        <p:spPr>
+          <a:xfrm rot="16200000">
+            <a:off x="-611107" y="3456324"/>
+            <a:ext cx="2007024" cy="646331"/>
+          </a:xfrm>
+          <a:prstGeom prst="rect">
+            <a:avLst/>
+          </a:prstGeom>
+          <a:noFill/>
+        </p:spPr>
+        <p:txBody>
+          <a:bodyPr wrap="none" rtlCol="0">
+            <a:spAutoFit/>
+          </a:bodyPr>
+          <a:lstStyle/>
+          <a:p>
+            <a:r>
+              <a:rPr lang="en-AU" sz="3600" i="1" dirty="0" smtClean="0">
+                <a:solidFill>
+                  <a:schemeClr val="bg1"/>
+                </a:solidFill>
+              </a:rPr>
+              <a:t>P. </a:t>
+            </a:r>
+            <a:r>
+              <a:rPr lang="en-AU" sz="3200" i="1" dirty="0" err="1" smtClean="0">
+                <a:solidFill>
+                  <a:schemeClr val="bg1"/>
+                </a:solidFill>
+              </a:rPr>
+              <a:t>cultripes</a:t>
+            </a:r>
+            <a:endParaRPr lang="en-AU" sz="3200" i="1" dirty="0">
+              <a:solidFill>
+                <a:schemeClr val="bg1"/>
+              </a:solidFill>
+            </a:endParaRPr>
+          </a:p>
+        </p:txBody>
+      </p:sp>
+      <p:sp>
+        <p:nvSpPr>
+          <p:cNvPr id="11" name="TextBox 10"/>
+          <p:cNvSpPr txBox="1"/>
+          <p:nvPr/>
+        </p:nvSpPr>
+        <p:spPr>
+          <a:xfrm rot="16200000">
+            <a:off x="-469851" y="5589057"/>
+            <a:ext cx="1724511" cy="584775"/>
+          </a:xfrm>
+          <a:prstGeom prst="rect">
+            <a:avLst/>
+          </a:prstGeom>
+          <a:noFill/>
+        </p:spPr>
+        <p:txBody>
+          <a:bodyPr wrap="none" rtlCol="0">
+            <a:spAutoFit/>
+          </a:bodyPr>
+          <a:lstStyle/>
+          <a:p>
+            <a:r>
+              <a:rPr lang="en-AU" sz="3200" i="1" dirty="0" smtClean="0">
+                <a:solidFill>
+                  <a:schemeClr val="bg1"/>
+                </a:solidFill>
+              </a:rPr>
+              <a:t>R. </a:t>
+            </a:r>
+            <a:r>
+              <a:rPr lang="en-AU" sz="3200" i="1" dirty="0" err="1" smtClean="0">
+                <a:solidFill>
+                  <a:schemeClr val="bg1"/>
+                </a:solidFill>
+              </a:rPr>
+              <a:t>iberica</a:t>
+            </a:r>
+            <a:endParaRPr lang="en-AU" sz="3200" i="1" dirty="0">
+              <a:solidFill>
+                <a:schemeClr val="bg1"/>
+              </a:solidFill>
+            </a:endParaRPr>
+          </a:p>
+        </p:txBody>
+      </p:sp>
+      <p:grpSp>
+        <p:nvGrpSpPr>
+          <p:cNvPr id="18" name="Group 17"/>
+          <p:cNvGrpSpPr/>
+          <p:nvPr/>
+        </p:nvGrpSpPr>
+        <p:grpSpPr>
+          <a:xfrm>
+            <a:off x="840217" y="606940"/>
+            <a:ext cx="5299905" cy="6185376"/>
+            <a:chOff x="840217" y="606940"/>
+            <a:chExt cx="5299905" cy="6185376"/>
+          </a:xfrm>
+        </p:grpSpPr>
+        <p:pic>
+          <p:nvPicPr>
+            <p:cNvPr id="7" name="Picture 6"/>
+            <p:cNvPicPr>
+              <a:picLocks noChangeAspect="1"/>
+            </p:cNvPicPr>
+            <p:nvPr/>
+          </p:nvPicPr>
+          <p:blipFill>
+            <a:blip r:embed="rId3" cstate="print">
+              <a:extLst>
+                <a:ext uri="{28A0092B-C50C-407E-A947-70E740481C1C}">
+                  <a14:useLocalDpi xmlns:a14="http://schemas.microsoft.com/office/drawing/2010/main" val="0"/>
+                </a:ext>
+              </a:extLst>
+            </a:blip>
+            <a:stretch>
+              <a:fillRect/>
+            </a:stretch>
+          </p:blipFill>
+          <p:spPr>
+            <a:xfrm>
+              <a:off x="3651629" y="606940"/>
+              <a:ext cx="2488493" cy="1989027"/>
+            </a:xfrm>
+            <a:prstGeom prst="rect">
+              <a:avLst/>
+            </a:prstGeom>
+          </p:spPr>
+        </p:pic>
+        <p:pic>
+          <p:nvPicPr>
+            <p:cNvPr id="8" name="Picture 7"/>
+            <p:cNvPicPr>
+              <a:picLocks noChangeAspect="1"/>
+            </p:cNvPicPr>
+            <p:nvPr/>
+          </p:nvPicPr>
+          <p:blipFill>
+            <a:blip r:embed="rId4" cstate="print">
+              <a:extLst>
+                <a:ext uri="{28A0092B-C50C-407E-A947-70E740481C1C}">
+                  <a14:useLocalDpi xmlns:a14="http://schemas.microsoft.com/office/drawing/2010/main" val="0"/>
+                </a:ext>
+              </a:extLst>
+            </a:blip>
+            <a:stretch>
+              <a:fillRect/>
+            </a:stretch>
+          </p:blipFill>
+          <p:spPr>
+            <a:xfrm>
+              <a:off x="841225" y="606940"/>
+              <a:ext cx="2488493" cy="1989027"/>
+            </a:xfrm>
+            <a:prstGeom prst="rect">
+              <a:avLst/>
+            </a:prstGeom>
+          </p:spPr>
+        </p:pic>
+        <p:pic>
+          <p:nvPicPr>
+            <p:cNvPr id="13" name="Picture 12"/>
+            <p:cNvPicPr>
+              <a:picLocks noChangeAspect="1"/>
+            </p:cNvPicPr>
+            <p:nvPr/>
+          </p:nvPicPr>
+          <p:blipFill>
+            <a:blip r:embed="rId5" cstate="print">
+              <a:extLst>
+                <a:ext uri="{28A0092B-C50C-407E-A947-70E740481C1C}">
+                  <a14:useLocalDpi xmlns:a14="http://schemas.microsoft.com/office/drawing/2010/main" val="0"/>
+                </a:ext>
+              </a:extLst>
+            </a:blip>
+            <a:stretch>
+              <a:fillRect/>
+            </a:stretch>
+          </p:blipFill>
+          <p:spPr>
+            <a:xfrm>
+              <a:off x="3658006" y="2710211"/>
+              <a:ext cx="2475739" cy="1978833"/>
+            </a:xfrm>
+            <a:prstGeom prst="rect">
+              <a:avLst/>
+            </a:prstGeom>
+          </p:spPr>
+        </p:pic>
+        <p:pic>
+          <p:nvPicPr>
+            <p:cNvPr id="14" name="Picture 13"/>
+            <p:cNvPicPr>
+              <a:picLocks noChangeAspect="1"/>
+            </p:cNvPicPr>
+            <p:nvPr/>
+          </p:nvPicPr>
+          <p:blipFill>
+            <a:blip r:embed="rId6" cstate="print">
+              <a:extLst>
+                <a:ext uri="{28A0092B-C50C-407E-A947-70E740481C1C}">
+                  <a14:useLocalDpi xmlns:a14="http://schemas.microsoft.com/office/drawing/2010/main" val="0"/>
+                </a:ext>
+              </a:extLst>
+            </a:blip>
+            <a:stretch>
+              <a:fillRect/>
+            </a:stretch>
+          </p:blipFill>
+          <p:spPr>
+            <a:xfrm>
+              <a:off x="840217" y="2704308"/>
+              <a:ext cx="2490510" cy="1990639"/>
+            </a:xfrm>
+            <a:prstGeom prst="rect">
+              <a:avLst/>
+            </a:prstGeom>
+          </p:spPr>
+        </p:pic>
+        <p:pic>
+          <p:nvPicPr>
+            <p:cNvPr id="16" name="Picture 15"/>
+            <p:cNvPicPr>
+              <a:picLocks noChangeAspect="1"/>
+            </p:cNvPicPr>
+            <p:nvPr/>
+          </p:nvPicPr>
+          <p:blipFill>
+            <a:blip r:embed="rId7" cstate="print">
+              <a:extLst>
+                <a:ext uri="{28A0092B-C50C-407E-A947-70E740481C1C}">
+                  <a14:useLocalDpi xmlns:a14="http://schemas.microsoft.com/office/drawing/2010/main" val="0"/>
+                </a:ext>
+              </a:extLst>
+            </a:blip>
+            <a:stretch>
+              <a:fillRect/>
+            </a:stretch>
+          </p:blipFill>
+          <p:spPr>
+            <a:xfrm>
+              <a:off x="3685195" y="4830118"/>
+              <a:ext cx="2421361" cy="1935369"/>
+            </a:xfrm>
+            <a:prstGeom prst="rect">
+              <a:avLst/>
+            </a:prstGeom>
+          </p:spPr>
+        </p:pic>
+        <p:pic>
+          <p:nvPicPr>
+            <p:cNvPr id="17" name="Picture 16"/>
+            <p:cNvPicPr>
+              <a:picLocks noChangeAspect="1"/>
+            </p:cNvPicPr>
+            <p:nvPr/>
+          </p:nvPicPr>
+          <p:blipFill>
+            <a:blip r:embed="rId8" cstate="print">
+              <a:extLst>
+                <a:ext uri="{28A0092B-C50C-407E-A947-70E740481C1C}">
+                  <a14:useLocalDpi xmlns:a14="http://schemas.microsoft.com/office/drawing/2010/main" val="0"/>
+                </a:ext>
+              </a:extLst>
+            </a:blip>
+            <a:stretch>
+              <a:fillRect/>
+            </a:stretch>
+          </p:blipFill>
+          <p:spPr>
+            <a:xfrm>
+              <a:off x="841225" y="4803289"/>
+              <a:ext cx="2488493" cy="1989027"/>
+            </a:xfrm>
+            <a:prstGeom prst="rect">
+              <a:avLst/>
+            </a:prstGeom>
+          </p:spPr>
+        </p:pic>
+      </p:grpSp>
+    </p:spTree>
+    <p:extLst>
+      <p:ext uri="{BB962C8B-B14F-4D97-AF65-F5344CB8AC3E}">
+        <p14:creationId xmlns:p14="http://schemas.microsoft.com/office/powerpoint/2010/main" val="2945470117"/>
+      </p:ext>
+    </p:extLst>
+  </p:cSld>
+  <p:clrMapOvr>
+    <a:masterClrMapping/>
+  </p:clrMapOvr>
+  <p:timing>
+    <p:tnLst>
+      <p:par>
+        <p:cTn id="1" dur="indefinite" restart="never" nodeType="tmRoot"/>
+      </p:par>
+    </p:tnLst>
+  </p:timing>
+</p:sld>
+</file>
+
+<file path=ppt/slides/slide12.xml><?xml version="1.0" encoding="utf-8"?>
+<p:sld xmlns:a="http://schemas.openxmlformats.org/drawingml/2006/main" xmlns:r="http://schemas.openxmlformats.org/officeDocument/2006/relationships" xmlns:p="http://schemas.openxmlformats.org/presentationml/2006/main">
+  <p:cSld>
+    <p:spTree>
+      <p:nvGrpSpPr>
+        <p:cNvPr id="1" name=""/>
+        <p:cNvGrpSpPr/>
+        <p:nvPr/>
+      </p:nvGrpSpPr>
+      <p:grpSpPr>
+        <a:xfrm>
+          <a:off x="0" y="0"/>
+          <a:ext cx="0" cy="0"/>
+          <a:chOff x="0" y="0"/>
+          <a:chExt cx="0" cy="0"/>
+        </a:xfrm>
+      </p:grpSpPr>
+      <p:pic>
+        <p:nvPicPr>
+          <p:cNvPr id="4" name="Picture 3"/>
+          <p:cNvPicPr>
+            <a:picLocks noChangeAspect="1"/>
+          </p:cNvPicPr>
+          <p:nvPr/>
+        </p:nvPicPr>
+        <p:blipFill>
+          <a:blip r:embed="rId2" cstate="print">
+            <a:extLst>
+              <a:ext uri="{28A0092B-C50C-407E-A947-70E740481C1C}">
+                <a14:useLocalDpi xmlns:a14="http://schemas.microsoft.com/office/drawing/2010/main" val="0"/>
+              </a:ext>
+            </a:extLst>
+          </a:blip>
+          <a:stretch>
+            <a:fillRect/>
+          </a:stretch>
+        </p:blipFill>
+        <p:spPr>
+          <a:xfrm>
+            <a:off x="6337300" y="1707147"/>
+            <a:ext cx="5804623" cy="3984963"/>
+          </a:xfrm>
+          <a:prstGeom prst="rect">
+            <a:avLst/>
+          </a:prstGeom>
+        </p:spPr>
+      </p:pic>
+      <p:sp>
+        <p:nvSpPr>
+          <p:cNvPr id="8" name="TextBox 7"/>
+          <p:cNvSpPr txBox="1"/>
+          <p:nvPr/>
+        </p:nvSpPr>
+        <p:spPr>
+          <a:xfrm rot="16200000">
+            <a:off x="-466535" y="1219726"/>
+            <a:ext cx="1794081" cy="584775"/>
+          </a:xfrm>
+          <a:prstGeom prst="rect">
+            <a:avLst/>
+          </a:prstGeom>
+          <a:noFill/>
+        </p:spPr>
+        <p:txBody>
+          <a:bodyPr wrap="none" rtlCol="0">
+            <a:spAutoFit/>
+          </a:bodyPr>
+          <a:lstStyle/>
+          <a:p>
+            <a:r>
+              <a:rPr lang="en-AU" sz="3200" i="1" dirty="0" smtClean="0">
+                <a:solidFill>
+                  <a:schemeClr val="bg1"/>
+                </a:solidFill>
+              </a:rPr>
+              <a:t>H. </a:t>
+            </a:r>
+            <a:r>
+              <a:rPr lang="en-AU" sz="3200" i="1" dirty="0" err="1" smtClean="0">
+                <a:solidFill>
+                  <a:schemeClr val="bg1"/>
+                </a:solidFill>
+              </a:rPr>
+              <a:t>molleri</a:t>
+            </a:r>
+            <a:endParaRPr lang="en-AU" sz="3200" i="1" dirty="0">
+              <a:solidFill>
+                <a:schemeClr val="bg1"/>
+              </a:solidFill>
+            </a:endParaRPr>
+          </a:p>
+        </p:txBody>
+      </p:sp>
+      <p:sp>
+        <p:nvSpPr>
+          <p:cNvPr id="9" name="TextBox 8"/>
+          <p:cNvSpPr txBox="1"/>
+          <p:nvPr/>
+        </p:nvSpPr>
+        <p:spPr>
+          <a:xfrm rot="16200000">
+            <a:off x="-611107" y="3456324"/>
+            <a:ext cx="2007024" cy="646331"/>
+          </a:xfrm>
+          <a:prstGeom prst="rect">
+            <a:avLst/>
+          </a:prstGeom>
+          <a:noFill/>
+        </p:spPr>
+        <p:txBody>
+          <a:bodyPr wrap="none" rtlCol="0">
+            <a:spAutoFit/>
+          </a:bodyPr>
+          <a:lstStyle/>
+          <a:p>
+            <a:r>
+              <a:rPr lang="en-AU" sz="3600" i="1" dirty="0" smtClean="0">
+                <a:solidFill>
+                  <a:schemeClr val="bg1"/>
+                </a:solidFill>
+              </a:rPr>
+              <a:t>P. </a:t>
+            </a:r>
+            <a:r>
+              <a:rPr lang="en-AU" sz="3200" i="1" dirty="0" err="1" smtClean="0">
+                <a:solidFill>
+                  <a:schemeClr val="bg1"/>
+                </a:solidFill>
+              </a:rPr>
+              <a:t>cultripes</a:t>
+            </a:r>
+            <a:endParaRPr lang="en-AU" sz="3200" i="1" dirty="0">
+              <a:solidFill>
+                <a:schemeClr val="bg1"/>
+              </a:solidFill>
+            </a:endParaRPr>
+          </a:p>
+        </p:txBody>
+      </p:sp>
+      <p:sp>
+        <p:nvSpPr>
+          <p:cNvPr id="10" name="TextBox 9"/>
+          <p:cNvSpPr txBox="1"/>
+          <p:nvPr/>
+        </p:nvSpPr>
+        <p:spPr>
+          <a:xfrm rot="16200000">
+            <a:off x="-469851" y="5589057"/>
+            <a:ext cx="1724511" cy="584775"/>
+          </a:xfrm>
+          <a:prstGeom prst="rect">
+            <a:avLst/>
+          </a:prstGeom>
+          <a:noFill/>
+        </p:spPr>
+        <p:txBody>
+          <a:bodyPr wrap="none" rtlCol="0">
+            <a:spAutoFit/>
+          </a:bodyPr>
+          <a:lstStyle/>
+          <a:p>
+            <a:r>
+              <a:rPr lang="en-AU" sz="3200" i="1" dirty="0" smtClean="0">
+                <a:solidFill>
+                  <a:schemeClr val="bg1"/>
+                </a:solidFill>
+              </a:rPr>
+              <a:t>R. </a:t>
+            </a:r>
+            <a:r>
+              <a:rPr lang="en-AU" sz="3200" i="1" dirty="0" err="1" smtClean="0">
+                <a:solidFill>
+                  <a:schemeClr val="bg1"/>
+                </a:solidFill>
+              </a:rPr>
+              <a:t>iberica</a:t>
+            </a:r>
+            <a:endParaRPr lang="en-AU" sz="3200" i="1" dirty="0">
+              <a:solidFill>
+                <a:schemeClr val="bg1"/>
+              </a:solidFill>
+            </a:endParaRPr>
+          </a:p>
+        </p:txBody>
+      </p:sp>
+      <p:grpSp>
+        <p:nvGrpSpPr>
+          <p:cNvPr id="19" name="Group 18"/>
+          <p:cNvGrpSpPr/>
+          <p:nvPr/>
+        </p:nvGrpSpPr>
+        <p:grpSpPr>
+          <a:xfrm>
+            <a:off x="840217" y="606940"/>
+            <a:ext cx="5299905" cy="6185376"/>
+            <a:chOff x="840217" y="606940"/>
+            <a:chExt cx="5299905" cy="6185376"/>
+          </a:xfrm>
+        </p:grpSpPr>
+        <p:pic>
+          <p:nvPicPr>
+            <p:cNvPr id="6" name="Picture 5"/>
+            <p:cNvPicPr>
+              <a:picLocks noChangeAspect="1"/>
+            </p:cNvPicPr>
+            <p:nvPr/>
+          </p:nvPicPr>
+          <p:blipFill>
+            <a:blip r:embed="rId3" cstate="print">
+              <a:extLst>
+                <a:ext uri="{28A0092B-C50C-407E-A947-70E740481C1C}">
+                  <a14:useLocalDpi xmlns:a14="http://schemas.microsoft.com/office/drawing/2010/main" val="0"/>
+                </a:ext>
+              </a:extLst>
+            </a:blip>
+            <a:stretch>
+              <a:fillRect/>
+            </a:stretch>
+          </p:blipFill>
+          <p:spPr>
+            <a:xfrm>
+              <a:off x="3651629" y="606940"/>
+              <a:ext cx="2488493" cy="1989027"/>
+            </a:xfrm>
+            <a:prstGeom prst="rect">
+              <a:avLst/>
+            </a:prstGeom>
+          </p:spPr>
+        </p:pic>
+        <p:pic>
+          <p:nvPicPr>
+            <p:cNvPr id="7" name="Picture 6"/>
+            <p:cNvPicPr>
+              <a:picLocks noChangeAspect="1"/>
+            </p:cNvPicPr>
+            <p:nvPr/>
+          </p:nvPicPr>
+          <p:blipFill>
+            <a:blip r:embed="rId4" cstate="print">
+              <a:extLst>
+                <a:ext uri="{28A0092B-C50C-407E-A947-70E740481C1C}">
+                  <a14:useLocalDpi xmlns:a14="http://schemas.microsoft.com/office/drawing/2010/main" val="0"/>
+                </a:ext>
+              </a:extLst>
+            </a:blip>
+            <a:stretch>
+              <a:fillRect/>
+            </a:stretch>
+          </p:blipFill>
+          <p:spPr>
+            <a:xfrm>
+              <a:off x="841225" y="606940"/>
+              <a:ext cx="2488493" cy="1989027"/>
+            </a:xfrm>
+            <a:prstGeom prst="rect">
+              <a:avLst/>
+            </a:prstGeom>
+          </p:spPr>
+        </p:pic>
+        <p:pic>
+          <p:nvPicPr>
+            <p:cNvPr id="12" name="Picture 11"/>
+            <p:cNvPicPr>
+              <a:picLocks noChangeAspect="1"/>
+            </p:cNvPicPr>
+            <p:nvPr/>
+          </p:nvPicPr>
+          <p:blipFill>
+            <a:blip r:embed="rId5" cstate="print">
+              <a:extLst>
+                <a:ext uri="{28A0092B-C50C-407E-A947-70E740481C1C}">
+                  <a14:useLocalDpi xmlns:a14="http://schemas.microsoft.com/office/drawing/2010/main" val="0"/>
+                </a:ext>
+              </a:extLst>
+            </a:blip>
+            <a:stretch>
+              <a:fillRect/>
+            </a:stretch>
+          </p:blipFill>
+          <p:spPr>
+            <a:xfrm>
+              <a:off x="3658006" y="2710211"/>
+              <a:ext cx="2475739" cy="1978833"/>
+            </a:xfrm>
+            <a:prstGeom prst="rect">
+              <a:avLst/>
+            </a:prstGeom>
+          </p:spPr>
+        </p:pic>
+        <p:pic>
+          <p:nvPicPr>
+            <p:cNvPr id="13" name="Picture 12"/>
+            <p:cNvPicPr>
+              <a:picLocks noChangeAspect="1"/>
+            </p:cNvPicPr>
+            <p:nvPr/>
+          </p:nvPicPr>
+          <p:blipFill>
+            <a:blip r:embed="rId6" cstate="print">
+              <a:extLst>
+                <a:ext uri="{28A0092B-C50C-407E-A947-70E740481C1C}">
+                  <a14:useLocalDpi xmlns:a14="http://schemas.microsoft.com/office/drawing/2010/main" val="0"/>
+                </a:ext>
+              </a:extLst>
+            </a:blip>
+            <a:stretch>
+              <a:fillRect/>
+            </a:stretch>
+          </p:blipFill>
+          <p:spPr>
+            <a:xfrm>
+              <a:off x="840217" y="2704308"/>
+              <a:ext cx="2490510" cy="1990639"/>
+            </a:xfrm>
+            <a:prstGeom prst="rect">
+              <a:avLst/>
+            </a:prstGeom>
+          </p:spPr>
+        </p:pic>
+        <p:pic>
+          <p:nvPicPr>
+            <p:cNvPr id="15" name="Picture 14"/>
+            <p:cNvPicPr>
+              <a:picLocks noChangeAspect="1"/>
+            </p:cNvPicPr>
+            <p:nvPr/>
+          </p:nvPicPr>
+          <p:blipFill>
+            <a:blip r:embed="rId7" cstate="print">
+              <a:extLst>
+                <a:ext uri="{28A0092B-C50C-407E-A947-70E740481C1C}">
+                  <a14:useLocalDpi xmlns:a14="http://schemas.microsoft.com/office/drawing/2010/main" val="0"/>
+                </a:ext>
+              </a:extLst>
+            </a:blip>
+            <a:stretch>
+              <a:fillRect/>
+            </a:stretch>
+          </p:blipFill>
+          <p:spPr>
+            <a:xfrm>
+              <a:off x="3685195" y="4830118"/>
+              <a:ext cx="2421361" cy="1935369"/>
+            </a:xfrm>
+            <a:prstGeom prst="rect">
+              <a:avLst/>
+            </a:prstGeom>
+          </p:spPr>
+        </p:pic>
+        <p:pic>
+          <p:nvPicPr>
+            <p:cNvPr id="16" name="Picture 15"/>
+            <p:cNvPicPr>
+              <a:picLocks noChangeAspect="1"/>
+            </p:cNvPicPr>
+            <p:nvPr/>
+          </p:nvPicPr>
+          <p:blipFill>
+            <a:blip r:embed="rId8" cstate="print">
+              <a:extLst>
+                <a:ext uri="{28A0092B-C50C-407E-A947-70E740481C1C}">
+                  <a14:useLocalDpi xmlns:a14="http://schemas.microsoft.com/office/drawing/2010/main" val="0"/>
+                </a:ext>
+              </a:extLst>
+            </a:blip>
+            <a:stretch>
+              <a:fillRect/>
+            </a:stretch>
+          </p:blipFill>
+          <p:spPr>
+            <a:xfrm>
+              <a:off x="841225" y="4803289"/>
+              <a:ext cx="2488493" cy="1989027"/>
+            </a:xfrm>
+            <a:prstGeom prst="rect">
+              <a:avLst/>
+            </a:prstGeom>
+          </p:spPr>
+        </p:pic>
+      </p:grpSp>
+      <p:sp>
+        <p:nvSpPr>
+          <p:cNvPr id="18" name="Title 1"/>
+          <p:cNvSpPr>
+            <a:spLocks noGrp="1"/>
+          </p:cNvSpPr>
+          <p:nvPr>
+            <p:ph type="title"/>
+          </p:nvPr>
+        </p:nvSpPr>
+        <p:spPr>
+          <a:xfrm>
+            <a:off x="419100" y="2"/>
+            <a:ext cx="11353800" cy="615072"/>
+          </a:xfrm>
+        </p:spPr>
+        <p:txBody>
+          <a:bodyPr>
+            <a:normAutofit/>
+          </a:bodyPr>
+          <a:lstStyle/>
+          <a:p>
+            <a:pPr algn="ctr"/>
+            <a:r>
+              <a:rPr lang="en-AU" sz="3600" dirty="0" smtClean="0">
+                <a:latin typeface="+mn-lt"/>
+              </a:rPr>
+              <a:t>Protection of adaptive genetic diversity</a:t>
+            </a:r>
+            <a:endParaRPr lang="en-AU" sz="3600" dirty="0">
+              <a:latin typeface="+mn-lt"/>
+            </a:endParaRPr>
+          </a:p>
+        </p:txBody>
+      </p:sp>
+    </p:spTree>
+    <p:extLst>
+      <p:ext uri="{BB962C8B-B14F-4D97-AF65-F5344CB8AC3E}">
+        <p14:creationId xmlns:p14="http://schemas.microsoft.com/office/powerpoint/2010/main" val="1940105595"/>
+      </p:ext>
+    </p:extLst>
+  </p:cSld>
+  <p:clrMapOvr>
+    <a:masterClrMapping/>
+  </p:clrMapOvr>
+  <p:timing>
+    <p:tnLst>
+      <p:par>
+        <p:cTn id="1" dur="indefinite" restart="never" nodeType="tmRoot"/>
+      </p:par>
+    </p:tnLst>
+  </p:timing>
+</p:sld>
+</file>
+
+<file path=ppt/slides/slide13.xml><?xml version="1.0" encoding="utf-8"?>
+<p:sld xmlns:a="http://schemas.openxmlformats.org/drawingml/2006/main" xmlns:r="http://schemas.openxmlformats.org/officeDocument/2006/relationships" xmlns:p="http://schemas.openxmlformats.org/presentationml/2006/main">
+  <p:cSld>
+    <p:spTree>
+      <p:nvGrpSpPr>
+        <p:cNvPr id="1" name=""/>
+        <p:cNvGrpSpPr/>
+        <p:nvPr/>
+      </p:nvGrpSpPr>
+      <p:grpSpPr>
+        <a:xfrm>
+          <a:off x="0" y="0"/>
+          <a:ext cx="0" cy="0"/>
+          <a:chOff x="0" y="0"/>
+          <a:chExt cx="0" cy="0"/>
+        </a:xfrm>
+      </p:grpSpPr>
+      <p:sp>
+        <p:nvSpPr>
+          <p:cNvPr id="2" name="Title 1"/>
+          <p:cNvSpPr>
+            <a:spLocks noGrp="1"/>
+          </p:cNvSpPr>
+          <p:nvPr>
+            <p:ph type="title"/>
+          </p:nvPr>
+        </p:nvSpPr>
+        <p:spPr>
+          <a:xfrm>
+            <a:off x="838200" y="41299"/>
+            <a:ext cx="10515600" cy="573774"/>
+          </a:xfrm>
+        </p:spPr>
+        <p:txBody>
+          <a:bodyPr>
+            <a:noAutofit/>
+          </a:bodyPr>
+          <a:lstStyle/>
+          <a:p>
+            <a:pPr algn="ctr"/>
+            <a:r>
+              <a:rPr lang="en-AU" sz="3600" dirty="0" smtClean="0">
+                <a:latin typeface="+mn-lt"/>
+              </a:rPr>
+              <a:t>Protection of</a:t>
+            </a:r>
+            <a:r>
+              <a:rPr lang="en-AU" sz="3600" dirty="0">
+                <a:latin typeface="+mn-lt"/>
+              </a:rPr>
+              <a:t> </a:t>
+            </a:r>
+            <a:r>
+              <a:rPr lang="en-AU" sz="3600" dirty="0" smtClean="0">
+                <a:latin typeface="+mn-lt"/>
+              </a:rPr>
+              <a:t>climate </a:t>
+            </a:r>
+            <a:r>
+              <a:rPr lang="en-AU" sz="3600" dirty="0" err="1" smtClean="0">
+                <a:latin typeface="+mn-lt"/>
+              </a:rPr>
+              <a:t>refugia</a:t>
+            </a:r>
+            <a:endParaRPr lang="en-AU" sz="3600" dirty="0">
+              <a:latin typeface="+mn-lt"/>
+            </a:endParaRPr>
+          </a:p>
+        </p:txBody>
+      </p:sp>
+      <p:pic>
+        <p:nvPicPr>
+          <p:cNvPr id="4" name="Picture 3"/>
+          <p:cNvPicPr>
+            <a:picLocks noChangeAspect="1"/>
+          </p:cNvPicPr>
+          <p:nvPr/>
+        </p:nvPicPr>
+        <p:blipFill>
+          <a:blip r:embed="rId2" cstate="print">
+            <a:extLst>
+              <a:ext uri="{28A0092B-C50C-407E-A947-70E740481C1C}">
+                <a14:useLocalDpi xmlns:a14="http://schemas.microsoft.com/office/drawing/2010/main" val="0"/>
+              </a:ext>
+            </a:extLst>
+          </a:blip>
+          <a:stretch>
+            <a:fillRect/>
+          </a:stretch>
+        </p:blipFill>
+        <p:spPr>
+          <a:xfrm>
+            <a:off x="6323877" y="1436519"/>
+            <a:ext cx="5804623" cy="3984963"/>
+          </a:xfrm>
+          <a:prstGeom prst="rect">
+            <a:avLst/>
+          </a:prstGeom>
+        </p:spPr>
+      </p:pic>
+      <p:pic>
+        <p:nvPicPr>
+          <p:cNvPr id="5" name="Picture 4"/>
+          <p:cNvPicPr>
+            <a:picLocks noChangeAspect="1"/>
+          </p:cNvPicPr>
+          <p:nvPr/>
+        </p:nvPicPr>
+        <p:blipFill>
+          <a:blip r:embed="rId3" cstate="print">
+            <a:extLst>
+              <a:ext uri="{28A0092B-C50C-407E-A947-70E740481C1C}">
+                <a14:useLocalDpi xmlns:a14="http://schemas.microsoft.com/office/drawing/2010/main" val="0"/>
+              </a:ext>
+            </a:extLst>
+          </a:blip>
+          <a:stretch>
+            <a:fillRect/>
+          </a:stretch>
+        </p:blipFill>
+        <p:spPr>
+          <a:xfrm>
+            <a:off x="3651629" y="606940"/>
+            <a:ext cx="2488493" cy="1989026"/>
+          </a:xfrm>
+          <a:prstGeom prst="rect">
+            <a:avLst/>
+          </a:prstGeom>
+        </p:spPr>
+      </p:pic>
+      <p:pic>
+        <p:nvPicPr>
+          <p:cNvPr id="6" name="Picture 5"/>
+          <p:cNvPicPr>
+            <a:picLocks noChangeAspect="1"/>
+          </p:cNvPicPr>
+          <p:nvPr/>
+        </p:nvPicPr>
+        <p:blipFill>
+          <a:blip r:embed="rId4" cstate="print">
+            <a:extLst>
+              <a:ext uri="{28A0092B-C50C-407E-A947-70E740481C1C}">
+                <a14:useLocalDpi xmlns:a14="http://schemas.microsoft.com/office/drawing/2010/main" val="0"/>
+              </a:ext>
+            </a:extLst>
+          </a:blip>
+          <a:stretch>
+            <a:fillRect/>
+          </a:stretch>
+        </p:blipFill>
+        <p:spPr>
+          <a:xfrm>
+            <a:off x="841225" y="606940"/>
+            <a:ext cx="2488493" cy="1989026"/>
+          </a:xfrm>
+          <a:prstGeom prst="rect">
+            <a:avLst/>
+          </a:prstGeom>
+        </p:spPr>
+      </p:pic>
+      <p:sp>
+        <p:nvSpPr>
+          <p:cNvPr id="7" name="TextBox 6"/>
+          <p:cNvSpPr txBox="1"/>
+          <p:nvPr/>
+        </p:nvSpPr>
+        <p:spPr>
+          <a:xfrm rot="16200000">
+            <a:off x="-466535" y="1219726"/>
+            <a:ext cx="1794081" cy="584775"/>
+          </a:xfrm>
+          <a:prstGeom prst="rect">
+            <a:avLst/>
+          </a:prstGeom>
+          <a:noFill/>
+        </p:spPr>
+        <p:txBody>
+          <a:bodyPr wrap="none" rtlCol="0">
+            <a:spAutoFit/>
+          </a:bodyPr>
+          <a:lstStyle/>
+          <a:p>
+            <a:r>
+              <a:rPr lang="en-AU" sz="3200" i="1" dirty="0" smtClean="0">
+                <a:solidFill>
+                  <a:schemeClr val="bg1"/>
+                </a:solidFill>
+              </a:rPr>
+              <a:t>H. </a:t>
+            </a:r>
+            <a:r>
+              <a:rPr lang="en-AU" sz="3200" i="1" dirty="0" err="1" smtClean="0">
+                <a:solidFill>
+                  <a:schemeClr val="bg1"/>
+                </a:solidFill>
+              </a:rPr>
+              <a:t>molleri</a:t>
+            </a:r>
+            <a:endParaRPr lang="en-AU" sz="3200" i="1" dirty="0">
+              <a:solidFill>
+                <a:schemeClr val="bg1"/>
+              </a:solidFill>
+            </a:endParaRPr>
+          </a:p>
+        </p:txBody>
+      </p:sp>
+      <p:sp>
+        <p:nvSpPr>
+          <p:cNvPr id="8" name="TextBox 7"/>
+          <p:cNvSpPr txBox="1"/>
+          <p:nvPr/>
+        </p:nvSpPr>
+        <p:spPr>
+          <a:xfrm rot="16200000">
+            <a:off x="-611107" y="3456324"/>
+            <a:ext cx="2007024" cy="646331"/>
+          </a:xfrm>
+          <a:prstGeom prst="rect">
+            <a:avLst/>
+          </a:prstGeom>
+          <a:noFill/>
+        </p:spPr>
+        <p:txBody>
+          <a:bodyPr wrap="none" rtlCol="0">
+            <a:spAutoFit/>
+          </a:bodyPr>
+          <a:lstStyle/>
+          <a:p>
+            <a:r>
+              <a:rPr lang="en-AU" sz="3600" i="1" dirty="0" smtClean="0">
+                <a:solidFill>
+                  <a:schemeClr val="bg1"/>
+                </a:solidFill>
+              </a:rPr>
+              <a:t>P. </a:t>
+            </a:r>
+            <a:r>
+              <a:rPr lang="en-AU" sz="3200" i="1" dirty="0" err="1" smtClean="0">
+                <a:solidFill>
+                  <a:schemeClr val="bg1"/>
+                </a:solidFill>
+              </a:rPr>
+              <a:t>cultripes</a:t>
+            </a:r>
+            <a:endParaRPr lang="en-AU" sz="3200" i="1" dirty="0">
+              <a:solidFill>
+                <a:schemeClr val="bg1"/>
+              </a:solidFill>
+            </a:endParaRPr>
+          </a:p>
+        </p:txBody>
+      </p:sp>
+      <p:sp>
+        <p:nvSpPr>
+          <p:cNvPr id="9" name="TextBox 8"/>
+          <p:cNvSpPr txBox="1"/>
+          <p:nvPr/>
+        </p:nvSpPr>
+        <p:spPr>
+          <a:xfrm rot="16200000">
+            <a:off x="-469851" y="5589057"/>
+            <a:ext cx="1724511" cy="584775"/>
+          </a:xfrm>
+          <a:prstGeom prst="rect">
+            <a:avLst/>
+          </a:prstGeom>
+          <a:noFill/>
+        </p:spPr>
+        <p:txBody>
+          <a:bodyPr wrap="none" rtlCol="0">
+            <a:spAutoFit/>
+          </a:bodyPr>
+          <a:lstStyle/>
+          <a:p>
+            <a:r>
+              <a:rPr lang="en-AU" sz="3200" i="1" dirty="0" smtClean="0">
+                <a:solidFill>
+                  <a:schemeClr val="bg1"/>
+                </a:solidFill>
+              </a:rPr>
+              <a:t>R. </a:t>
+            </a:r>
+            <a:r>
+              <a:rPr lang="en-AU" sz="3200" i="1" dirty="0" err="1" smtClean="0">
+                <a:solidFill>
+                  <a:schemeClr val="bg1"/>
+                </a:solidFill>
+              </a:rPr>
+              <a:t>iberica</a:t>
+            </a:r>
+            <a:endParaRPr lang="en-AU" sz="3200" i="1" dirty="0">
+              <a:solidFill>
+                <a:schemeClr val="bg1"/>
+              </a:solidFill>
+            </a:endParaRPr>
+          </a:p>
+        </p:txBody>
+      </p:sp>
+      <p:pic>
+        <p:nvPicPr>
+          <p:cNvPr id="10" name="Picture 9"/>
+          <p:cNvPicPr>
+            <a:picLocks noChangeAspect="1"/>
+          </p:cNvPicPr>
+          <p:nvPr/>
+        </p:nvPicPr>
+        <p:blipFill>
+          <a:blip r:embed="rId5" cstate="print">
+            <a:extLst>
+              <a:ext uri="{28A0092B-C50C-407E-A947-70E740481C1C}">
+                <a14:useLocalDpi xmlns:a14="http://schemas.microsoft.com/office/drawing/2010/main" val="0"/>
+              </a:ext>
+            </a:extLst>
+          </a:blip>
+          <a:stretch>
+            <a:fillRect/>
+          </a:stretch>
+        </p:blipFill>
+        <p:spPr>
+          <a:xfrm>
+            <a:off x="3658006" y="2710211"/>
+            <a:ext cx="2475739" cy="1978832"/>
+          </a:xfrm>
+          <a:prstGeom prst="rect">
+            <a:avLst/>
+          </a:prstGeom>
+        </p:spPr>
+      </p:pic>
+      <p:pic>
+        <p:nvPicPr>
+          <p:cNvPr id="11" name="Picture 10"/>
+          <p:cNvPicPr>
+            <a:picLocks noChangeAspect="1"/>
+          </p:cNvPicPr>
+          <p:nvPr/>
+        </p:nvPicPr>
+        <p:blipFill>
+          <a:blip r:embed="rId6" cstate="print">
+            <a:extLst>
+              <a:ext uri="{28A0092B-C50C-407E-A947-70E740481C1C}">
+                <a14:useLocalDpi xmlns:a14="http://schemas.microsoft.com/office/drawing/2010/main" val="0"/>
+              </a:ext>
+            </a:extLst>
+          </a:blip>
+          <a:stretch>
+            <a:fillRect/>
+          </a:stretch>
+        </p:blipFill>
+        <p:spPr>
+          <a:xfrm>
+            <a:off x="840217" y="2704308"/>
+            <a:ext cx="2490510" cy="1990638"/>
+          </a:xfrm>
+          <a:prstGeom prst="rect">
+            <a:avLst/>
+          </a:prstGeom>
+        </p:spPr>
+      </p:pic>
+      <p:pic>
+        <p:nvPicPr>
+          <p:cNvPr id="12" name="Picture 11"/>
+          <p:cNvPicPr>
+            <a:picLocks noChangeAspect="1"/>
+          </p:cNvPicPr>
+          <p:nvPr/>
+        </p:nvPicPr>
+        <p:blipFill>
+          <a:blip r:embed="rId7" cstate="print">
+            <a:extLst>
+              <a:ext uri="{28A0092B-C50C-407E-A947-70E740481C1C}">
+                <a14:useLocalDpi xmlns:a14="http://schemas.microsoft.com/office/drawing/2010/main" val="0"/>
+              </a:ext>
+            </a:extLst>
+          </a:blip>
+          <a:stretch>
+            <a:fillRect/>
+          </a:stretch>
+        </p:blipFill>
+        <p:spPr>
+          <a:xfrm>
+            <a:off x="3685195" y="4830118"/>
+            <a:ext cx="2421361" cy="1935368"/>
+          </a:xfrm>
+          <a:prstGeom prst="rect">
+            <a:avLst/>
+          </a:prstGeom>
+        </p:spPr>
+      </p:pic>
+      <p:pic>
+        <p:nvPicPr>
+          <p:cNvPr id="13" name="Picture 12"/>
+          <p:cNvPicPr>
+            <a:picLocks noChangeAspect="1"/>
+          </p:cNvPicPr>
+          <p:nvPr/>
+        </p:nvPicPr>
+        <p:blipFill>
+          <a:blip r:embed="rId8" cstate="print">
+            <a:extLst>
+              <a:ext uri="{28A0092B-C50C-407E-A947-70E740481C1C}">
+                <a14:useLocalDpi xmlns:a14="http://schemas.microsoft.com/office/drawing/2010/main" val="0"/>
+              </a:ext>
+            </a:extLst>
+          </a:blip>
+          <a:stretch>
+            <a:fillRect/>
+          </a:stretch>
+        </p:blipFill>
+        <p:spPr>
+          <a:xfrm>
+            <a:off x="841225" y="4803289"/>
+            <a:ext cx="2488493" cy="1989026"/>
+          </a:xfrm>
+          <a:prstGeom prst="rect">
+            <a:avLst/>
+          </a:prstGeom>
+        </p:spPr>
+      </p:pic>
+    </p:spTree>
+    <p:extLst>
+      <p:ext uri="{BB962C8B-B14F-4D97-AF65-F5344CB8AC3E}">
+        <p14:creationId xmlns:p14="http://schemas.microsoft.com/office/powerpoint/2010/main" val="2771326416"/>
+      </p:ext>
+    </p:extLst>
+  </p:cSld>
+  <p:clrMapOvr>
+    <a:masterClrMapping/>
+  </p:clrMapOvr>
+  <p:timing>
+    <p:tnLst>
+      <p:par>
+        <p:cTn id="1" dur="indefinite" restart="never" nodeType="tmRoot"/>
+      </p:par>
+    </p:tnLst>
+  </p:timing>
+</p:sld>
+</file>
+
+<file path=ppt/slides/slide14.xml><?xml version="1.0" encoding="utf-8"?>
+<p:sld xmlns:a="http://schemas.openxmlformats.org/drawingml/2006/main" xmlns:r="http://schemas.openxmlformats.org/officeDocument/2006/relationships" xmlns:p="http://schemas.openxmlformats.org/presentationml/2006/main">
+  <p:cSld>
+    <p:spTree>
+      <p:nvGrpSpPr>
+        <p:cNvPr id="1" name=""/>
+        <p:cNvGrpSpPr/>
+        <p:nvPr/>
+      </p:nvGrpSpPr>
+      <p:grpSpPr>
+        <a:xfrm>
+          <a:off x="0" y="0"/>
+          <a:ext cx="0" cy="0"/>
+          <a:chOff x="0" y="0"/>
+          <a:chExt cx="0" cy="0"/>
+        </a:xfrm>
+      </p:grpSpPr>
+      <p:sp>
+        <p:nvSpPr>
+          <p:cNvPr id="2" name="Title 1"/>
+          <p:cNvSpPr>
+            <a:spLocks noGrp="1"/>
+          </p:cNvSpPr>
+          <p:nvPr>
+            <p:ph type="title"/>
+          </p:nvPr>
+        </p:nvSpPr>
+        <p:spPr>
+          <a:xfrm>
+            <a:off x="476250" y="-92075"/>
+            <a:ext cx="11239500" cy="1325563"/>
+          </a:xfrm>
+        </p:spPr>
+        <p:txBody>
+          <a:bodyPr>
+            <a:noAutofit/>
+          </a:bodyPr>
+          <a:lstStyle/>
+          <a:p>
+            <a:pPr algn="ctr"/>
+            <a:r>
+              <a:rPr lang="en-AU" sz="5400" dirty="0" smtClean="0">
+                <a:latin typeface="+mn-lt"/>
+              </a:rPr>
+              <a:t>Priority areas for </a:t>
+            </a:r>
+            <a:r>
+              <a:rPr lang="en-AU" sz="5400" dirty="0" smtClean="0">
+                <a:latin typeface="+mn-lt"/>
+              </a:rPr>
+              <a:t>protected areas</a:t>
+            </a:r>
+            <a:endParaRPr lang="en-AU" sz="5400" dirty="0">
+              <a:latin typeface="+mn-lt"/>
+            </a:endParaRPr>
+          </a:p>
+        </p:txBody>
+      </p:sp>
+      <p:grpSp>
+        <p:nvGrpSpPr>
+          <p:cNvPr id="9" name="Group 8"/>
+          <p:cNvGrpSpPr/>
+          <p:nvPr/>
+        </p:nvGrpSpPr>
+        <p:grpSpPr>
+          <a:xfrm>
+            <a:off x="706714" y="1185088"/>
+            <a:ext cx="5985046" cy="5379655"/>
+            <a:chOff x="2878414" y="1224057"/>
+            <a:chExt cx="5985046" cy="5379655"/>
+          </a:xfrm>
+        </p:grpSpPr>
+        <p:sp>
+          <p:nvSpPr>
+            <p:cNvPr id="5" name="TextBox 4"/>
+            <p:cNvSpPr txBox="1"/>
+            <p:nvPr/>
+          </p:nvSpPr>
+          <p:spPr>
+            <a:xfrm>
+              <a:off x="3103871" y="6018937"/>
+              <a:ext cx="2399439" cy="584775"/>
+            </a:xfrm>
+            <a:prstGeom prst="rect">
+              <a:avLst/>
+            </a:prstGeom>
+            <a:noFill/>
+          </p:spPr>
+          <p:txBody>
+            <a:bodyPr wrap="none" rtlCol="0">
+              <a:spAutoFit/>
+            </a:bodyPr>
+            <a:lstStyle/>
+            <a:p>
+              <a:r>
+                <a:rPr lang="en-AU" sz="3200" dirty="0" smtClean="0">
+                  <a:solidFill>
+                    <a:srgbClr val="387BB1"/>
+                  </a:solidFill>
+                </a:rPr>
+                <a:t>Priority areas</a:t>
+              </a:r>
+              <a:endParaRPr lang="en-AU" sz="3200" dirty="0">
+                <a:solidFill>
+                  <a:srgbClr val="387BB1"/>
+                </a:solidFill>
+              </a:endParaRPr>
+            </a:p>
+          </p:txBody>
+        </p:sp>
+        <p:sp>
+          <p:nvSpPr>
+            <p:cNvPr id="6" name="TextBox 5"/>
+            <p:cNvSpPr txBox="1"/>
+            <p:nvPr/>
+          </p:nvSpPr>
+          <p:spPr>
+            <a:xfrm>
+              <a:off x="5728766" y="6018937"/>
+              <a:ext cx="2800767" cy="584775"/>
+            </a:xfrm>
+            <a:prstGeom prst="rect">
+              <a:avLst/>
+            </a:prstGeom>
+            <a:noFill/>
+          </p:spPr>
+          <p:txBody>
+            <a:bodyPr wrap="none" rtlCol="0">
+              <a:spAutoFit/>
+            </a:bodyPr>
+            <a:lstStyle/>
+            <a:p>
+              <a:r>
+                <a:rPr lang="en-AU" sz="3200" dirty="0" smtClean="0">
+                  <a:solidFill>
+                    <a:srgbClr val="4DAF4A"/>
+                  </a:solidFill>
+                </a:rPr>
+                <a:t>Protected areas</a:t>
+              </a:r>
+              <a:endParaRPr lang="en-AU" sz="3200" dirty="0">
+                <a:solidFill>
+                  <a:srgbClr val="4DAF4A"/>
+                </a:solidFill>
+              </a:endParaRPr>
+            </a:p>
+          </p:txBody>
+        </p:sp>
+        <p:pic>
+          <p:nvPicPr>
+            <p:cNvPr id="8" name="Picture 7"/>
+            <p:cNvPicPr>
+              <a:picLocks noChangeAspect="1"/>
+            </p:cNvPicPr>
+            <p:nvPr/>
+          </p:nvPicPr>
+          <p:blipFill>
+            <a:blip r:embed="rId2" cstate="print">
+              <a:extLst>
+                <a:ext uri="{28A0092B-C50C-407E-A947-70E740481C1C}">
+                  <a14:useLocalDpi xmlns:a14="http://schemas.microsoft.com/office/drawing/2010/main" val="0"/>
+                </a:ext>
+              </a:extLst>
+            </a:blip>
+            <a:stretch>
+              <a:fillRect/>
+            </a:stretch>
+          </p:blipFill>
+          <p:spPr>
+            <a:xfrm>
+              <a:off x="2878414" y="1224057"/>
+              <a:ext cx="5985046" cy="4794880"/>
+            </a:xfrm>
+            <a:prstGeom prst="rect">
+              <a:avLst/>
+            </a:prstGeom>
+          </p:spPr>
+        </p:pic>
+      </p:grpSp>
+      <p:pic>
+        <p:nvPicPr>
+          <p:cNvPr id="3074" name="Picture 2" descr="https://raw.githubusercontent.com/prioritizr/logo/master/logo.png"/>
+          <p:cNvPicPr>
+            <a:picLocks noChangeAspect="1" noChangeArrowheads="1"/>
+          </p:cNvPicPr>
+          <p:nvPr/>
+        </p:nvPicPr>
+        <p:blipFill>
+          <a:blip r:embed="rId3">
+            <a:extLst>
+              <a:ext uri="{28A0092B-C50C-407E-A947-70E740481C1C}">
+                <a14:useLocalDpi xmlns:a14="http://schemas.microsoft.com/office/drawing/2010/main" val="0"/>
+              </a:ext>
+            </a:extLst>
+          </a:blip>
+          <a:srcRect/>
+          <a:stretch>
+            <a:fillRect/>
+          </a:stretch>
+        </p:blipFill>
+        <p:spPr bwMode="auto">
+          <a:xfrm>
+            <a:off x="8606351" y="4276496"/>
+            <a:ext cx="1276350" cy="1461899"/>
+          </a:xfrm>
+          <a:prstGeom prst="rect">
+            <a:avLst/>
+          </a:prstGeom>
+          <a:noFill/>
+          <a:extLst>
+            <a:ext uri="{909E8E84-426E-40DD-AFC4-6F175D3DCCD1}">
+              <a14:hiddenFill xmlns:a14="http://schemas.microsoft.com/office/drawing/2010/main">
+                <a:solidFill>
+                  <a:srgbClr val="FFFFFF"/>
+                </a:solidFill>
+              </a14:hiddenFill>
+            </a:ext>
+          </a:extLst>
+        </p:spPr>
+      </p:pic>
+      <p:sp>
+        <p:nvSpPr>
+          <p:cNvPr id="10" name="TextBox 9"/>
+          <p:cNvSpPr txBox="1"/>
+          <p:nvPr/>
+        </p:nvSpPr>
+        <p:spPr>
+          <a:xfrm>
+            <a:off x="9991990" y="4684279"/>
+            <a:ext cx="2172390" cy="769441"/>
+          </a:xfrm>
+          <a:prstGeom prst="rect">
+            <a:avLst/>
+          </a:prstGeom>
+          <a:noFill/>
+        </p:spPr>
+        <p:txBody>
+          <a:bodyPr wrap="none" rtlCol="0">
+            <a:spAutoFit/>
+          </a:bodyPr>
+          <a:lstStyle/>
+          <a:p>
+            <a:r>
+              <a:rPr lang="en-AU" sz="4400" dirty="0" err="1" smtClean="0">
+                <a:solidFill>
+                  <a:schemeClr val="bg1"/>
+                </a:solidFill>
+              </a:rPr>
+              <a:t>prioritizr</a:t>
+            </a:r>
+            <a:endParaRPr lang="en-AU" sz="4400" dirty="0">
+              <a:solidFill>
+                <a:schemeClr val="bg1"/>
+              </a:solidFill>
+            </a:endParaRPr>
+          </a:p>
+        </p:txBody>
+      </p:sp>
+      <p:grpSp>
+        <p:nvGrpSpPr>
+          <p:cNvPr id="16" name="Group 15"/>
+          <p:cNvGrpSpPr/>
+          <p:nvPr/>
+        </p:nvGrpSpPr>
+        <p:grpSpPr>
+          <a:xfrm>
+            <a:off x="8606351" y="5789073"/>
+            <a:ext cx="3579452" cy="1068164"/>
+            <a:chOff x="147484" y="2813255"/>
+            <a:chExt cx="4188542" cy="1249926"/>
+          </a:xfrm>
+        </p:grpSpPr>
+        <p:sp>
+          <p:nvSpPr>
+            <p:cNvPr id="17" name="Flowchart: Process 16"/>
+            <p:cNvSpPr/>
+            <p:nvPr/>
+          </p:nvSpPr>
+          <p:spPr>
+            <a:xfrm>
+              <a:off x="147484" y="2813255"/>
+              <a:ext cx="4188542" cy="1249926"/>
+            </a:xfrm>
+            <a:prstGeom prst="flowChartProcess">
+              <a:avLst/>
+            </a:prstGeom>
+            <a:solidFill>
+              <a:sysClr val="window" lastClr="FFFFFF"/>
+            </a:solidFill>
+            <a:ln w="25400" cap="flat" cmpd="sng" algn="ctr">
+              <a:noFill/>
+              <a:prstDash val="solid"/>
+            </a:ln>
+            <a:effectLst/>
+          </p:spPr>
+          <p:txBody>
+            <a:bodyPr rtlCol="0" anchor="ctr"/>
+            <a:lstStyle/>
+            <a:p>
+              <a:pPr marL="0" marR="0" lvl="0" indent="0" algn="ctr" defTabSz="914400" eaLnBrk="1" fontAlgn="auto" latinLnBrk="0" hangingPunct="1">
+                <a:lnSpc>
+                  <a:spcPct val="100000"/>
+                </a:lnSpc>
+                <a:spcBef>
+                  <a:spcPts val="0"/>
+                </a:spcBef>
+                <a:spcAft>
+                  <a:spcPts val="0"/>
+                </a:spcAft>
+                <a:buClrTx/>
+                <a:buSzTx/>
+                <a:buFontTx/>
+                <a:buNone/>
+                <a:tabLst/>
+                <a:defRPr/>
+              </a:pPr>
+              <a:endParaRPr kumimoji="0" lang="en-AU" sz="1800" b="0" i="0" u="none" strike="noStrike" kern="0" cap="none" spc="0" normalizeH="0" baseline="0" noProof="0" smtClean="0">
+                <a:ln>
+                  <a:noFill/>
+                </a:ln>
+                <a:solidFill>
+                  <a:prstClr val="white"/>
+                </a:solidFill>
+                <a:effectLst/>
+                <a:uLnTx/>
+                <a:uFillTx/>
+                <a:latin typeface="Calibri"/>
+                <a:ea typeface="+mn-ea"/>
+                <a:cs typeface="+mn-cs"/>
+              </a:endParaRPr>
+            </a:p>
+          </p:txBody>
+        </p:sp>
+        <p:pic>
+          <p:nvPicPr>
+            <p:cNvPr id="18" name="Picture 2" descr="Image result for gurobi"/>
+            <p:cNvPicPr>
+              <a:picLocks noChangeAspect="1" noChangeArrowheads="1"/>
+            </p:cNvPicPr>
+            <p:nvPr/>
+          </p:nvPicPr>
+          <p:blipFill>
+            <a:blip r:embed="rId4">
+              <a:extLst>
+                <a:ext uri="{28A0092B-C50C-407E-A947-70E740481C1C}">
+                  <a14:useLocalDpi xmlns:a14="http://schemas.microsoft.com/office/drawing/2010/main" val="0"/>
+                </a:ext>
+              </a:extLst>
+            </a:blip>
+            <a:srcRect/>
+            <a:stretch>
+              <a:fillRect/>
+            </a:stretch>
+          </p:blipFill>
+          <p:spPr bwMode="auto">
+            <a:xfrm>
+              <a:off x="147484" y="2813255"/>
+              <a:ext cx="4048125" cy="1190625"/>
+            </a:xfrm>
+            <a:prstGeom prst="rect">
+              <a:avLst/>
+            </a:prstGeom>
+            <a:noFill/>
+            <a:extLst>
+              <a:ext uri="{909E8E84-426E-40DD-AFC4-6F175D3DCCD1}">
+                <a14:hiddenFill xmlns:a14="http://schemas.microsoft.com/office/drawing/2010/main">
+                  <a:solidFill>
+                    <a:srgbClr val="FFFFFF"/>
+                  </a:solidFill>
+                </a14:hiddenFill>
+              </a:ext>
+            </a:extLst>
+          </p:spPr>
+        </p:pic>
+      </p:grpSp>
+    </p:spTree>
+    <p:extLst>
+      <p:ext uri="{BB962C8B-B14F-4D97-AF65-F5344CB8AC3E}">
+        <p14:creationId xmlns:p14="http://schemas.microsoft.com/office/powerpoint/2010/main" val="3320614391"/>
+      </p:ext>
+    </p:extLst>
+  </p:cSld>
+  <p:clrMapOvr>
+    <a:masterClrMapping/>
+  </p:clrMapOvr>
+  <p:timing>
+    <p:tnLst>
+      <p:par>
+        <p:cTn id="1" dur="indefinite" restart="never" nodeType="tmRoot"/>
+      </p:par>
+    </p:tnLst>
+  </p:timing>
+</p:sld>
+</file>
+
+<file path=ppt/slides/slide15.xml><?xml version="1.0" encoding="utf-8"?>
+<p:sld xmlns:a="http://schemas.openxmlformats.org/drawingml/2006/main" xmlns:r="http://schemas.openxmlformats.org/officeDocument/2006/relationships" xmlns:p="http://schemas.openxmlformats.org/presentationml/2006/main">
+  <p:cSld>
+    <p:spTree>
+      <p:nvGrpSpPr>
+        <p:cNvPr id="1" name=""/>
+        <p:cNvGrpSpPr/>
+        <p:nvPr/>
+      </p:nvGrpSpPr>
+      <p:grpSpPr>
+        <a:xfrm>
+          <a:off x="0" y="0"/>
+          <a:ext cx="0" cy="0"/>
+          <a:chOff x="0" y="0"/>
+          <a:chExt cx="0" cy="0"/>
+        </a:xfrm>
+      </p:grpSpPr>
+      <p:sp>
+        <p:nvSpPr>
+          <p:cNvPr id="2" name="Title 1"/>
+          <p:cNvSpPr>
+            <a:spLocks noGrp="1"/>
+          </p:cNvSpPr>
+          <p:nvPr>
+            <p:ph type="title"/>
+          </p:nvPr>
+        </p:nvSpPr>
+        <p:spPr>
+          <a:xfrm>
+            <a:off x="187234" y="-26760"/>
+            <a:ext cx="11817531" cy="911249"/>
+          </a:xfrm>
+        </p:spPr>
+        <p:txBody>
+          <a:bodyPr>
+            <a:noAutofit/>
+          </a:bodyPr>
+          <a:lstStyle/>
+          <a:p>
+            <a:pPr algn="ctr"/>
+            <a:r>
+              <a:rPr lang="en-AU" dirty="0" smtClean="0">
+                <a:latin typeface="+mn-lt"/>
+              </a:rPr>
+              <a:t>Planning for </a:t>
+            </a:r>
+            <a:r>
+              <a:rPr lang="en-AU" dirty="0" smtClean="0">
+                <a:latin typeface="+mn-lt"/>
+              </a:rPr>
+              <a:t>long-term </a:t>
+            </a:r>
+            <a:r>
+              <a:rPr lang="en-AU" dirty="0" smtClean="0">
+                <a:latin typeface="+mn-lt"/>
+              </a:rPr>
+              <a:t>persistence </a:t>
+            </a:r>
+            <a:r>
+              <a:rPr lang="en-AU" dirty="0" smtClean="0">
+                <a:latin typeface="+mn-lt"/>
+              </a:rPr>
+              <a:t>of biodiversity</a:t>
+            </a:r>
+            <a:endParaRPr lang="en-AU" dirty="0">
+              <a:latin typeface="+mn-lt"/>
+            </a:endParaRPr>
           </a:p>
         </p:txBody>
       </p:sp>
@@ -6943,8 +9366,8 @@
         </p:nvSpPr>
         <p:spPr>
           <a:xfrm>
-            <a:off x="609600" y="2054941"/>
-            <a:ext cx="10972800" cy="4237705"/>
+            <a:off x="419100" y="1298803"/>
+            <a:ext cx="5291015" cy="5337524"/>
           </a:xfrm>
         </p:spPr>
         <p:txBody>
@@ -6954,30 +9377,142 @@
           <a:lstStyle/>
           <a:p>
             <a:r>
-              <a:rPr lang="en-AU" dirty="0" smtClean="0"/>
-              <a:t>If you really want it: you need to plan for it</a:t>
+              <a:rPr lang="en-AU" sz="4000" dirty="0" smtClean="0"/>
+              <a:t>Protection of genetic intra-specific diversity is insufficient</a:t>
             </a:r>
           </a:p>
           <a:p>
             <a:pPr marL="0" indent="0">
               <a:buNone/>
             </a:pPr>
-            <a:endParaRPr lang="en-AU" dirty="0"/>
-          </a:p>
-          <a:p>
-            <a:pPr marL="0" indent="0">
-              <a:buNone/>
-            </a:pPr>
-            <a:endParaRPr lang="en-AU" dirty="0" smtClean="0"/>
-          </a:p>
-          <a:p>
-            <a:r>
-              <a:rPr lang="en-AU" dirty="0" smtClean="0"/>
-              <a:t>Surrogates may work for some applications of genetic data – no guarantees!</a:t>
-            </a:r>
-          </a:p>
-        </p:txBody>
-      </p:sp>
+            <a:endParaRPr lang="en-AU" sz="4000" dirty="0"/>
+          </a:p>
+          <a:p>
+            <a:r>
+              <a:rPr lang="en-AU" sz="4000" dirty="0" smtClean="0"/>
+              <a:t>Strategic placement of new protected areas could rapidly increase protection of evolutionary processes</a:t>
+            </a:r>
+            <a:endParaRPr lang="en-AU" sz="4000" dirty="0"/>
+          </a:p>
+        </p:txBody>
+      </p:sp>
+      <p:pic>
+        <p:nvPicPr>
+          <p:cNvPr id="4098" name="Picture 2" descr="Image result for rana iberica"/>
+          <p:cNvPicPr>
+            <a:picLocks noChangeAspect="1" noChangeArrowheads="1"/>
+          </p:cNvPicPr>
+          <p:nvPr/>
+        </p:nvPicPr>
+        <p:blipFill rotWithShape="1">
+          <a:blip r:embed="rId2">
+            <a:extLst>
+              <a:ext uri="{28A0092B-C50C-407E-A947-70E740481C1C}">
+                <a14:useLocalDpi xmlns:a14="http://schemas.microsoft.com/office/drawing/2010/main" val="0"/>
+              </a:ext>
+            </a:extLst>
+          </a:blip>
+          <a:srcRect t="19745" b="19219"/>
+          <a:stretch/>
+        </p:blipFill>
+        <p:spPr bwMode="auto">
+          <a:xfrm>
+            <a:off x="7251700" y="2730500"/>
+            <a:ext cx="4940300" cy="2070100"/>
+          </a:xfrm>
+          <a:prstGeom prst="rect">
+            <a:avLst/>
+          </a:prstGeom>
+          <a:noFill/>
+          <a:extLst>
+            <a:ext uri="{909E8E84-426E-40DD-AFC4-6F175D3DCCD1}">
+              <a14:hiddenFill xmlns:a14="http://schemas.microsoft.com/office/drawing/2010/main">
+                <a:solidFill>
+                  <a:srgbClr val="FFFFFF"/>
+                </a:solidFill>
+              </a14:hiddenFill>
+            </a:ext>
+          </a:extLst>
+        </p:spPr>
+      </p:pic>
+      <p:pic>
+        <p:nvPicPr>
+          <p:cNvPr id="4102" name="Picture 6" descr="Image result for pelobates cultripes"/>
+          <p:cNvPicPr>
+            <a:picLocks noChangeAspect="1" noChangeArrowheads="1"/>
+          </p:cNvPicPr>
+          <p:nvPr/>
+        </p:nvPicPr>
+        <p:blipFill rotWithShape="1">
+          <a:blip r:embed="rId3">
+            <a:extLst>
+              <a:ext uri="{28A0092B-C50C-407E-A947-70E740481C1C}">
+                <a14:useLocalDpi xmlns:a14="http://schemas.microsoft.com/office/drawing/2010/main" val="0"/>
+              </a:ext>
+            </a:extLst>
+          </a:blip>
+          <a:srcRect t="33162" b="11311"/>
+          <a:stretch/>
+        </p:blipFill>
+        <p:spPr bwMode="auto">
+          <a:xfrm>
+            <a:off x="7251700" y="4800600"/>
+            <a:ext cx="4940300" cy="2057400"/>
+          </a:xfrm>
+          <a:prstGeom prst="rect">
+            <a:avLst/>
+          </a:prstGeom>
+          <a:noFill/>
+          <a:extLst>
+            <a:ext uri="{909E8E84-426E-40DD-AFC4-6F175D3DCCD1}">
+              <a14:hiddenFill xmlns:a14="http://schemas.microsoft.com/office/drawing/2010/main">
+                <a:solidFill>
+                  <a:srgbClr val="FFFFFF"/>
+                </a:solidFill>
+              </a14:hiddenFill>
+            </a:ext>
+          </a:extLst>
+        </p:spPr>
+      </p:pic>
+      <p:pic>
+        <p:nvPicPr>
+          <p:cNvPr id="4104" name="Picture 8" descr="Image result for hyla molleri"/>
+          <p:cNvPicPr>
+            <a:picLocks noChangeAspect="1" noChangeArrowheads="1"/>
+          </p:cNvPicPr>
+          <p:nvPr/>
+        </p:nvPicPr>
+        <p:blipFill rotWithShape="1">
+          <a:blip r:embed="rId4" cstate="print">
+            <a:extLst>
+              <a:ext uri="{28A0092B-C50C-407E-A947-70E740481C1C}">
+                <a14:useLocalDpi xmlns:a14="http://schemas.microsoft.com/office/drawing/2010/main" val="0"/>
+              </a:ext>
+            </a:extLst>
+          </a:blip>
+          <a:srcRect t="17441" r="340" b="27107"/>
+          <a:stretch/>
+        </p:blipFill>
+        <p:spPr bwMode="auto">
+          <a:xfrm>
+            <a:off x="7236778" y="884489"/>
+            <a:ext cx="4955222" cy="1846011"/>
+          </a:xfrm>
+          <a:prstGeom prst="rect">
+            <a:avLst/>
+          </a:prstGeom>
+          <a:noFill/>
+          <a:extLst>
+            <a:ext uri="{909E8E84-426E-40DD-AFC4-6F175D3DCCD1}">
+              <a14:hiddenFill xmlns:a14="http://schemas.microsoft.com/office/drawing/2010/main">
+                <a:solidFill>
+                  <a:srgbClr val="FFFFFF"/>
+                </a:solidFill>
+              </a14:hiddenFill>
+            </a:ext>
+          </a:extLst>
+        </p:spPr>
+      </p:pic>
     </p:spTree>
     <p:extLst>
       <p:ext uri="{BB962C8B-B14F-4D97-AF65-F5344CB8AC3E}">
@@ -6998,7 +9533,7 @@
 </p:sld>
 </file>
 
-<file path=ppt/slides/slide11.xml><?xml version="1.0" encoding="utf-8"?>
+<file path=ppt/slides/slide16.xml><?xml version="1.0" encoding="utf-8"?>
 <p:sld xmlns:a="http://schemas.openxmlformats.org/drawingml/2006/main" xmlns:r="http://schemas.openxmlformats.org/officeDocument/2006/relationships" xmlns:p="http://schemas.openxmlformats.org/presentationml/2006/main">
   <p:cSld>
     <p:spTree>
@@ -7133,13 +9668,8 @@
             <a:p>
               <a:r>
                 <a:rPr lang="en-AU" sz="3733" b="1" dirty="0"/>
-                <a:t>j</a:t>
+                <a:t>jeffrey.hanson@uqconnect.edu.au</a:t>
               </a:r>
-              <a:r>
-                <a:rPr lang="en-AU" sz="3733" b="1" dirty="0"/>
-                <a:t>effrey.hanson@uqconnect.edu.au</a:t>
-              </a:r>
-              <a:endParaRPr lang="en-AU" sz="3733" b="1" dirty="0"/>
             </a:p>
           </p:txBody>
         </p:sp>
@@ -7340,81 +9870,6 @@
 </p:sld>
 </file>
 
-<file path=ppt/slides/slide12.xml><?xml version="1.0" encoding="utf-8"?>
-<p:sld xmlns:a="http://schemas.openxmlformats.org/drawingml/2006/main" xmlns:r="http://schemas.openxmlformats.org/officeDocument/2006/relationships" xmlns:p="http://schemas.openxmlformats.org/presentationml/2006/main">
-  <p:cSld>
-    <p:spTree>
-      <p:nvGrpSpPr>
-        <p:cNvPr id="1" name=""/>
-        <p:cNvGrpSpPr/>
-        <p:nvPr/>
-      </p:nvGrpSpPr>
-      <p:grpSpPr>
-        <a:xfrm>
-          <a:off x="0" y="0"/>
-          <a:ext cx="0" cy="0"/>
-          <a:chOff x="0" y="0"/>
-          <a:chExt cx="0" cy="0"/>
-        </a:xfrm>
-      </p:grpSpPr>
-      <p:sp>
-        <p:nvSpPr>
-          <p:cNvPr id="2" name="Title 1"/>
-          <p:cNvSpPr>
-            <a:spLocks noGrp="1"/>
-          </p:cNvSpPr>
-          <p:nvPr>
-            <p:ph type="title"/>
-          </p:nvPr>
-        </p:nvSpPr>
-        <p:spPr/>
-        <p:txBody>
-          <a:bodyPr/>
-          <a:lstStyle/>
-          <a:p>
-            <a:endParaRPr lang="en-AU"/>
-          </a:p>
-        </p:txBody>
-      </p:sp>
-      <p:sp>
-        <p:nvSpPr>
-          <p:cNvPr id="3" name="Content Placeholder 2"/>
-          <p:cNvSpPr>
-            <a:spLocks noGrp="1"/>
-          </p:cNvSpPr>
-          <p:nvPr>
-            <p:ph idx="1"/>
-          </p:nvPr>
-        </p:nvSpPr>
-        <p:spPr/>
-        <p:txBody>
-          <a:bodyPr/>
-          <a:lstStyle/>
-          <a:p>
-            <a:endParaRPr lang="en-AU"/>
-          </a:p>
-        </p:txBody>
-      </p:sp>
-    </p:spTree>
-    <p:extLst>
-      <p:ext uri="{BB962C8B-B14F-4D97-AF65-F5344CB8AC3E}">
-        <p14:creationId xmlns:p14="http://schemas.microsoft.com/office/powerpoint/2010/main" val="3735956560"/>
-      </p:ext>
-    </p:extLst>
-  </p:cSld>
-  <p:clrMapOvr>
-    <a:masterClrMapping/>
-  </p:clrMapOvr>
-  <p:timing>
-    <p:tnLst>
-      <p:par>
-        <p:cTn id="1" dur="indefinite" restart="never" nodeType="tmRoot"/>
-      </p:par>
-    </p:tnLst>
-  </p:timing>
-</p:sld>
-</file>
-
 <file path=ppt/slides/slide2.xml><?xml version="1.0" encoding="utf-8"?>
 <p:sld xmlns:a="http://schemas.openxmlformats.org/drawingml/2006/main" xmlns:r="http://schemas.openxmlformats.org/officeDocument/2006/relationships" xmlns:p="http://schemas.openxmlformats.org/presentationml/2006/main">
   <p:cSld>
@@ -7449,77 +9904,493 @@
           </a:bodyPr>
           <a:lstStyle/>
           <a:p>
-            <a:pPr algn="ctr"/>
-            <a:r>
-              <a:rPr lang="en-AU" sz="5400" dirty="0" smtClean="0"/>
-              <a:t>Goal 15: Life on Land</a:t>
-            </a:r>
-            <a:endParaRPr lang="en-AU" sz="5400" dirty="0"/>
-          </a:p>
-        </p:txBody>
-      </p:sp>
-      <p:sp>
-        <p:nvSpPr>
-          <p:cNvPr id="3" name="Content Placeholder 2"/>
-          <p:cNvSpPr>
-            <a:spLocks noGrp="1"/>
-          </p:cNvSpPr>
-          <p:nvPr>
-            <p:ph idx="1"/>
-          </p:nvPr>
-        </p:nvSpPr>
-        <p:spPr>
-          <a:xfrm>
-            <a:off x="600075" y="1690688"/>
-            <a:ext cx="11039475" cy="4351338"/>
-          </a:xfrm>
-        </p:spPr>
-        <p:txBody>
-          <a:bodyPr>
-            <a:noAutofit/>
-          </a:bodyPr>
-          <a:lstStyle/>
-          <a:p>
-            <a:r>
-              <a:rPr lang="en-AU" sz="3600" dirty="0" smtClean="0"/>
-              <a:t>“Take </a:t>
-            </a:r>
-            <a:r>
-              <a:rPr lang="en-AU" sz="3600" dirty="0"/>
-              <a:t>urgent and significant action to reduce the degradation of natural habitats, halt the loss of biodiversity and, by 2020, protect and prevent the extinction of threatened </a:t>
-            </a:r>
-            <a:r>
-              <a:rPr lang="en-AU" sz="3600" dirty="0" smtClean="0"/>
-              <a:t>species.”</a:t>
-            </a:r>
-          </a:p>
-          <a:p>
-            <a:endParaRPr lang="en-AU" sz="3600" dirty="0" smtClean="0"/>
-          </a:p>
-          <a:p>
-            <a:r>
-              <a:rPr lang="en-AU" sz="3600" dirty="0" smtClean="0"/>
-              <a:t>“By </a:t>
-            </a:r>
-            <a:r>
-              <a:rPr lang="en-AU" sz="3600" dirty="0"/>
-              <a:t>2020, integrate ecosystem and biodiversity values into national and local planning, development processes, poverty reduction strategies and </a:t>
-            </a:r>
-            <a:r>
-              <a:rPr lang="en-AU" sz="3600" dirty="0" smtClean="0"/>
-              <a:t>accounts.”</a:t>
-            </a:r>
-            <a:r>
-              <a:rPr lang="en-AU" sz="3600" dirty="0"/>
-              <a:t> </a:t>
-            </a:r>
+            <a:r>
+              <a:rPr lang="en-AU" b="1" dirty="0" smtClean="0"/>
+              <a:t>Reserve selection</a:t>
+            </a:r>
+            <a:endParaRPr lang="en-AU" b="1" dirty="0"/>
+          </a:p>
+        </p:txBody>
+      </p:sp>
+      <p:sp>
+        <p:nvSpPr>
+          <p:cNvPr id="5" name="Rectangle 4"/>
+          <p:cNvSpPr/>
+          <p:nvPr/>
+        </p:nvSpPr>
+        <p:spPr>
+          <a:xfrm>
+            <a:off x="954795" y="1914133"/>
+            <a:ext cx="10282411" cy="4394651"/>
+          </a:xfrm>
+          <a:prstGeom prst="rect">
+            <a:avLst/>
+          </a:prstGeom>
+          <a:noFill/>
+          <a:ln w="25400">
+            <a:solidFill>
+              <a:schemeClr val="tx1"/>
+            </a:solidFill>
+          </a:ln>
+        </p:spPr>
+        <p:style>
+          <a:lnRef idx="2">
+            <a:schemeClr val="accent1">
+              <a:shade val="50000"/>
+            </a:schemeClr>
+          </a:lnRef>
+          <a:fillRef idx="1">
+            <a:schemeClr val="accent1"/>
+          </a:fillRef>
+          <a:effectRef idx="0">
+            <a:schemeClr val="accent1"/>
+          </a:effectRef>
+          <a:fontRef idx="minor">
+            <a:schemeClr val="lt1"/>
+          </a:fontRef>
+        </p:style>
+        <p:txBody>
+          <a:bodyPr rtlCol="0" anchor="ctr"/>
+          <a:lstStyle/>
+          <a:p>
+            <a:pPr algn="ctr" defTabSz="1219170"/>
+            <a:endParaRPr lang="en-AU" sz="2400">
+              <a:solidFill>
+                <a:prstClr val="white"/>
+              </a:solidFill>
+              <a:latin typeface="Calibri"/>
+            </a:endParaRPr>
+          </a:p>
+        </p:txBody>
+      </p:sp>
+      <p:sp>
+        <p:nvSpPr>
+          <p:cNvPr id="6" name="Oval 5"/>
+          <p:cNvSpPr/>
+          <p:nvPr/>
+        </p:nvSpPr>
+        <p:spPr>
+          <a:xfrm>
+            <a:off x="4997153" y="4034424"/>
+            <a:ext cx="2170591" cy="1489793"/>
+          </a:xfrm>
+          <a:prstGeom prst="ellipse">
+            <a:avLst/>
+          </a:prstGeom>
+          <a:solidFill>
+            <a:srgbClr val="0041C4">
+              <a:alpha val="49804"/>
+            </a:srgbClr>
+          </a:solidFill>
+          <a:ln w="25400">
+            <a:noFill/>
+          </a:ln>
+        </p:spPr>
+        <p:style>
+          <a:lnRef idx="2">
+            <a:schemeClr val="accent1">
+              <a:shade val="50000"/>
+            </a:schemeClr>
+          </a:lnRef>
+          <a:fillRef idx="1">
+            <a:schemeClr val="accent1"/>
+          </a:fillRef>
+          <a:effectRef idx="0">
+            <a:schemeClr val="accent1"/>
+          </a:effectRef>
+          <a:fontRef idx="minor">
+            <a:schemeClr val="lt1"/>
+          </a:fontRef>
+        </p:style>
+        <p:txBody>
+          <a:bodyPr rtlCol="0" anchor="ctr"/>
+          <a:lstStyle/>
+          <a:p>
+            <a:pPr algn="ctr" defTabSz="1219170"/>
+            <a:endParaRPr lang="en-AU" sz="2400">
+              <a:solidFill>
+                <a:prstClr val="white"/>
+              </a:solidFill>
+              <a:latin typeface="Calibri"/>
+            </a:endParaRPr>
+          </a:p>
+        </p:txBody>
+      </p:sp>
+      <p:sp>
+        <p:nvSpPr>
+          <p:cNvPr id="8" name="Oval 7"/>
+          <p:cNvSpPr/>
+          <p:nvPr/>
+        </p:nvSpPr>
+        <p:spPr>
+          <a:xfrm>
+            <a:off x="1761131" y="2267873"/>
+            <a:ext cx="2210012" cy="1516851"/>
+          </a:xfrm>
+          <a:prstGeom prst="ellipse">
+            <a:avLst/>
+          </a:prstGeom>
+          <a:solidFill>
+            <a:srgbClr val="C00000">
+              <a:alpha val="50000"/>
+            </a:srgbClr>
+          </a:solidFill>
+          <a:ln w="25400">
+            <a:noFill/>
+          </a:ln>
+        </p:spPr>
+        <p:style>
+          <a:lnRef idx="2">
+            <a:schemeClr val="accent1">
+              <a:shade val="50000"/>
+            </a:schemeClr>
+          </a:lnRef>
+          <a:fillRef idx="1">
+            <a:schemeClr val="accent1"/>
+          </a:fillRef>
+          <a:effectRef idx="0">
+            <a:schemeClr val="accent1"/>
+          </a:effectRef>
+          <a:fontRef idx="minor">
+            <a:schemeClr val="lt1"/>
+          </a:fontRef>
+        </p:style>
+        <p:txBody>
+          <a:bodyPr rtlCol="0" anchor="ctr"/>
+          <a:lstStyle/>
+          <a:p>
+            <a:pPr algn="ctr" defTabSz="1219170"/>
+            <a:endParaRPr lang="en-AU" sz="2400">
+              <a:solidFill>
+                <a:prstClr val="white"/>
+              </a:solidFill>
+              <a:latin typeface="Calibri"/>
+            </a:endParaRPr>
+          </a:p>
+        </p:txBody>
+      </p:sp>
+      <p:sp>
+        <p:nvSpPr>
+          <p:cNvPr id="10" name="Oval 9"/>
+          <p:cNvSpPr/>
+          <p:nvPr/>
+        </p:nvSpPr>
+        <p:spPr>
+          <a:xfrm>
+            <a:off x="3015549" y="2358416"/>
+            <a:ext cx="2210012" cy="1516851"/>
+          </a:xfrm>
+          <a:prstGeom prst="ellipse">
+            <a:avLst/>
+          </a:prstGeom>
+          <a:solidFill>
+            <a:srgbClr val="FF0000">
+              <a:alpha val="50000"/>
+            </a:srgbClr>
+          </a:solidFill>
+          <a:ln w="25400">
+            <a:noFill/>
+          </a:ln>
+        </p:spPr>
+        <p:style>
+          <a:lnRef idx="2">
+            <a:schemeClr val="accent1">
+              <a:shade val="50000"/>
+            </a:schemeClr>
+          </a:lnRef>
+          <a:fillRef idx="1">
+            <a:schemeClr val="accent1"/>
+          </a:fillRef>
+          <a:effectRef idx="0">
+            <a:schemeClr val="accent1"/>
+          </a:effectRef>
+          <a:fontRef idx="minor">
+            <a:schemeClr val="lt1"/>
+          </a:fontRef>
+        </p:style>
+        <p:txBody>
+          <a:bodyPr rtlCol="0" anchor="ctr"/>
+          <a:lstStyle/>
+          <a:p>
+            <a:pPr algn="ctr" defTabSz="1219170"/>
+            <a:endParaRPr lang="en-AU" sz="2400">
+              <a:solidFill>
+                <a:prstClr val="white"/>
+              </a:solidFill>
+              <a:latin typeface="Calibri"/>
+            </a:endParaRPr>
+          </a:p>
+        </p:txBody>
+      </p:sp>
+      <p:sp>
+        <p:nvSpPr>
+          <p:cNvPr id="11" name="Oval 10"/>
+          <p:cNvSpPr/>
+          <p:nvPr/>
+        </p:nvSpPr>
+        <p:spPr>
+          <a:xfrm>
+            <a:off x="7624256" y="2383336"/>
+            <a:ext cx="2202309" cy="1511563"/>
+          </a:xfrm>
+          <a:prstGeom prst="ellipse">
+            <a:avLst/>
+          </a:prstGeom>
+          <a:solidFill>
+            <a:srgbClr val="92D050">
+              <a:alpha val="50000"/>
+            </a:srgbClr>
+          </a:solidFill>
+          <a:ln w="25400">
+            <a:noFill/>
+          </a:ln>
+        </p:spPr>
+        <p:style>
+          <a:lnRef idx="2">
+            <a:schemeClr val="accent1">
+              <a:shade val="50000"/>
+            </a:schemeClr>
+          </a:lnRef>
+          <a:fillRef idx="1">
+            <a:schemeClr val="accent1"/>
+          </a:fillRef>
+          <a:effectRef idx="0">
+            <a:schemeClr val="accent1"/>
+          </a:effectRef>
+          <a:fontRef idx="minor">
+            <a:schemeClr val="lt1"/>
+          </a:fontRef>
+        </p:style>
+        <p:txBody>
+          <a:bodyPr rtlCol="0" anchor="ctr"/>
+          <a:lstStyle/>
+          <a:p>
+            <a:pPr algn="ctr" defTabSz="1219170"/>
+            <a:endParaRPr lang="en-AU" sz="2400">
+              <a:solidFill>
+                <a:prstClr val="white"/>
+              </a:solidFill>
+              <a:latin typeface="Calibri"/>
+            </a:endParaRPr>
+          </a:p>
+        </p:txBody>
+      </p:sp>
+      <p:sp>
+        <p:nvSpPr>
+          <p:cNvPr id="12" name="Oval 11"/>
+          <p:cNvSpPr/>
+          <p:nvPr/>
+        </p:nvSpPr>
+        <p:spPr>
+          <a:xfrm>
+            <a:off x="8204743" y="2649680"/>
+            <a:ext cx="2202309" cy="1511563"/>
+          </a:xfrm>
+          <a:prstGeom prst="ellipse">
+            <a:avLst/>
+          </a:prstGeom>
+          <a:solidFill>
+            <a:srgbClr val="00B0F0">
+              <a:alpha val="50000"/>
+            </a:srgbClr>
+          </a:solidFill>
+          <a:ln w="25400">
+            <a:noFill/>
+          </a:ln>
+        </p:spPr>
+        <p:style>
+          <a:lnRef idx="2">
+            <a:schemeClr val="accent1">
+              <a:shade val="50000"/>
+            </a:schemeClr>
+          </a:lnRef>
+          <a:fillRef idx="1">
+            <a:schemeClr val="accent1"/>
+          </a:fillRef>
+          <a:effectRef idx="0">
+            <a:schemeClr val="accent1"/>
+          </a:effectRef>
+          <a:fontRef idx="minor">
+            <a:schemeClr val="lt1"/>
+          </a:fontRef>
+        </p:style>
+        <p:txBody>
+          <a:bodyPr rtlCol="0" anchor="ctr"/>
+          <a:lstStyle/>
+          <a:p>
+            <a:pPr algn="ctr" defTabSz="1219170"/>
+            <a:endParaRPr lang="en-AU" sz="2400">
+              <a:solidFill>
+                <a:prstClr val="white"/>
+              </a:solidFill>
+              <a:latin typeface="Calibri"/>
+            </a:endParaRPr>
+          </a:p>
+        </p:txBody>
+      </p:sp>
+      <p:sp>
+        <p:nvSpPr>
+          <p:cNvPr id="13" name="Oval 12"/>
+          <p:cNvSpPr/>
+          <p:nvPr/>
+        </p:nvSpPr>
+        <p:spPr>
+          <a:xfrm>
+            <a:off x="8899774" y="2473877"/>
+            <a:ext cx="2202309" cy="1511563"/>
+          </a:xfrm>
+          <a:prstGeom prst="ellipse">
+            <a:avLst/>
+          </a:prstGeom>
+          <a:solidFill>
+            <a:srgbClr val="00B050">
+              <a:alpha val="50000"/>
+            </a:srgbClr>
+          </a:solidFill>
+          <a:ln w="25400">
+            <a:noFill/>
+          </a:ln>
+        </p:spPr>
+        <p:style>
+          <a:lnRef idx="2">
+            <a:schemeClr val="accent1">
+              <a:shade val="50000"/>
+            </a:schemeClr>
+          </a:lnRef>
+          <a:fillRef idx="1">
+            <a:schemeClr val="accent1"/>
+          </a:fillRef>
+          <a:effectRef idx="0">
+            <a:schemeClr val="accent1"/>
+          </a:effectRef>
+          <a:fontRef idx="minor">
+            <a:schemeClr val="lt1"/>
+          </a:fontRef>
+        </p:style>
+        <p:txBody>
+          <a:bodyPr rtlCol="0" anchor="ctr"/>
+          <a:lstStyle/>
+          <a:p>
+            <a:pPr algn="ctr" defTabSz="1219170"/>
+            <a:endParaRPr lang="en-AU" sz="2400">
+              <a:solidFill>
+                <a:prstClr val="white"/>
+              </a:solidFill>
+              <a:latin typeface="Calibri"/>
+            </a:endParaRPr>
+          </a:p>
+        </p:txBody>
+      </p:sp>
+      <p:sp>
+        <p:nvSpPr>
+          <p:cNvPr id="16" name="Oval 15"/>
+          <p:cNvSpPr/>
+          <p:nvPr/>
+        </p:nvSpPr>
+        <p:spPr>
+          <a:xfrm>
+            <a:off x="5474817" y="4450432"/>
+            <a:ext cx="2170420" cy="1490115"/>
+          </a:xfrm>
+          <a:prstGeom prst="ellipse">
+            <a:avLst/>
+          </a:prstGeom>
+          <a:solidFill>
+            <a:srgbClr val="7030A0">
+              <a:alpha val="50000"/>
+            </a:srgbClr>
+          </a:solidFill>
+          <a:ln w="25400">
+            <a:noFill/>
+          </a:ln>
+        </p:spPr>
+        <p:style>
+          <a:lnRef idx="2">
+            <a:schemeClr val="accent1">
+              <a:shade val="50000"/>
+            </a:schemeClr>
+          </a:lnRef>
+          <a:fillRef idx="1">
+            <a:schemeClr val="accent1"/>
+          </a:fillRef>
+          <a:effectRef idx="0">
+            <a:schemeClr val="accent1"/>
+          </a:effectRef>
+          <a:fontRef idx="minor">
+            <a:schemeClr val="lt1"/>
+          </a:fontRef>
+        </p:style>
+        <p:txBody>
+          <a:bodyPr rtlCol="0" anchor="ctr"/>
+          <a:lstStyle/>
+          <a:p>
+            <a:pPr defTabSz="1219170"/>
+            <a:endParaRPr lang="en-AU" sz="2400">
+              <a:solidFill>
+                <a:prstClr val="white"/>
+              </a:solidFill>
+              <a:latin typeface="Calibri"/>
+            </a:endParaRPr>
+          </a:p>
+        </p:txBody>
+      </p:sp>
+      <p:sp>
+        <p:nvSpPr>
+          <p:cNvPr id="17" name="Oval 16"/>
+          <p:cNvSpPr/>
+          <p:nvPr/>
+        </p:nvSpPr>
+        <p:spPr>
+          <a:xfrm>
+            <a:off x="2402572" y="2533649"/>
+            <a:ext cx="2209837" cy="1517179"/>
+          </a:xfrm>
+          <a:prstGeom prst="ellipse">
+            <a:avLst/>
+          </a:prstGeom>
+          <a:solidFill>
+            <a:srgbClr val="FFC000">
+              <a:alpha val="50000"/>
+            </a:srgbClr>
+          </a:solidFill>
+          <a:ln w="25400">
+            <a:noFill/>
+          </a:ln>
+        </p:spPr>
+        <p:style>
+          <a:lnRef idx="2">
+            <a:schemeClr val="accent1">
+              <a:shade val="50000"/>
+            </a:schemeClr>
+          </a:lnRef>
+          <a:fillRef idx="1">
+            <a:schemeClr val="accent1"/>
+          </a:fillRef>
+          <a:effectRef idx="0">
+            <a:schemeClr val="accent1"/>
+          </a:effectRef>
+          <a:fontRef idx="minor">
+            <a:schemeClr val="lt1"/>
+          </a:fontRef>
+        </p:style>
+        <p:txBody>
+          <a:bodyPr rtlCol="0" anchor="ctr"/>
+          <a:lstStyle/>
+          <a:p>
+            <a:pPr defTabSz="1219170"/>
+            <a:endParaRPr lang="en-AU" sz="2400">
+              <a:solidFill>
+                <a:prstClr val="white"/>
+              </a:solidFill>
+              <a:latin typeface="Calibri"/>
+            </a:endParaRPr>
           </a:p>
         </p:txBody>
       </p:sp>
     </p:spTree>
     <p:extLst>
       <p:ext uri="{BB962C8B-B14F-4D97-AF65-F5344CB8AC3E}">
-        <p14:creationId xmlns:p14="http://schemas.microsoft.com/office/powerpoint/2010/main" val="1473739999"/>
+        <p14:creationId xmlns:p14="http://schemas.microsoft.com/office/powerpoint/2010/main" val="4206609965"/>
       </p:ext>
     </p:extLst>
   </p:cSld>
@@ -7597,7 +10468,7 @@
           <a:lstStyle/>
           <a:p>
             <a:pPr algn="ctr" defTabSz="1219170"/>
-            <a:endParaRPr lang="en-AU" sz="2400">
+            <a:endParaRPr lang="en-AU" sz="2400" dirty="0">
               <a:solidFill>
                 <a:prstClr val="white"/>
               </a:solidFill>
@@ -7648,7 +10519,7 @@
           <a:lstStyle/>
           <a:p>
             <a:pPr defTabSz="1219170"/>
-            <a:endParaRPr lang="en-AU" sz="2400">
+            <a:endParaRPr lang="en-AU" sz="2400" dirty="0">
               <a:solidFill>
                 <a:prstClr val="white"/>
               </a:solidFill>
@@ -7701,7 +10572,7 @@
           <a:lstStyle/>
           <a:p>
             <a:pPr defTabSz="1219170"/>
-            <a:endParaRPr lang="en-AU" sz="2400">
+            <a:endParaRPr lang="en-AU" sz="2400" dirty="0">
               <a:solidFill>
                 <a:prstClr val="white"/>
               </a:solidFill>
@@ -7754,7 +10625,7 @@
           <a:lstStyle/>
           <a:p>
             <a:pPr defTabSz="1219170"/>
-            <a:endParaRPr lang="en-AU" sz="2400">
+            <a:endParaRPr lang="en-AU" sz="2400" dirty="0">
               <a:solidFill>
                 <a:prstClr val="white"/>
               </a:solidFill>
@@ -7807,7 +10678,7 @@
           <a:lstStyle/>
           <a:p>
             <a:pPr defTabSz="1219170"/>
-            <a:endParaRPr lang="en-AU" sz="2400">
+            <a:endParaRPr lang="en-AU" sz="2400" dirty="0">
               <a:solidFill>
                 <a:prstClr val="white"/>
               </a:solidFill>
@@ -7860,7 +10731,7 @@
           <a:lstStyle/>
           <a:p>
             <a:pPr defTabSz="1219170"/>
-            <a:endParaRPr lang="en-AU" sz="2400">
+            <a:endParaRPr lang="en-AU" sz="2400" dirty="0">
               <a:solidFill>
                 <a:prstClr val="white"/>
               </a:solidFill>
@@ -7913,7 +10784,7 @@
           <a:lstStyle/>
           <a:p>
             <a:pPr defTabSz="1219170"/>
-            <a:endParaRPr lang="en-AU" sz="2400">
+            <a:endParaRPr lang="en-AU" sz="2400" dirty="0">
               <a:solidFill>
                 <a:prstClr val="white"/>
               </a:solidFill>
@@ -7966,7 +10837,7 @@
           <a:lstStyle/>
           <a:p>
             <a:pPr defTabSz="1219170"/>
-            <a:endParaRPr lang="en-AU" sz="2400">
+            <a:endParaRPr lang="en-AU" sz="2400" dirty="0">
               <a:solidFill>
                 <a:prstClr val="white"/>
               </a:solidFill>
@@ -8019,7 +10890,7 @@
           <a:lstStyle/>
           <a:p>
             <a:pPr defTabSz="1219170"/>
-            <a:endParaRPr lang="en-AU" sz="2400">
+            <a:endParaRPr lang="en-AU" sz="2400" dirty="0">
               <a:solidFill>
                 <a:prstClr val="white"/>
               </a:solidFill>
@@ -8070,7 +10941,7 @@
           <a:lstStyle/>
           <a:p>
             <a:pPr defTabSz="1219170"/>
-            <a:endParaRPr lang="en-AU" sz="2400">
+            <a:endParaRPr lang="en-AU" sz="2400" dirty="0">
               <a:solidFill>
                 <a:prstClr val="white"/>
               </a:solidFill>
@@ -8121,7 +10992,7 @@
           <a:lstStyle/>
           <a:p>
             <a:pPr defTabSz="1219170"/>
-            <a:endParaRPr lang="en-AU" sz="2400">
+            <a:endParaRPr lang="en-AU" sz="2400" dirty="0">
               <a:solidFill>
                 <a:prstClr val="white"/>
               </a:solidFill>
@@ -8172,7 +11043,7 @@
           <a:lstStyle/>
           <a:p>
             <a:pPr defTabSz="1219170"/>
-            <a:endParaRPr lang="en-AU" sz="2400">
+            <a:endParaRPr lang="en-AU" sz="2400" dirty="0">
               <a:solidFill>
                 <a:prstClr val="white"/>
               </a:solidFill>
@@ -8223,7 +11094,7 @@
           <a:lstStyle/>
           <a:p>
             <a:pPr defTabSz="1219170"/>
-            <a:endParaRPr lang="en-AU" sz="2400">
+            <a:endParaRPr lang="en-AU" sz="2400" dirty="0">
               <a:solidFill>
                 <a:prstClr val="white"/>
               </a:solidFill>
@@ -8274,7 +11145,7 @@
           <a:lstStyle/>
           <a:p>
             <a:pPr defTabSz="1219170"/>
-            <a:endParaRPr lang="en-AU" sz="2400">
+            <a:endParaRPr lang="en-AU" sz="2400" dirty="0">
               <a:solidFill>
                 <a:prstClr val="white"/>
               </a:solidFill>
@@ -8325,7 +11196,7 @@
           <a:lstStyle/>
           <a:p>
             <a:pPr defTabSz="1219170"/>
-            <a:endParaRPr lang="en-AU" sz="2400">
+            <a:endParaRPr lang="en-AU" sz="2400" dirty="0">
               <a:solidFill>
                 <a:prstClr val="white"/>
               </a:solidFill>
@@ -8376,7 +11247,7 @@
           <a:lstStyle/>
           <a:p>
             <a:pPr defTabSz="1219170"/>
-            <a:endParaRPr lang="en-AU" sz="2400">
+            <a:endParaRPr lang="en-AU" sz="2400" dirty="0">
               <a:solidFill>
                 <a:prstClr val="white"/>
               </a:solidFill>
@@ -8427,7 +11298,7 @@
           <a:lstStyle/>
           <a:p>
             <a:pPr defTabSz="1219170"/>
-            <a:endParaRPr lang="en-AU" sz="2400">
+            <a:endParaRPr lang="en-AU" sz="2400" dirty="0">
               <a:solidFill>
                 <a:prstClr val="white"/>
               </a:solidFill>
@@ -8478,7 +11349,7 @@
           <a:lstStyle/>
           <a:p>
             <a:pPr defTabSz="1219170"/>
-            <a:endParaRPr lang="en-AU" sz="2400">
+            <a:endParaRPr lang="en-AU" sz="2400" dirty="0">
               <a:solidFill>
                 <a:prstClr val="white"/>
               </a:solidFill>
@@ -8529,7 +11400,7 @@
           <a:lstStyle/>
           <a:p>
             <a:pPr defTabSz="1219170"/>
-            <a:endParaRPr lang="en-AU" sz="2400">
+            <a:endParaRPr lang="en-AU" sz="2400" dirty="0">
               <a:solidFill>
                 <a:prstClr val="white"/>
               </a:solidFill>
@@ -8580,7 +11451,7 @@
           <a:lstStyle/>
           <a:p>
             <a:pPr defTabSz="1219170"/>
-            <a:endParaRPr lang="en-AU" sz="2400">
+            <a:endParaRPr lang="en-AU" sz="2400" dirty="0">
               <a:solidFill>
                 <a:prstClr val="white"/>
               </a:solidFill>
@@ -8631,7 +11502,7 @@
           <a:lstStyle/>
           <a:p>
             <a:pPr defTabSz="1219170"/>
-            <a:endParaRPr lang="en-AU" sz="2400">
+            <a:endParaRPr lang="en-AU" sz="2400" dirty="0">
               <a:solidFill>
                 <a:prstClr val="white"/>
               </a:solidFill>
@@ -8682,7 +11553,7 @@
           <a:lstStyle/>
           <a:p>
             <a:pPr defTabSz="1219170"/>
-            <a:endParaRPr lang="en-AU" sz="2400">
+            <a:endParaRPr lang="en-AU" sz="2400" dirty="0">
               <a:solidFill>
                 <a:prstClr val="white"/>
               </a:solidFill>
@@ -8733,7 +11604,7 @@
           <a:lstStyle/>
           <a:p>
             <a:pPr defTabSz="1219170"/>
-            <a:endParaRPr lang="en-AU" sz="2400">
+            <a:endParaRPr lang="en-AU" sz="2400" dirty="0">
               <a:solidFill>
                 <a:prstClr val="white"/>
               </a:solidFill>
@@ -8784,7 +11655,7 @@
           <a:lstStyle/>
           <a:p>
             <a:pPr defTabSz="1219170"/>
-            <a:endParaRPr lang="en-AU" sz="2400">
+            <a:endParaRPr lang="en-AU" sz="2400" dirty="0">
               <a:solidFill>
                 <a:prstClr val="white"/>
               </a:solidFill>
@@ -8835,7 +11706,7 @@
           <a:lstStyle/>
           <a:p>
             <a:pPr defTabSz="1219170"/>
-            <a:endParaRPr lang="en-AU" sz="2400">
+            <a:endParaRPr lang="en-AU" sz="2400" dirty="0">
               <a:solidFill>
                 <a:prstClr val="white"/>
               </a:solidFill>
@@ -8886,7 +11757,7 @@
           <a:lstStyle/>
           <a:p>
             <a:pPr defTabSz="1219170"/>
-            <a:endParaRPr lang="en-AU" sz="2400">
+            <a:endParaRPr lang="en-AU" sz="2400" dirty="0">
               <a:solidFill>
                 <a:prstClr val="white"/>
               </a:solidFill>
@@ -8937,7 +11808,7 @@
           <a:lstStyle/>
           <a:p>
             <a:pPr defTabSz="1219170"/>
-            <a:endParaRPr lang="en-AU" sz="2400">
+            <a:endParaRPr lang="en-AU" sz="2400" dirty="0">
               <a:solidFill>
                 <a:prstClr val="white"/>
               </a:solidFill>
@@ -8988,7 +11859,7 @@
           <a:lstStyle/>
           <a:p>
             <a:pPr defTabSz="1219170"/>
-            <a:endParaRPr lang="en-AU" sz="2400">
+            <a:endParaRPr lang="en-AU" sz="2400" dirty="0">
               <a:solidFill>
                 <a:prstClr val="white"/>
               </a:solidFill>
@@ -9039,7 +11910,7 @@
           <a:lstStyle/>
           <a:p>
             <a:pPr defTabSz="1219170"/>
-            <a:endParaRPr lang="en-AU" sz="2400">
+            <a:endParaRPr lang="en-AU" sz="2400" dirty="0">
               <a:solidFill>
                 <a:prstClr val="white"/>
               </a:solidFill>
@@ -9090,7 +11961,7 @@
           <a:lstStyle/>
           <a:p>
             <a:pPr defTabSz="1219170"/>
-            <a:endParaRPr lang="en-AU" sz="2400">
+            <a:endParaRPr lang="en-AU" sz="2400" dirty="0">
               <a:solidFill>
                 <a:prstClr val="white"/>
               </a:solidFill>
@@ -9141,7 +12012,7 @@
           <a:lstStyle/>
           <a:p>
             <a:pPr defTabSz="1219170"/>
-            <a:endParaRPr lang="en-AU" sz="2400">
+            <a:endParaRPr lang="en-AU" sz="2400" dirty="0">
               <a:solidFill>
                 <a:prstClr val="white"/>
               </a:solidFill>
@@ -9192,7 +12063,7 @@
           <a:lstStyle/>
           <a:p>
             <a:pPr defTabSz="1219170"/>
-            <a:endParaRPr lang="en-AU" sz="2400">
+            <a:endParaRPr lang="en-AU" sz="2400" dirty="0">
               <a:solidFill>
                 <a:prstClr val="white"/>
               </a:solidFill>
@@ -9243,7 +12114,7 @@
           <a:lstStyle/>
           <a:p>
             <a:pPr defTabSz="1219170"/>
-            <a:endParaRPr lang="en-AU" sz="2400">
+            <a:endParaRPr lang="en-AU" sz="2400" dirty="0">
               <a:solidFill>
                 <a:prstClr val="white"/>
               </a:solidFill>
@@ -9294,7 +12165,7 @@
           <a:lstStyle/>
           <a:p>
             <a:pPr defTabSz="1219170"/>
-            <a:endParaRPr lang="en-AU" sz="2400">
+            <a:endParaRPr lang="en-AU" sz="2400" dirty="0">
               <a:solidFill>
                 <a:prstClr val="white"/>
               </a:solidFill>
@@ -9345,7 +12216,7 @@
           <a:lstStyle/>
           <a:p>
             <a:pPr defTabSz="1219170"/>
-            <a:endParaRPr lang="en-AU" sz="2400">
+            <a:endParaRPr lang="en-AU" sz="2400" dirty="0">
               <a:solidFill>
                 <a:prstClr val="white"/>
               </a:solidFill>
@@ -9396,7 +12267,7 @@
           <a:lstStyle/>
           <a:p>
             <a:pPr defTabSz="1219170"/>
-            <a:endParaRPr lang="en-AU" sz="2400">
+            <a:endParaRPr lang="en-AU" sz="2400" dirty="0">
               <a:solidFill>
                 <a:prstClr val="white"/>
               </a:solidFill>
@@ -9447,7 +12318,7 @@
           <a:lstStyle/>
           <a:p>
             <a:pPr defTabSz="1219170"/>
-            <a:endParaRPr lang="en-AU" sz="2400">
+            <a:endParaRPr lang="en-AU" sz="2400" dirty="0">
               <a:solidFill>
                 <a:prstClr val="white"/>
               </a:solidFill>
@@ -9498,7 +12369,7 @@
           <a:lstStyle/>
           <a:p>
             <a:pPr defTabSz="1219170"/>
-            <a:endParaRPr lang="en-AU" sz="2400">
+            <a:endParaRPr lang="en-AU" sz="2400" dirty="0">
               <a:solidFill>
                 <a:prstClr val="white"/>
               </a:solidFill>
@@ -9549,7 +12420,7 @@
           <a:lstStyle/>
           <a:p>
             <a:pPr defTabSz="1219170"/>
-            <a:endParaRPr lang="en-AU" sz="2400">
+            <a:endParaRPr lang="en-AU" sz="2400" dirty="0">
               <a:solidFill>
                 <a:prstClr val="white"/>
               </a:solidFill>
@@ -9600,7 +12471,7 @@
           <a:lstStyle/>
           <a:p>
             <a:pPr defTabSz="1219170"/>
-            <a:endParaRPr lang="en-AU" sz="2400">
+            <a:endParaRPr lang="en-AU" sz="2400" dirty="0">
               <a:solidFill>
                 <a:prstClr val="white"/>
               </a:solidFill>
@@ -9651,7 +12522,7 @@
           <a:lstStyle/>
           <a:p>
             <a:pPr defTabSz="1219170"/>
-            <a:endParaRPr lang="en-AU" sz="2400">
+            <a:endParaRPr lang="en-AU" sz="2400" dirty="0">
               <a:solidFill>
                 <a:prstClr val="white"/>
               </a:solidFill>
@@ -9702,7 +12573,7 @@
           <a:lstStyle/>
           <a:p>
             <a:pPr defTabSz="1219170"/>
-            <a:endParaRPr lang="en-AU" sz="2400">
+            <a:endParaRPr lang="en-AU" sz="2400" dirty="0">
               <a:solidFill>
                 <a:prstClr val="white"/>
               </a:solidFill>
@@ -9753,7 +12624,7 @@
           <a:lstStyle/>
           <a:p>
             <a:pPr defTabSz="1219170"/>
-            <a:endParaRPr lang="en-AU" sz="2400">
+            <a:endParaRPr lang="en-AU" sz="2400" dirty="0">
               <a:solidFill>
                 <a:prstClr val="white"/>
               </a:solidFill>
@@ -9804,7 +12675,7 @@
           <a:lstStyle/>
           <a:p>
             <a:pPr defTabSz="1219170"/>
-            <a:endParaRPr lang="en-AU" sz="2400">
+            <a:endParaRPr lang="en-AU" sz="2400" dirty="0">
               <a:solidFill>
                 <a:prstClr val="white"/>
               </a:solidFill>
@@ -9855,7 +12726,7 @@
           <a:lstStyle/>
           <a:p>
             <a:pPr defTabSz="1219170"/>
-            <a:endParaRPr lang="en-AU" sz="2400">
+            <a:endParaRPr lang="en-AU" sz="2400" dirty="0">
               <a:solidFill>
                 <a:prstClr val="white"/>
               </a:solidFill>
@@ -9906,7 +12777,7 @@
           <a:lstStyle/>
           <a:p>
             <a:pPr defTabSz="1219170"/>
-            <a:endParaRPr lang="en-AU" sz="2400">
+            <a:endParaRPr lang="en-AU" sz="2400" dirty="0">
               <a:solidFill>
                 <a:prstClr val="white"/>
               </a:solidFill>
@@ -9957,7 +12828,7 @@
           <a:lstStyle/>
           <a:p>
             <a:pPr defTabSz="1219170"/>
-            <a:endParaRPr lang="en-AU" sz="2400">
+            <a:endParaRPr lang="en-AU" sz="2400" dirty="0">
               <a:solidFill>
                 <a:prstClr val="white"/>
               </a:solidFill>
@@ -10008,7 +12879,7 @@
           <a:lstStyle/>
           <a:p>
             <a:pPr defTabSz="1219170"/>
-            <a:endParaRPr lang="en-AU" sz="2400">
+            <a:endParaRPr lang="en-AU" sz="2400" dirty="0">
               <a:solidFill>
                 <a:prstClr val="white"/>
               </a:solidFill>
@@ -10059,7 +12930,7 @@
           <a:lstStyle/>
           <a:p>
             <a:pPr defTabSz="1219170"/>
-            <a:endParaRPr lang="en-AU" sz="2400">
+            <a:endParaRPr lang="en-AU" sz="2400" dirty="0">
               <a:solidFill>
                 <a:prstClr val="white"/>
               </a:solidFill>
@@ -10179,7 +13050,7 @@
           <a:lstStyle/>
           <a:p>
             <a:pPr algn="ctr" defTabSz="1219170"/>
-            <a:endParaRPr lang="en-AU" sz="2400">
+            <a:endParaRPr lang="en-AU" sz="2400" dirty="0">
               <a:solidFill>
                 <a:prstClr val="white"/>
               </a:solidFill>
@@ -12737,7 +15608,7 @@
         </p:nvSpPr>
         <p:spPr>
           <a:xfrm>
-            <a:off x="838200" y="1237397"/>
+            <a:off x="838200" y="1529923"/>
             <a:ext cx="10515600" cy="2482850"/>
           </a:xfrm>
         </p:spPr>
@@ -12749,10 +15620,30 @@
           <a:p>
             <a:pPr algn="ctr"/>
             <a:r>
-              <a:rPr lang="en-AU" dirty="0" smtClean="0"/>
-              <a:t>How well are existing protected areas covering important places for evolutionary processes?</a:t>
-            </a:r>
-            <a:endParaRPr lang="en-AU" dirty="0"/>
+              <a:rPr lang="en-AU" sz="5400" dirty="0" smtClean="0"/>
+              <a:t>(</a:t>
+            </a:r>
+            <a:r>
+              <a:rPr lang="en-AU" sz="5400" dirty="0" err="1" smtClean="0"/>
+              <a:t>i</a:t>
+            </a:r>
+            <a:r>
+              <a:rPr lang="en-AU" sz="5400" dirty="0" smtClean="0"/>
+              <a:t>) how </a:t>
+            </a:r>
+            <a:r>
+              <a:rPr lang="en-AU" sz="5400" dirty="0" smtClean="0"/>
+              <a:t>well are existing protected areas covering </a:t>
+            </a:r>
+            <a:r>
+              <a:rPr lang="en-AU" sz="5400" dirty="0" smtClean="0"/>
+              <a:t>important places for evolutionary </a:t>
+            </a:r>
+            <a:r>
+              <a:rPr lang="en-AU" sz="5400" dirty="0" smtClean="0"/>
+              <a:t>processes?</a:t>
+            </a:r>
+            <a:endParaRPr lang="en-AU" sz="5400" dirty="0"/>
           </a:p>
         </p:txBody>
       </p:sp>
@@ -12766,7 +15657,7 @@
         </p:nvSpPr>
         <p:spPr>
           <a:xfrm>
-            <a:off x="838200" y="4305299"/>
+            <a:off x="838200" y="3987372"/>
             <a:ext cx="10515600" cy="2009775"/>
           </a:xfrm>
           <a:prstGeom prst="rect">
@@ -12801,10 +15692,22 @@
           <a:p>
             <a:pPr algn="ctr"/>
             <a:r>
-              <a:rPr lang="en-AU" dirty="0" smtClean="0"/>
-              <a:t>Where are priority areas for conserving of evolutionary processes?</a:t>
-            </a:r>
-            <a:endParaRPr lang="en-AU" dirty="0"/>
+              <a:rPr lang="en-AU" sz="5400" dirty="0" smtClean="0"/>
+              <a:t>(ii) where </a:t>
+            </a:r>
+            <a:r>
+              <a:rPr lang="en-AU" sz="5400" dirty="0" smtClean="0"/>
+              <a:t>are priority areas for conserving </a:t>
+            </a:r>
+            <a:r>
+              <a:rPr lang="en-AU" sz="5400" dirty="0" smtClean="0"/>
+              <a:t>evolutionary </a:t>
+            </a:r>
+            <a:r>
+              <a:rPr lang="en-AU" sz="5400" dirty="0" smtClean="0"/>
+              <a:t>processes?</a:t>
+            </a:r>
+            <a:endParaRPr lang="en-AU" sz="5400" dirty="0"/>
           </a:p>
         </p:txBody>
       </p:sp>
@@ -12816,8 +15719,8 @@
         </p:nvSpPr>
         <p:spPr>
           <a:xfrm>
-            <a:off x="5368878" y="365125"/>
-            <a:ext cx="1454244" cy="830997"/>
+            <a:off x="5289529" y="314067"/>
+            <a:ext cx="1612942" cy="923330"/>
           </a:xfrm>
           <a:prstGeom prst="rect">
             <a:avLst/>
@@ -12832,18 +15735,13 @@
           <a:p>
             <a:pPr algn="ctr"/>
             <a:r>
-              <a:rPr lang="en-AU" sz="4800" b="1" dirty="0">
+              <a:rPr lang="en-AU" sz="5400" b="1" dirty="0">
                 <a:solidFill>
                   <a:schemeClr val="bg1"/>
                 </a:solidFill>
               </a:rPr>
               <a:t>Aims</a:t>
             </a:r>
-            <a:endParaRPr lang="en-AU" b="1" dirty="0">
-              <a:solidFill>
-                <a:schemeClr val="bg1"/>
-              </a:solidFill>
-            </a:endParaRPr>
           </a:p>
         </p:txBody>
       </p:sp>
@@ -12884,303 +15782,55 @@
           <a:chExt cx="0" cy="0"/>
         </a:xfrm>
       </p:grpSpPr>
-      <p:sp>
-        <p:nvSpPr>
-          <p:cNvPr id="2" name="Title 1"/>
-          <p:cNvSpPr>
-            <a:spLocks noGrp="1"/>
-          </p:cNvSpPr>
-          <p:nvPr>
-            <p:ph type="title"/>
-          </p:nvPr>
-        </p:nvSpPr>
-        <p:spPr>
-          <a:xfrm>
-            <a:off x="838200" y="-200933"/>
-            <a:ext cx="10515600" cy="1325563"/>
-          </a:xfrm>
-        </p:spPr>
-        <p:txBody>
-          <a:bodyPr>
-            <a:normAutofit/>
-          </a:bodyPr>
-          <a:lstStyle/>
-          <a:p>
-            <a:pPr algn="ctr"/>
-            <a:r>
-              <a:rPr lang="en-AU" sz="4800" dirty="0" smtClean="0">
-                <a:latin typeface="+mn-lt"/>
-              </a:rPr>
-              <a:t>Study system</a:t>
-            </a:r>
-            <a:endParaRPr lang="en-AU" sz="4800" dirty="0">
-              <a:latin typeface="+mn-lt"/>
-            </a:endParaRPr>
-          </a:p>
-        </p:txBody>
-      </p:sp>
       <p:grpSp>
         <p:nvGrpSpPr>
-          <p:cNvPr id="16" name="Group 15"/>
+          <p:cNvPr id="9" name="Group 8"/>
           <p:cNvGrpSpPr/>
           <p:nvPr/>
         </p:nvGrpSpPr>
         <p:grpSpPr>
           <a:xfrm>
-            <a:off x="8983300" y="308071"/>
-            <a:ext cx="3076017" cy="3308930"/>
-            <a:chOff x="8814321" y="646827"/>
-            <a:chExt cx="3076017" cy="3308930"/>
-          </a:xfrm>
-        </p:grpSpPr>
-        <p:grpSp>
-          <p:nvGrpSpPr>
-            <p:cNvPr id="13" name="Group 12"/>
-            <p:cNvGrpSpPr/>
-            <p:nvPr/>
-          </p:nvGrpSpPr>
-          <p:grpSpPr>
-            <a:xfrm>
-              <a:off x="8869393" y="646827"/>
-              <a:ext cx="3020945" cy="2434095"/>
-              <a:chOff x="4185398" y="1031547"/>
-              <a:chExt cx="3020945" cy="2434095"/>
-            </a:xfrm>
-          </p:grpSpPr>
-          <p:pic>
-            <p:nvPicPr>
-              <p:cNvPr id="2050" name="Picture 2" descr="Rana-iberica-La-Vera-20071111 9.jpg"/>
-              <p:cNvPicPr>
-                <a:picLocks noChangeAspect="1" noChangeArrowheads="1"/>
-              </p:cNvPicPr>
-              <p:nvPr/>
-            </p:nvPicPr>
-            <p:blipFill rotWithShape="1">
-              <a:blip r:embed="rId2" cstate="print">
-                <a:extLst>
-                  <a:ext uri="{28A0092B-C50C-407E-A947-70E740481C1C}">
-                    <a14:useLocalDpi xmlns:a14="http://schemas.microsoft.com/office/drawing/2010/main" val="0"/>
-                  </a:ext>
-                </a:extLst>
-              </a:blip>
-              <a:srcRect l="21859" t="21390" r="7325" b="9549"/>
-              <a:stretch/>
-            </p:blipFill>
-            <p:spPr bwMode="auto">
-              <a:xfrm>
-                <a:off x="4501243" y="1031547"/>
-                <a:ext cx="2705100" cy="2076450"/>
-              </a:xfrm>
-              <a:prstGeom prst="ellipse">
-                <a:avLst/>
-              </a:prstGeom>
-              <a:ln w="63500" cap="rnd">
-                <a:noFill/>
-              </a:ln>
-              <a:effectLst>
-                <a:outerShdw blurRad="381000" dist="292100" dir="5400000" sx="-80000" sy="-18000" rotWithShape="0">
-                  <a:srgbClr val="000000">
-                    <a:alpha val="22000"/>
-                  </a:srgbClr>
-                </a:outerShdw>
-              </a:effectLst>
-              <a:scene3d>
-                <a:camera prst="orthographicFront"/>
-                <a:lightRig rig="contrasting" dir="t">
-                  <a:rot lat="0" lon="0" rev="3000000"/>
-                </a:lightRig>
-              </a:scene3d>
-              <a:sp3d contourW="7620">
-                <a:bevelT w="95250" h="31750"/>
-                <a:contourClr>
-                  <a:srgbClr val="333333"/>
-                </a:contourClr>
-              </a:sp3d>
-              <a:extLst>
-                <a:ext uri="{909E8E84-426E-40DD-AFC4-6F175D3DCCD1}">
-                  <a14:hiddenFill xmlns:a14="http://schemas.microsoft.com/office/drawing/2010/main">
-                    <a:solidFill>
-                      <a:srgbClr val="FFFFFF"/>
-                    </a:solidFill>
-                  </a14:hiddenFill>
-                </a:ext>
-              </a:extLst>
-            </p:spPr>
-          </p:pic>
-          <p:pic>
-            <p:nvPicPr>
-              <p:cNvPr id="2052" name="Picture 4" descr="Image result for iucn icons"/>
-              <p:cNvPicPr>
-                <a:picLocks noChangeAspect="1" noChangeArrowheads="1"/>
-              </p:cNvPicPr>
-              <p:nvPr/>
-            </p:nvPicPr>
-            <p:blipFill>
-              <a:blip r:embed="rId3" cstate="print">
-                <a:extLst>
-                  <a:ext uri="{28A0092B-C50C-407E-A947-70E740481C1C}">
-                    <a14:useLocalDpi xmlns:a14="http://schemas.microsoft.com/office/drawing/2010/main" val="0"/>
-                  </a:ext>
-                </a:extLst>
-              </a:blip>
-              <a:srcRect/>
-              <a:stretch>
-                <a:fillRect/>
-              </a:stretch>
-            </p:blipFill>
-            <p:spPr bwMode="auto">
-              <a:xfrm>
-                <a:off x="4185398" y="2162304"/>
-                <a:ext cx="1303338" cy="1303338"/>
-              </a:xfrm>
-              <a:prstGeom prst="rect">
-                <a:avLst/>
-              </a:prstGeom>
-              <a:noFill/>
-              <a:extLst>
-                <a:ext uri="{909E8E84-426E-40DD-AFC4-6F175D3DCCD1}">
-                  <a14:hiddenFill xmlns:a14="http://schemas.microsoft.com/office/drawing/2010/main">
-                    <a:solidFill>
-                      <a:srgbClr val="FFFFFF"/>
-                    </a:solidFill>
-                  </a14:hiddenFill>
-                </a:ext>
-              </a:extLst>
-            </p:spPr>
-          </p:pic>
-        </p:grpSp>
-        <p:sp>
-          <p:nvSpPr>
-            <p:cNvPr id="4" name="TextBox 3"/>
-            <p:cNvSpPr txBox="1"/>
-            <p:nvPr/>
-          </p:nvSpPr>
-          <p:spPr>
-            <a:xfrm>
-              <a:off x="8814321" y="3186316"/>
-              <a:ext cx="2298193" cy="769441"/>
-            </a:xfrm>
-            <a:prstGeom prst="rect">
-              <a:avLst/>
-            </a:prstGeom>
-            <a:noFill/>
-          </p:spPr>
-          <p:txBody>
-            <a:bodyPr wrap="none" rtlCol="0">
-              <a:spAutoFit/>
-            </a:bodyPr>
-            <a:lstStyle/>
-            <a:p>
-              <a:r>
-                <a:rPr lang="en-AU" sz="4400" i="1" dirty="0" smtClean="0">
-                  <a:solidFill>
-                    <a:schemeClr val="bg1">
-                      <a:lumMod val="95000"/>
-                    </a:schemeClr>
-                  </a:solidFill>
-                </a:rPr>
-                <a:t>R. </a:t>
-              </a:r>
-              <a:r>
-                <a:rPr lang="en-AU" sz="4400" i="1" dirty="0" err="1" smtClean="0">
-                  <a:solidFill>
-                    <a:schemeClr val="bg1">
-                      <a:lumMod val="95000"/>
-                    </a:schemeClr>
-                  </a:solidFill>
-                </a:rPr>
-                <a:t>iberica</a:t>
-              </a:r>
-              <a:endParaRPr lang="en-AU" sz="4400" i="1" dirty="0">
-                <a:solidFill>
-                  <a:schemeClr val="bg1">
-                    <a:lumMod val="95000"/>
-                  </a:schemeClr>
-                </a:solidFill>
-              </a:endParaRPr>
-            </a:p>
-          </p:txBody>
-        </p:sp>
-      </p:grpSp>
-      <p:grpSp>
-        <p:nvGrpSpPr>
-          <p:cNvPr id="17" name="Group 16"/>
-          <p:cNvGrpSpPr/>
-          <p:nvPr/>
-        </p:nvGrpSpPr>
-        <p:grpSpPr>
-          <a:xfrm>
-            <a:off x="8837555" y="3777965"/>
-            <a:ext cx="2984588" cy="2934421"/>
-            <a:chOff x="8688871" y="3432199"/>
-            <a:chExt cx="2984588" cy="2934421"/>
+            <a:off x="526960" y="1914957"/>
+            <a:ext cx="11304122" cy="2978705"/>
+            <a:chOff x="526960" y="1914957"/>
+            <a:chExt cx="11304122" cy="2978705"/>
           </a:xfrm>
         </p:grpSpPr>
         <p:pic>
           <p:nvPicPr>
-            <p:cNvPr id="2056" name="Picture 8" descr="Pelobates cultripes"/>
+            <p:cNvPr id="3" name="Picture 2"/>
             <p:cNvPicPr>
-              <a:picLocks noChangeAspect="1" noChangeArrowheads="1"/>
+              <a:picLocks noChangeAspect="1"/>
             </p:cNvPicPr>
             <p:nvPr/>
           </p:nvPicPr>
-          <p:blipFill rotWithShape="1">
-            <a:blip r:embed="rId4">
+          <p:blipFill>
+            <a:blip r:embed="rId2" cstate="print">
               <a:extLst>
                 <a:ext uri="{28A0092B-C50C-407E-A947-70E740481C1C}">
                   <a14:useLocalDpi xmlns:a14="http://schemas.microsoft.com/office/drawing/2010/main" val="0"/>
                 </a:ext>
               </a:extLst>
             </a:blip>
-            <a:srcRect l="19779" t="23373" b="7007"/>
-            <a:stretch/>
+            <a:stretch>
+              <a:fillRect/>
+            </a:stretch>
           </p:blipFill>
-          <p:spPr bwMode="auto">
+          <p:spPr>
             <a:xfrm>
-              <a:off x="8688871" y="3949210"/>
-              <a:ext cx="2647905" cy="1723488"/>
+              <a:off x="526960" y="1934245"/>
+              <a:ext cx="3678427" cy="2940128"/>
             </a:xfrm>
-            <a:prstGeom prst="ellipse">
+            <a:prstGeom prst="rect">
               <a:avLst/>
             </a:prstGeom>
-            <a:ln w="63500" cap="rnd">
-              <a:noFill/>
-            </a:ln>
-            <a:effectLst>
-              <a:outerShdw blurRad="381000" dist="292100" dir="5400000" sx="-80000" sy="-18000" rotWithShape="0">
-                <a:srgbClr val="000000">
-                  <a:alpha val="22000"/>
-                </a:srgbClr>
-              </a:outerShdw>
-            </a:effectLst>
-            <a:scene3d>
-              <a:camera prst="orthographicFront"/>
-              <a:lightRig rig="contrasting" dir="t">
-                <a:rot lat="0" lon="0" rev="3000000"/>
-              </a:lightRig>
-            </a:scene3d>
-            <a:sp3d contourW="7620">
-              <a:bevelT w="95250" h="31750"/>
-              <a:contourClr>
-                <a:srgbClr val="333333"/>
-              </a:contourClr>
-            </a:sp3d>
-            <a:extLst>
-              <a:ext uri="{909E8E84-426E-40DD-AFC4-6F175D3DCCD1}">
-                <a14:hiddenFill xmlns:a14="http://schemas.microsoft.com/office/drawing/2010/main">
-                  <a:solidFill>
-                    <a:srgbClr val="FFFFFF"/>
-                  </a:solidFill>
-                </a14:hiddenFill>
-              </a:ext>
-            </a:extLst>
           </p:spPr>
         </p:pic>
         <p:pic>
           <p:nvPicPr>
-            <p:cNvPr id="8" name="Picture 4" descr="Image result for iucn icons"/>
+            <p:cNvPr id="5" name="Picture 4"/>
             <p:cNvPicPr>
-              <a:picLocks noChangeAspect="1" noChangeArrowheads="1"/>
+              <a:picLocks noChangeAspect="1"/>
             </p:cNvPicPr>
             <p:nvPr/>
           </p:nvPicPr>
@@ -13192,349 +15842,156 @@
                 </a:ext>
               </a:extLst>
             </a:blip>
-            <a:srcRect/>
             <a:stretch>
               <a:fillRect/>
             </a:stretch>
           </p:blipFill>
-          <p:spPr bwMode="auto">
+          <p:spPr>
             <a:xfrm>
-              <a:off x="10370259" y="3432199"/>
-              <a:ext cx="1303200" cy="1303200"/>
+              <a:off x="4321021" y="1914957"/>
+              <a:ext cx="3726691" cy="2978705"/>
             </a:xfrm>
             <a:prstGeom prst="rect">
               <a:avLst/>
             </a:prstGeom>
-            <a:noFill/>
-            <a:extLst>
-              <a:ext uri="{909E8E84-426E-40DD-AFC4-6F175D3DCCD1}">
-                <a14:hiddenFill xmlns:a14="http://schemas.microsoft.com/office/drawing/2010/main">
-                  <a:solidFill>
-                    <a:srgbClr val="FFFFFF"/>
-                  </a:solidFill>
-                </a14:hiddenFill>
-              </a:ext>
-            </a:extLst>
           </p:spPr>
         </p:pic>
-        <p:sp>
-          <p:nvSpPr>
-            <p:cNvPr id="10" name="TextBox 9"/>
-            <p:cNvSpPr txBox="1"/>
+        <p:pic>
+          <p:nvPicPr>
+            <p:cNvPr id="6" name="Picture 5"/>
+            <p:cNvPicPr>
+              <a:picLocks noChangeAspect="1"/>
+            </p:cNvPicPr>
             <p:nvPr/>
-          </p:nvSpPr>
+          </p:nvPicPr>
+          <p:blipFill>
+            <a:blip r:embed="rId4" cstate="print">
+              <a:extLst>
+                <a:ext uri="{28A0092B-C50C-407E-A947-70E740481C1C}">
+                  <a14:useLocalDpi xmlns:a14="http://schemas.microsoft.com/office/drawing/2010/main" val="0"/>
+                </a:ext>
+              </a:extLst>
+            </a:blip>
+            <a:stretch>
+              <a:fillRect/>
+            </a:stretch>
+          </p:blipFill>
           <p:spPr>
             <a:xfrm>
-              <a:off x="8794494" y="5597179"/>
-              <a:ext cx="2624501" cy="769441"/>
+              <a:off x="8163346" y="1934245"/>
+              <a:ext cx="3667736" cy="2931583"/>
             </a:xfrm>
             <a:prstGeom prst="rect">
               <a:avLst/>
             </a:prstGeom>
-            <a:noFill/>
           </p:spPr>
-          <p:txBody>
-            <a:bodyPr wrap="none" rtlCol="0">
-              <a:spAutoFit/>
-            </a:bodyPr>
-            <a:lstStyle/>
-            <a:p>
-              <a:r>
-                <a:rPr lang="en-AU" sz="4400" i="1" dirty="0" smtClean="0">
-                  <a:solidFill>
-                    <a:schemeClr val="bg1">
-                      <a:lumMod val="95000"/>
-                    </a:schemeClr>
-                  </a:solidFill>
-                </a:rPr>
-                <a:t>P. </a:t>
-              </a:r>
-              <a:r>
-                <a:rPr lang="en-AU" sz="4400" i="1" dirty="0" err="1" smtClean="0">
-                  <a:solidFill>
-                    <a:schemeClr val="bg1">
-                      <a:lumMod val="95000"/>
-                    </a:schemeClr>
-                  </a:solidFill>
-                </a:rPr>
-                <a:t>cultripes</a:t>
-              </a:r>
-              <a:endParaRPr lang="en-AU" sz="4400" i="1" dirty="0">
-                <a:solidFill>
-                  <a:schemeClr val="bg1">
-                    <a:lumMod val="95000"/>
-                  </a:schemeClr>
-                </a:solidFill>
-              </a:endParaRPr>
-            </a:p>
-          </p:txBody>
-        </p:sp>
+        </p:pic>
       </p:grpSp>
-      <p:grpSp>
-        <p:nvGrpSpPr>
-          <p:cNvPr id="15" name="Group 14"/>
-          <p:cNvGrpSpPr/>
-          <p:nvPr/>
-        </p:nvGrpSpPr>
-        <p:grpSpPr>
-          <a:xfrm>
-            <a:off x="345758" y="1346296"/>
-            <a:ext cx="2539278" cy="4119590"/>
-            <a:chOff x="5365370" y="783533"/>
-            <a:chExt cx="2539278" cy="4119590"/>
-          </a:xfrm>
-        </p:grpSpPr>
-        <p:sp>
-          <p:nvSpPr>
-            <p:cNvPr id="7" name="TextBox 6"/>
-            <p:cNvSpPr txBox="1"/>
-            <p:nvPr/>
-          </p:nvSpPr>
-          <p:spPr>
-            <a:xfrm>
-              <a:off x="5509441" y="4133682"/>
-              <a:ext cx="2395207" cy="769441"/>
-            </a:xfrm>
-            <a:prstGeom prst="rect">
-              <a:avLst/>
-            </a:prstGeom>
-            <a:noFill/>
-          </p:spPr>
-          <p:txBody>
-            <a:bodyPr wrap="none" rtlCol="0">
-              <a:spAutoFit/>
-            </a:bodyPr>
-            <a:lstStyle/>
-            <a:p>
-              <a:r>
-                <a:rPr lang="en-AU" sz="4400" i="1" dirty="0" smtClean="0">
-                  <a:solidFill>
-                    <a:schemeClr val="bg1">
-                      <a:lumMod val="95000"/>
-                    </a:schemeClr>
-                  </a:solidFill>
-                </a:rPr>
-                <a:t>H. </a:t>
-              </a:r>
-              <a:r>
-                <a:rPr lang="en-AU" sz="4400" i="1" dirty="0" err="1" smtClean="0">
-                  <a:solidFill>
-                    <a:schemeClr val="bg1">
-                      <a:lumMod val="95000"/>
-                    </a:schemeClr>
-                  </a:solidFill>
-                </a:rPr>
-                <a:t>molleri</a:t>
-              </a:r>
-              <a:endParaRPr lang="en-AU" sz="4400" i="1" dirty="0">
-                <a:solidFill>
-                  <a:schemeClr val="bg1">
-                    <a:lumMod val="95000"/>
-                  </a:schemeClr>
-                </a:solidFill>
-              </a:endParaRPr>
-            </a:p>
-          </p:txBody>
-        </p:sp>
-        <p:grpSp>
-          <p:nvGrpSpPr>
-            <p:cNvPr id="12" name="Group 11"/>
-            <p:cNvGrpSpPr/>
-            <p:nvPr/>
-          </p:nvGrpSpPr>
-          <p:grpSpPr>
-            <a:xfrm>
-              <a:off x="5365370" y="783533"/>
-              <a:ext cx="2294818" cy="3387001"/>
-              <a:chOff x="-518019" y="774497"/>
-              <a:chExt cx="3017611" cy="4453795"/>
-            </a:xfrm>
-          </p:grpSpPr>
-          <p:pic>
-            <p:nvPicPr>
-              <p:cNvPr id="2058" name="Picture 10" descr="Hyla arborea var. molleri (Hello folks).jpg"/>
-              <p:cNvPicPr>
-                <a:picLocks noChangeAspect="1" noChangeArrowheads="1"/>
-              </p:cNvPicPr>
-              <p:nvPr/>
-            </p:nvPicPr>
-            <p:blipFill rotWithShape="1">
-              <a:blip r:embed="rId5" cstate="print">
-                <a:extLst>
-                  <a:ext uri="{28A0092B-C50C-407E-A947-70E740481C1C}">
-                    <a14:useLocalDpi xmlns:a14="http://schemas.microsoft.com/office/drawing/2010/main" val="0"/>
-                  </a:ext>
-                </a:extLst>
-              </a:blip>
-              <a:srcRect l="19708" t="10151" b="7951"/>
-              <a:stretch/>
-            </p:blipFill>
-            <p:spPr bwMode="auto">
-              <a:xfrm>
-                <a:off x="-328570" y="774497"/>
-                <a:ext cx="2828162" cy="4103548"/>
-              </a:xfrm>
-              <a:prstGeom prst="ellipse">
-                <a:avLst/>
-              </a:prstGeom>
-              <a:ln w="63500" cap="rnd">
-                <a:noFill/>
-              </a:ln>
-              <a:effectLst>
-                <a:outerShdw blurRad="381000" dist="292100" dir="5400000" sx="-80000" sy="-18000" rotWithShape="0">
-                  <a:srgbClr val="000000">
-                    <a:alpha val="22000"/>
-                  </a:srgbClr>
-                </a:outerShdw>
-              </a:effectLst>
-              <a:scene3d>
-                <a:camera prst="orthographicFront"/>
-                <a:lightRig rig="contrasting" dir="t">
-                  <a:rot lat="0" lon="0" rev="3000000"/>
-                </a:lightRig>
-              </a:scene3d>
-              <a:sp3d contourW="7620">
-                <a:bevelT w="95250" h="31750"/>
-                <a:contourClr>
-                  <a:srgbClr val="333333"/>
-                </a:contourClr>
-              </a:sp3d>
-              <a:extLst>
-                <a:ext uri="{909E8E84-426E-40DD-AFC4-6F175D3DCCD1}">
-                  <a14:hiddenFill xmlns:a14="http://schemas.microsoft.com/office/drawing/2010/main">
-                    <a:solidFill>
-                      <a:srgbClr val="FFFFFF"/>
-                    </a:solidFill>
-                  </a14:hiddenFill>
-                </a:ext>
-              </a:extLst>
-            </p:spPr>
-          </p:pic>
-          <p:sp>
-            <p:nvSpPr>
-              <p:cNvPr id="11" name="Oval 10"/>
-              <p:cNvSpPr/>
-              <p:nvPr/>
-            </p:nvSpPr>
-            <p:spPr>
-              <a:xfrm>
-                <a:off x="-518019" y="3514627"/>
-                <a:ext cx="1713666" cy="1713665"/>
-              </a:xfrm>
-              <a:prstGeom prst="ellipse">
-                <a:avLst/>
-              </a:prstGeom>
-              <a:solidFill>
-                <a:srgbClr val="7030A0"/>
-              </a:solidFill>
-              <a:ln>
-                <a:solidFill>
-                  <a:srgbClr val="7030A0"/>
-                </a:solidFill>
-              </a:ln>
-            </p:spPr>
-            <p:style>
-              <a:lnRef idx="2">
-                <a:schemeClr val="accent1">
-                  <a:shade val="50000"/>
-                </a:schemeClr>
-              </a:lnRef>
-              <a:fillRef idx="1">
-                <a:schemeClr val="accent1"/>
-              </a:fillRef>
-              <a:effectRef idx="0">
-                <a:schemeClr val="accent1"/>
-              </a:effectRef>
-              <a:fontRef idx="minor">
-                <a:schemeClr val="lt1"/>
-              </a:fontRef>
-            </p:style>
-            <p:txBody>
-              <a:bodyPr rtlCol="0" anchor="ctr"/>
-              <a:lstStyle/>
-              <a:p>
-                <a:pPr algn="ctr"/>
-                <a:r>
-                  <a:rPr lang="en-AU" sz="7200" dirty="0" smtClean="0"/>
-                  <a:t>?</a:t>
-                </a:r>
-                <a:endParaRPr lang="en-AU" sz="7200" dirty="0"/>
-              </a:p>
-            </p:txBody>
-          </p:sp>
-        </p:grpSp>
-      </p:grpSp>
+      <p:sp>
+        <p:nvSpPr>
+          <p:cNvPr id="2" name="Title 1"/>
+          <p:cNvSpPr>
+            <a:spLocks noGrp="1"/>
+          </p:cNvSpPr>
+          <p:nvPr>
+            <p:ph type="title"/>
+          </p:nvPr>
+        </p:nvSpPr>
+        <p:spPr>
+          <a:xfrm>
+            <a:off x="838200" y="-200933"/>
+            <a:ext cx="10515600" cy="1325563"/>
+          </a:xfrm>
+        </p:spPr>
+        <p:txBody>
+          <a:bodyPr>
+            <a:normAutofit/>
+          </a:bodyPr>
+          <a:lstStyle/>
+          <a:p>
+            <a:pPr algn="ctr"/>
+            <a:r>
+              <a:rPr lang="en-AU" sz="4800" dirty="0" smtClean="0">
+                <a:latin typeface="+mn-lt"/>
+              </a:rPr>
+              <a:t>Case study</a:t>
+            </a:r>
+            <a:endParaRPr lang="en-AU" sz="4800" dirty="0">
+              <a:latin typeface="+mn-lt"/>
+            </a:endParaRPr>
+          </a:p>
+        </p:txBody>
+      </p:sp>
       <p:pic>
         <p:nvPicPr>
-          <p:cNvPr id="18" name="Picture 17"/>
+          <p:cNvPr id="2050" name="Picture 2" descr="Rana-iberica-La-Vera-20071111 9.jpg"/>
           <p:cNvPicPr>
-            <a:picLocks noChangeAspect="1"/>
+            <a:picLocks noChangeAspect="1" noChangeArrowheads="1"/>
           </p:cNvPicPr>
           <p:nvPr/>
         </p:nvPicPr>
         <p:blipFill rotWithShape="1">
-          <a:blip r:embed="rId6"/>
-          <a:srcRect l="24485" t="33117" r="60084" b="30523"/>
+          <a:blip r:embed="rId5" cstate="print">
+            <a:extLst>
+              <a:ext uri="{28A0092B-C50C-407E-A947-70E740481C1C}">
+                <a14:useLocalDpi xmlns:a14="http://schemas.microsoft.com/office/drawing/2010/main" val="0"/>
+              </a:ext>
+            </a:extLst>
+          </a:blip>
+          <a:srcRect l="21859" t="21390" r="7325" b="9549"/>
           <a:stretch/>
         </p:blipFill>
-        <p:spPr>
-          <a:xfrm>
-            <a:off x="3137731" y="1168918"/>
-            <a:ext cx="5495049" cy="4370408"/>
-          </a:xfrm>
-          <a:prstGeom prst="rect">
+        <p:spPr bwMode="auto">
+          <a:xfrm>
+            <a:off x="5508001" y="4736456"/>
+            <a:ext cx="2539711" cy="1949497"/>
+          </a:xfrm>
+          <a:prstGeom prst="ellipse">
             <a:avLst/>
           </a:prstGeom>
+          <a:ln w="63500" cap="rnd">
+            <a:noFill/>
+          </a:ln>
+          <a:effectLst>
+            <a:outerShdw blurRad="381000" dist="292100" dir="5400000" sx="-80000" sy="-18000" rotWithShape="0">
+              <a:srgbClr val="000000">
+                <a:alpha val="22000"/>
+              </a:srgbClr>
+            </a:outerShdw>
+          </a:effectLst>
+          <a:scene3d>
+            <a:camera prst="orthographicFront"/>
+            <a:lightRig rig="contrasting" dir="t">
+              <a:rot lat="0" lon="0" rev="3000000"/>
+            </a:lightRig>
+          </a:scene3d>
+          <a:sp3d contourW="7620">
+            <a:bevelT w="95250" h="31750"/>
+            <a:contourClr>
+              <a:srgbClr val="333333"/>
+            </a:contourClr>
+          </a:sp3d>
+          <a:extLst>
+            <a:ext uri="{909E8E84-426E-40DD-AFC4-6F175D3DCCD1}">
+              <a14:hiddenFill xmlns:a14="http://schemas.microsoft.com/office/drawing/2010/main">
+                <a:solidFill>
+                  <a:srgbClr val="FFFFFF"/>
+                </a:solidFill>
+              </a14:hiddenFill>
+            </a:ext>
+          </a:extLst>
         </p:spPr>
       </p:pic>
-      <p:sp>
-        <p:nvSpPr>
-          <p:cNvPr id="20" name="TextBox 19"/>
-          <p:cNvSpPr txBox="1"/>
-          <p:nvPr/>
-        </p:nvSpPr>
-        <p:spPr>
-          <a:xfrm>
-            <a:off x="2133600" y="6121399"/>
-            <a:ext cx="2425700" cy="584775"/>
-          </a:xfrm>
-          <a:prstGeom prst="rect">
-            <a:avLst/>
-          </a:prstGeom>
-          <a:noFill/>
-        </p:spPr>
-        <p:txBody>
-          <a:bodyPr wrap="square" rtlCol="0">
-            <a:spAutoFit/>
-          </a:bodyPr>
-          <a:lstStyle/>
-          <a:p>
-            <a:r>
-              <a:rPr lang="en-AU" sz="3200" dirty="0" smtClean="0">
-                <a:solidFill>
-                  <a:schemeClr val="bg1"/>
-                </a:solidFill>
-              </a:rPr>
-              <a:t>You are here</a:t>
-            </a:r>
-            <a:endParaRPr lang="en-AU" sz="3200" dirty="0">
-              <a:solidFill>
-                <a:schemeClr val="bg1"/>
-              </a:solidFill>
-            </a:endParaRPr>
-          </a:p>
-        </p:txBody>
-      </p:sp>
       <p:pic>
         <p:nvPicPr>
-          <p:cNvPr id="2060" name="Picture 12" descr="Image result for map marker"/>
+          <p:cNvPr id="2052" name="Picture 4" descr="Image result for iucn icons"/>
           <p:cNvPicPr>
             <a:picLocks noChangeAspect="1" noChangeArrowheads="1"/>
           </p:cNvPicPr>
           <p:nvPr/>
         </p:nvPicPr>
         <p:blipFill>
-          <a:blip r:embed="rId7" cstate="print">
+          <a:blip r:embed="rId6" cstate="print">
             <a:extLst>
               <a:ext uri="{28A0092B-C50C-407E-A947-70E740481C1C}">
                 <a14:useLocalDpi xmlns:a14="http://schemas.microsoft.com/office/drawing/2010/main" val="0"/>
@@ -13548,13 +16005,350 @@
         </p:blipFill>
         <p:spPr bwMode="auto">
           <a:xfrm>
-            <a:off x="3976993" y="3603297"/>
-            <a:ext cx="341313" cy="341313"/>
+            <a:off x="4712042" y="5554662"/>
+            <a:ext cx="1303338" cy="1303338"/>
           </a:xfrm>
           <a:prstGeom prst="rect">
             <a:avLst/>
           </a:prstGeom>
           <a:noFill/>
+          <a:extLst>
+            <a:ext uri="{909E8E84-426E-40DD-AFC4-6F175D3DCCD1}">
+              <a14:hiddenFill xmlns:a14="http://schemas.microsoft.com/office/drawing/2010/main">
+                <a:solidFill>
+                  <a:srgbClr val="FFFFFF"/>
+                </a:solidFill>
+              </a14:hiddenFill>
+            </a:ext>
+          </a:extLst>
+        </p:spPr>
+      </p:pic>
+      <p:sp>
+        <p:nvSpPr>
+          <p:cNvPr id="4" name="TextBox 3"/>
+          <p:cNvSpPr txBox="1"/>
+          <p:nvPr/>
+        </p:nvSpPr>
+        <p:spPr>
+          <a:xfrm>
+            <a:off x="8606334" y="914931"/>
+            <a:ext cx="3023200" cy="769441"/>
+          </a:xfrm>
+          <a:prstGeom prst="rect">
+            <a:avLst/>
+          </a:prstGeom>
+          <a:noFill/>
+        </p:spPr>
+        <p:txBody>
+          <a:bodyPr wrap="none" rtlCol="0">
+            <a:spAutoFit/>
+          </a:bodyPr>
+          <a:lstStyle/>
+          <a:p>
+            <a:r>
+              <a:rPr lang="en-AU" sz="4400" i="1" dirty="0" smtClean="0">
+                <a:solidFill>
+                  <a:schemeClr val="bg1">
+                    <a:lumMod val="95000"/>
+                  </a:schemeClr>
+                </a:solidFill>
+              </a:rPr>
+              <a:t>Rana </a:t>
+            </a:r>
+            <a:r>
+              <a:rPr lang="en-AU" sz="4400" i="1" dirty="0" err="1" smtClean="0">
+                <a:solidFill>
+                  <a:schemeClr val="bg1">
+                    <a:lumMod val="95000"/>
+                  </a:schemeClr>
+                </a:solidFill>
+              </a:rPr>
+              <a:t>iberica</a:t>
+            </a:r>
+            <a:endParaRPr lang="en-AU" sz="4400" i="1" dirty="0">
+              <a:solidFill>
+                <a:schemeClr val="bg1">
+                  <a:lumMod val="95000"/>
+                </a:schemeClr>
+              </a:solidFill>
+            </a:endParaRPr>
+          </a:p>
+        </p:txBody>
+      </p:sp>
+      <p:pic>
+        <p:nvPicPr>
+          <p:cNvPr id="2056" name="Picture 8" descr="Pelobates cultripes"/>
+          <p:cNvPicPr>
+            <a:picLocks noChangeAspect="1" noChangeArrowheads="1"/>
+          </p:cNvPicPr>
+          <p:nvPr/>
+        </p:nvPicPr>
+        <p:blipFill rotWithShape="1">
+          <a:blip r:embed="rId7">
+            <a:extLst>
+              <a:ext uri="{28A0092B-C50C-407E-A947-70E740481C1C}">
+                <a14:useLocalDpi xmlns:a14="http://schemas.microsoft.com/office/drawing/2010/main" val="0"/>
+              </a:ext>
+            </a:extLst>
+          </a:blip>
+          <a:srcRect l="19779" t="23373" b="7007"/>
+          <a:stretch/>
+        </p:blipFill>
+        <p:spPr bwMode="auto">
+          <a:xfrm>
+            <a:off x="8809782" y="5084331"/>
+            <a:ext cx="2460675" cy="1601622"/>
+          </a:xfrm>
+          <a:prstGeom prst="ellipse">
+            <a:avLst/>
+          </a:prstGeom>
+          <a:ln w="63500" cap="rnd">
+            <a:noFill/>
+          </a:ln>
+          <a:effectLst>
+            <a:outerShdw blurRad="381000" dist="292100" dir="5400000" sx="-80000" sy="-18000" rotWithShape="0">
+              <a:srgbClr val="000000">
+                <a:alpha val="22000"/>
+              </a:srgbClr>
+            </a:outerShdw>
+          </a:effectLst>
+          <a:scene3d>
+            <a:camera prst="orthographicFront"/>
+            <a:lightRig rig="contrasting" dir="t">
+              <a:rot lat="0" lon="0" rev="3000000"/>
+            </a:lightRig>
+          </a:scene3d>
+          <a:sp3d contourW="7620">
+            <a:bevelT w="95250" h="31750"/>
+            <a:contourClr>
+              <a:srgbClr val="333333"/>
+            </a:contourClr>
+          </a:sp3d>
+          <a:extLst>
+            <a:ext uri="{909E8E84-426E-40DD-AFC4-6F175D3DCCD1}">
+              <a14:hiddenFill xmlns:a14="http://schemas.microsoft.com/office/drawing/2010/main">
+                <a:solidFill>
+                  <a:srgbClr val="FFFFFF"/>
+                </a:solidFill>
+              </a14:hiddenFill>
+            </a:ext>
+          </a:extLst>
+        </p:spPr>
+      </p:pic>
+      <p:pic>
+        <p:nvPicPr>
+          <p:cNvPr id="8" name="Picture 4" descr="Image result for iucn icons"/>
+          <p:cNvPicPr>
+            <a:picLocks noChangeAspect="1" noChangeArrowheads="1"/>
+          </p:cNvPicPr>
+          <p:nvPr/>
+        </p:nvPicPr>
+        <p:blipFill>
+          <a:blip r:embed="rId6" cstate="print">
+            <a:extLst>
+              <a:ext uri="{28A0092B-C50C-407E-A947-70E740481C1C}">
+                <a14:useLocalDpi xmlns:a14="http://schemas.microsoft.com/office/drawing/2010/main" val="0"/>
+              </a:ext>
+            </a:extLst>
+          </a:blip>
+          <a:srcRect/>
+          <a:stretch>
+            <a:fillRect/>
+          </a:stretch>
+        </p:blipFill>
+        <p:spPr bwMode="auto">
+          <a:xfrm>
+            <a:off x="10605827" y="4804177"/>
+            <a:ext cx="1080965" cy="1080965"/>
+          </a:xfrm>
+          <a:prstGeom prst="rect">
+            <a:avLst/>
+          </a:prstGeom>
+          <a:noFill/>
+          <a:extLst>
+            <a:ext uri="{909E8E84-426E-40DD-AFC4-6F175D3DCCD1}">
+              <a14:hiddenFill xmlns:a14="http://schemas.microsoft.com/office/drawing/2010/main">
+                <a:solidFill>
+                  <a:srgbClr val="FFFFFF"/>
+                </a:solidFill>
+              </a14:hiddenFill>
+            </a:ext>
+          </a:extLst>
+        </p:spPr>
+      </p:pic>
+      <p:sp>
+        <p:nvSpPr>
+          <p:cNvPr id="10" name="TextBox 9"/>
+          <p:cNvSpPr txBox="1"/>
+          <p:nvPr/>
+        </p:nvSpPr>
+        <p:spPr>
+          <a:xfrm>
+            <a:off x="3943881" y="949918"/>
+            <a:ext cx="4480970" cy="769441"/>
+          </a:xfrm>
+          <a:prstGeom prst="rect">
+            <a:avLst/>
+          </a:prstGeom>
+          <a:noFill/>
+        </p:spPr>
+        <p:txBody>
+          <a:bodyPr wrap="none" rtlCol="0">
+            <a:spAutoFit/>
+          </a:bodyPr>
+          <a:lstStyle/>
+          <a:p>
+            <a:r>
+              <a:rPr lang="en-AU" sz="4400" i="1" dirty="0" err="1" smtClean="0">
+                <a:solidFill>
+                  <a:schemeClr val="bg1">
+                    <a:lumMod val="95000"/>
+                  </a:schemeClr>
+                </a:solidFill>
+              </a:rPr>
+              <a:t>Pelobates</a:t>
+            </a:r>
+            <a:r>
+              <a:rPr lang="en-AU" sz="4400" i="1" dirty="0" smtClean="0">
+                <a:solidFill>
+                  <a:schemeClr val="bg1">
+                    <a:lumMod val="95000"/>
+                  </a:schemeClr>
+                </a:solidFill>
+              </a:rPr>
+              <a:t> </a:t>
+            </a:r>
+            <a:r>
+              <a:rPr lang="en-AU" sz="4400" i="1" dirty="0" err="1" smtClean="0">
+                <a:solidFill>
+                  <a:schemeClr val="bg1">
+                    <a:lumMod val="95000"/>
+                  </a:schemeClr>
+                </a:solidFill>
+              </a:rPr>
+              <a:t>cultripes</a:t>
+            </a:r>
+            <a:endParaRPr lang="en-AU" sz="4400" i="1" dirty="0">
+              <a:solidFill>
+                <a:schemeClr val="bg1">
+                  <a:lumMod val="95000"/>
+                </a:schemeClr>
+              </a:solidFill>
+            </a:endParaRPr>
+          </a:p>
+        </p:txBody>
+      </p:sp>
+      <p:sp>
+        <p:nvSpPr>
+          <p:cNvPr id="7" name="TextBox 6"/>
+          <p:cNvSpPr txBox="1"/>
+          <p:nvPr/>
+        </p:nvSpPr>
+        <p:spPr>
+          <a:xfrm>
+            <a:off x="838200" y="949917"/>
+            <a:ext cx="2924198" cy="769441"/>
+          </a:xfrm>
+          <a:prstGeom prst="rect">
+            <a:avLst/>
+          </a:prstGeom>
+          <a:noFill/>
+        </p:spPr>
+        <p:txBody>
+          <a:bodyPr wrap="none" rtlCol="0">
+            <a:spAutoFit/>
+          </a:bodyPr>
+          <a:lstStyle/>
+          <a:p>
+            <a:r>
+              <a:rPr lang="en-AU" sz="4400" i="1" dirty="0" err="1" smtClean="0">
+                <a:solidFill>
+                  <a:schemeClr val="bg1">
+                    <a:lumMod val="95000"/>
+                  </a:schemeClr>
+                </a:solidFill>
+              </a:rPr>
+              <a:t>Hyla</a:t>
+            </a:r>
+            <a:r>
+              <a:rPr lang="en-AU" sz="4400" i="1" dirty="0" smtClean="0">
+                <a:solidFill>
+                  <a:schemeClr val="bg1">
+                    <a:lumMod val="95000"/>
+                  </a:schemeClr>
+                </a:solidFill>
+              </a:rPr>
+              <a:t> </a:t>
+            </a:r>
+            <a:r>
+              <a:rPr lang="en-AU" sz="4400" i="1" dirty="0" err="1" smtClean="0">
+                <a:solidFill>
+                  <a:schemeClr val="bg1">
+                    <a:lumMod val="95000"/>
+                  </a:schemeClr>
+                </a:solidFill>
+              </a:rPr>
+              <a:t>molleri</a:t>
+            </a:r>
+            <a:endParaRPr lang="en-AU" sz="4400" i="1" dirty="0">
+              <a:solidFill>
+                <a:schemeClr val="bg1">
+                  <a:lumMod val="95000"/>
+                </a:schemeClr>
+              </a:solidFill>
+            </a:endParaRPr>
+          </a:p>
+        </p:txBody>
+      </p:sp>
+      <p:pic>
+        <p:nvPicPr>
+          <p:cNvPr id="2058" name="Picture 10" descr="Hyla arborea var. molleri (Hello folks).jpg"/>
+          <p:cNvPicPr>
+            <a:picLocks noChangeAspect="1" noChangeArrowheads="1"/>
+          </p:cNvPicPr>
+          <p:nvPr/>
+        </p:nvPicPr>
+        <p:blipFill rotWithShape="1">
+          <a:blip r:embed="rId8" cstate="print">
+            <a:extLst>
+              <a:ext uri="{28A0092B-C50C-407E-A947-70E740481C1C}">
+                <a14:useLocalDpi xmlns:a14="http://schemas.microsoft.com/office/drawing/2010/main" val="0"/>
+              </a:ext>
+            </a:extLst>
+          </a:blip>
+          <a:srcRect l="19708" t="10151" b="7951"/>
+          <a:stretch/>
+        </p:blipFill>
+        <p:spPr bwMode="auto">
+          <a:xfrm>
+            <a:off x="341157" y="4566737"/>
+            <a:ext cx="1396445" cy="2026185"/>
+          </a:xfrm>
+          <a:prstGeom prst="ellipse">
+            <a:avLst/>
+          </a:prstGeom>
+          <a:ln w="63500" cap="rnd">
+            <a:noFill/>
+          </a:ln>
+          <a:effectLst>
+            <a:outerShdw blurRad="381000" dist="292100" dir="5400000" sx="-80000" sy="-18000" rotWithShape="0">
+              <a:srgbClr val="000000">
+                <a:alpha val="22000"/>
+              </a:srgbClr>
+            </a:outerShdw>
+          </a:effectLst>
+          <a:scene3d>
+            <a:camera prst="orthographicFront"/>
+            <a:lightRig rig="contrasting" dir="t">
+              <a:rot lat="0" lon="0" rev="3000000"/>
+            </a:lightRig>
+          </a:scene3d>
+          <a:sp3d contourW="7620">
+            <a:bevelT w="95250" h="31750"/>
+            <a:contourClr>
+              <a:srgbClr val="333333"/>
+            </a:contourClr>
+          </a:sp3d>
           <a:extLst>
             <a:ext uri="{909E8E84-426E-40DD-AFC4-6F175D3DCCD1}">
               <a14:hiddenFill xmlns:a14="http://schemas.microsoft.com/office/drawing/2010/main">
@@ -13615,7 +16409,7 @@
         </p:nvSpPr>
         <p:spPr>
           <a:xfrm>
-            <a:off x="209550" y="365125"/>
+            <a:off x="209550" y="34925"/>
             <a:ext cx="11544300" cy="1325563"/>
           </a:xfrm>
         </p:spPr>
@@ -13627,103 +16421,444 @@
           <a:p>
             <a:pPr algn="ctr"/>
             <a:r>
-              <a:rPr lang="en-AU" sz="4800" dirty="0" smtClean="0"/>
-              <a:t>Mapping spatial components of</a:t>
-            </a:r>
-            <a:r>
-              <a:rPr lang="en-AU" sz="4800" dirty="0"/>
+              <a:rPr lang="en-AU" dirty="0" smtClean="0">
+                <a:latin typeface="+mn-lt"/>
+              </a:rPr>
+              <a:t>Mapping components of evolution: </a:t>
+            </a:r>
+            <a:br>
+              <a:rPr lang="en-AU" dirty="0" smtClean="0">
+                <a:latin typeface="+mn-lt"/>
+              </a:rPr>
+            </a:br>
+            <a:r>
+              <a:rPr lang="en-AU" dirty="0" smtClean="0">
+                <a:latin typeface="+mn-lt"/>
+              </a:rPr>
+              <a:t>g</a:t>
+            </a:r>
+            <a:r>
+              <a:rPr lang="en-AU" dirty="0" smtClean="0">
+                <a:latin typeface="+mn-lt"/>
+              </a:rPr>
+              <a:t>enetic lineages</a:t>
+            </a:r>
+            <a:endParaRPr lang="en-AU" dirty="0">
+              <a:latin typeface="+mn-lt"/>
+            </a:endParaRPr>
+          </a:p>
+        </p:txBody>
+      </p:sp>
+      <p:grpSp>
+        <p:nvGrpSpPr>
+          <p:cNvPr id="25" name="Group 24"/>
+          <p:cNvGrpSpPr/>
+          <p:nvPr/>
+        </p:nvGrpSpPr>
+        <p:grpSpPr>
+          <a:xfrm>
+            <a:off x="8637519" y="2239982"/>
+            <a:ext cx="3281431" cy="3339451"/>
+            <a:chOff x="8472419" y="2239982"/>
+            <a:chExt cx="3281431" cy="3339451"/>
+          </a:xfrm>
+        </p:grpSpPr>
+        <p:pic>
+          <p:nvPicPr>
+            <p:cNvPr id="22" name="Picture 21"/>
+            <p:cNvPicPr>
+              <a:picLocks noChangeAspect="1"/>
+            </p:cNvPicPr>
+            <p:nvPr/>
+          </p:nvPicPr>
+          <p:blipFill>
+            <a:blip r:embed="rId2" cstate="print">
+              <a:extLst>
+                <a:ext uri="{28A0092B-C50C-407E-A947-70E740481C1C}">
+                  <a14:useLocalDpi xmlns:a14="http://schemas.microsoft.com/office/drawing/2010/main" val="0"/>
+                </a:ext>
+              </a:extLst>
+            </a:blip>
+            <a:stretch>
+              <a:fillRect/>
+            </a:stretch>
+          </p:blipFill>
+          <p:spPr>
+            <a:xfrm>
+              <a:off x="8472419" y="2956620"/>
+              <a:ext cx="3281431" cy="2622813"/>
+            </a:xfrm>
+            <a:prstGeom prst="rect">
+              <a:avLst/>
+            </a:prstGeom>
+          </p:spPr>
+        </p:pic>
+        <p:sp>
+          <p:nvSpPr>
+            <p:cNvPr id="20" name="TextBox 19"/>
+            <p:cNvSpPr txBox="1"/>
+            <p:nvPr/>
+          </p:nvSpPr>
+          <p:spPr>
+            <a:xfrm>
+              <a:off x="9243973" y="2239982"/>
+              <a:ext cx="1544012" cy="646331"/>
+            </a:xfrm>
+            <a:prstGeom prst="rect">
+              <a:avLst/>
+            </a:prstGeom>
+            <a:noFill/>
+          </p:spPr>
+          <p:txBody>
+            <a:bodyPr wrap="none" rtlCol="0">
+              <a:spAutoFit/>
+            </a:bodyPr>
+            <a:lstStyle/>
+            <a:p>
+              <a:r>
+                <a:rPr lang="en-AU" sz="3600" dirty="0" smtClean="0">
+                  <a:solidFill>
+                    <a:schemeClr val="bg1"/>
+                  </a:solidFill>
+                </a:rPr>
+                <a:t>PHYLIN</a:t>
+              </a:r>
+              <a:endParaRPr lang="en-AU" sz="3600" dirty="0">
+                <a:solidFill>
+                  <a:schemeClr val="bg1"/>
+                </a:solidFill>
+              </a:endParaRPr>
+            </a:p>
+          </p:txBody>
+        </p:sp>
+      </p:grpSp>
+      <p:grpSp>
+        <p:nvGrpSpPr>
+          <p:cNvPr id="24" name="Group 23"/>
+          <p:cNvGrpSpPr/>
+          <p:nvPr/>
+        </p:nvGrpSpPr>
+        <p:grpSpPr>
+          <a:xfrm>
+            <a:off x="4369118" y="1639818"/>
+            <a:ext cx="3560059" cy="4093031"/>
+            <a:chOff x="3860798" y="1639818"/>
+            <a:chExt cx="3560059" cy="4093031"/>
+          </a:xfrm>
+        </p:grpSpPr>
+        <p:sp>
+          <p:nvSpPr>
+            <p:cNvPr id="18" name="TextBox 17"/>
+            <p:cNvSpPr txBox="1"/>
+            <p:nvPr/>
+          </p:nvSpPr>
+          <p:spPr>
+            <a:xfrm>
+              <a:off x="4174369" y="1639818"/>
+              <a:ext cx="2932919" cy="1200329"/>
+            </a:xfrm>
+            <a:prstGeom prst="rect">
+              <a:avLst/>
+            </a:prstGeom>
+            <a:noFill/>
+          </p:spPr>
+          <p:txBody>
+            <a:bodyPr wrap="none" rtlCol="0">
+              <a:spAutoFit/>
+            </a:bodyPr>
+            <a:lstStyle/>
+            <a:p>
+              <a:pPr algn="ctr"/>
+              <a:r>
+                <a:rPr lang="en-AU" sz="3600" dirty="0" smtClean="0">
+                  <a:solidFill>
+                    <a:schemeClr val="bg1"/>
+                  </a:solidFill>
+                </a:rPr>
+                <a:t>STRUCTURE &amp; </a:t>
+              </a:r>
+            </a:p>
+            <a:p>
+              <a:pPr algn="ctr"/>
+              <a:r>
+                <a:rPr lang="en-AU" sz="3600" dirty="0" smtClean="0">
+                  <a:solidFill>
+                    <a:schemeClr val="bg1"/>
+                  </a:solidFill>
+                </a:rPr>
+                <a:t>CLUMPP</a:t>
+              </a:r>
+              <a:endParaRPr lang="en-AU" sz="3600" dirty="0">
+                <a:solidFill>
+                  <a:schemeClr val="bg1"/>
+                </a:solidFill>
+              </a:endParaRPr>
+            </a:p>
+          </p:txBody>
+        </p:sp>
+        <p:pic>
+          <p:nvPicPr>
+            <p:cNvPr id="21" name="Picture 20"/>
+            <p:cNvPicPr>
+              <a:picLocks noChangeAspect="1"/>
+            </p:cNvPicPr>
+            <p:nvPr/>
+          </p:nvPicPr>
+          <p:blipFill>
+            <a:blip r:embed="rId3" cstate="print">
+              <a:extLst>
+                <a:ext uri="{28A0092B-C50C-407E-A947-70E740481C1C}">
+                  <a14:useLocalDpi xmlns:a14="http://schemas.microsoft.com/office/drawing/2010/main" val="0"/>
+                </a:ext>
+              </a:extLst>
+            </a:blip>
+            <a:stretch>
+              <a:fillRect/>
+            </a:stretch>
+          </p:blipFill>
+          <p:spPr>
+            <a:xfrm>
+              <a:off x="3860798" y="2887331"/>
+              <a:ext cx="3560059" cy="2845518"/>
+            </a:xfrm>
+            <a:prstGeom prst="rect">
+              <a:avLst/>
+            </a:prstGeom>
+          </p:spPr>
+        </p:pic>
+      </p:grpSp>
+      <p:sp>
+        <p:nvSpPr>
+          <p:cNvPr id="17" name="TextBox 16"/>
+          <p:cNvSpPr txBox="1"/>
+          <p:nvPr/>
+        </p:nvSpPr>
+        <p:spPr>
+          <a:xfrm>
+            <a:off x="564961" y="2515383"/>
+            <a:ext cx="2562305" cy="646331"/>
+          </a:xfrm>
+          <a:prstGeom prst="rect">
+            <a:avLst/>
+          </a:prstGeom>
+          <a:noFill/>
+        </p:spPr>
+        <p:txBody>
+          <a:bodyPr wrap="none" rtlCol="0">
+            <a:spAutoFit/>
+          </a:bodyPr>
+          <a:lstStyle/>
+          <a:p>
+            <a:r>
+              <a:rPr lang="en-AU" sz="3600" dirty="0" smtClean="0">
+                <a:solidFill>
+                  <a:schemeClr val="bg1"/>
+                </a:solidFill>
+              </a:rPr>
+              <a:t>Genetic data</a:t>
+            </a:r>
+            <a:endParaRPr lang="en-AU" sz="3600" dirty="0">
+              <a:solidFill>
+                <a:schemeClr val="bg1"/>
+              </a:solidFill>
+            </a:endParaRPr>
+          </a:p>
+        </p:txBody>
+      </p:sp>
+      <p:sp>
+        <p:nvSpPr>
+          <p:cNvPr id="28" name="Right Arrow 27"/>
+          <p:cNvSpPr/>
+          <p:nvPr/>
+        </p:nvSpPr>
+        <p:spPr>
+          <a:xfrm>
+            <a:off x="3860800" y="3619500"/>
+            <a:ext cx="393700" cy="990600"/>
+          </a:xfrm>
+          <a:prstGeom prst="rightArrow">
+            <a:avLst/>
+          </a:prstGeom>
+          <a:solidFill>
+            <a:schemeClr val="bg1"/>
+          </a:solidFill>
+          <a:ln>
+            <a:solidFill>
+              <a:schemeClr val="bg1"/>
+            </a:solidFill>
+          </a:ln>
+        </p:spPr>
+        <p:style>
+          <a:lnRef idx="2">
+            <a:schemeClr val="accent1">
+              <a:shade val="50000"/>
+            </a:schemeClr>
+          </a:lnRef>
+          <a:fillRef idx="1">
+            <a:schemeClr val="accent1"/>
+          </a:fillRef>
+          <a:effectRef idx="0">
+            <a:schemeClr val="accent1"/>
+          </a:effectRef>
+          <a:fontRef idx="minor">
+            <a:schemeClr val="lt1"/>
+          </a:fontRef>
+        </p:style>
+        <p:txBody>
+          <a:bodyPr rtlCol="0" anchor="ctr"/>
+          <a:lstStyle/>
+          <a:p>
+            <a:pPr algn="ctr"/>
+            <a:endParaRPr lang="en-AU"/>
+          </a:p>
+        </p:txBody>
+      </p:sp>
+      <p:sp>
+        <p:nvSpPr>
+          <p:cNvPr id="30" name="Right Arrow 29"/>
+          <p:cNvSpPr/>
+          <p:nvPr/>
+        </p:nvSpPr>
+        <p:spPr>
+          <a:xfrm>
+            <a:off x="8078575" y="3619500"/>
+            <a:ext cx="393700" cy="990600"/>
+          </a:xfrm>
+          <a:prstGeom prst="rightArrow">
+            <a:avLst/>
+          </a:prstGeom>
+          <a:solidFill>
+            <a:schemeClr val="bg1"/>
+          </a:solidFill>
+          <a:ln>
+            <a:solidFill>
+              <a:schemeClr val="bg1"/>
+            </a:solidFill>
+          </a:ln>
+        </p:spPr>
+        <p:style>
+          <a:lnRef idx="2">
+            <a:schemeClr val="accent1">
+              <a:shade val="50000"/>
+            </a:schemeClr>
+          </a:lnRef>
+          <a:fillRef idx="1">
+            <a:schemeClr val="accent1"/>
+          </a:fillRef>
+          <a:effectRef idx="0">
+            <a:schemeClr val="accent1"/>
+          </a:effectRef>
+          <a:fontRef idx="minor">
+            <a:schemeClr val="lt1"/>
+          </a:fontRef>
+        </p:style>
+        <p:txBody>
+          <a:bodyPr rtlCol="0" anchor="ctr"/>
+          <a:lstStyle/>
+          <a:p>
+            <a:pPr algn="ctr"/>
+            <a:endParaRPr lang="en-AU"/>
+          </a:p>
+        </p:txBody>
+      </p:sp>
+      <p:pic>
+        <p:nvPicPr>
+          <p:cNvPr id="31" name="Picture 2" descr="Image result for genetic data"/>
+          <p:cNvPicPr>
+            <a:picLocks noChangeAspect="1" noChangeArrowheads="1"/>
+          </p:cNvPicPr>
+          <p:nvPr/>
+        </p:nvPicPr>
+        <p:blipFill rotWithShape="1">
+          <a:blip r:embed="rId4">
+            <a:extLst>
+              <a:ext uri="{28A0092B-C50C-407E-A947-70E740481C1C}">
+                <a14:useLocalDpi xmlns:a14="http://schemas.microsoft.com/office/drawing/2010/main" val="0"/>
+              </a:ext>
+            </a:extLst>
+          </a:blip>
+          <a:srcRect l="8923" r="13984"/>
+          <a:stretch/>
+        </p:blipFill>
+        <p:spPr bwMode="auto">
+          <a:xfrm>
+            <a:off x="532079" y="3198322"/>
+            <a:ext cx="3128697" cy="2236573"/>
+          </a:xfrm>
+          <a:prstGeom prst="rect">
+            <a:avLst/>
+          </a:prstGeom>
+          <a:noFill/>
+          <a:extLst>
+            <a:ext uri="{909E8E84-426E-40DD-AFC4-6F175D3DCCD1}">
+              <a14:hiddenFill xmlns:a14="http://schemas.microsoft.com/office/drawing/2010/main">
+                <a:solidFill>
+                  <a:srgbClr val="FFFFFF"/>
+                </a:solidFill>
+              </a14:hiddenFill>
+            </a:ext>
+          </a:extLst>
+        </p:spPr>
+      </p:pic>
+      <p:sp>
+        <p:nvSpPr>
+          <p:cNvPr id="29" name="TextBox 28"/>
+          <p:cNvSpPr txBox="1"/>
+          <p:nvPr/>
+        </p:nvSpPr>
+        <p:spPr>
+          <a:xfrm>
+            <a:off x="3660776" y="5943600"/>
+            <a:ext cx="5385833" cy="646331"/>
+          </a:xfrm>
+          <a:prstGeom prst="rect">
+            <a:avLst/>
+          </a:prstGeom>
+          <a:noFill/>
+        </p:spPr>
+        <p:txBody>
+          <a:bodyPr wrap="none" rtlCol="0">
+            <a:spAutoFit/>
+          </a:bodyPr>
+          <a:lstStyle/>
+          <a:p>
+            <a:r>
+              <a:rPr lang="en-AU" sz="3600" dirty="0" smtClean="0">
+                <a:solidFill>
+                  <a:schemeClr val="bg1"/>
+                </a:solidFill>
+              </a:rPr>
+              <a:t>Data shown for </a:t>
+            </a:r>
+            <a:r>
+              <a:rPr lang="en-AU" sz="3600" i="1" dirty="0" err="1" smtClean="0">
+                <a:solidFill>
+                  <a:schemeClr val="bg1"/>
+                </a:solidFill>
+              </a:rPr>
+              <a:t>Hyla</a:t>
+            </a:r>
+            <a:r>
+              <a:rPr lang="en-AU" sz="3600" i="1" dirty="0" smtClean="0">
+                <a:solidFill>
+                  <a:schemeClr val="bg1"/>
+                </a:solidFill>
+              </a:rPr>
               <a:t> </a:t>
             </a:r>
             <a:r>
-              <a:rPr lang="en-AU" sz="4800" dirty="0" smtClean="0"/>
-              <a:t/>
-            </a:r>
-            <a:br>
-              <a:rPr lang="en-AU" sz="4800" dirty="0" smtClean="0"/>
-            </a:br>
-            <a:r>
-              <a:rPr lang="en-AU" sz="4800" dirty="0" smtClean="0"/>
-              <a:t>evolutionary processes for these species</a:t>
-            </a:r>
-            <a:endParaRPr lang="en-AU" sz="4800" dirty="0"/>
-          </a:p>
-        </p:txBody>
-      </p:sp>
-      <p:sp>
-        <p:nvSpPr>
-          <p:cNvPr id="3" name="Content Placeholder 2"/>
-          <p:cNvSpPr>
-            <a:spLocks noGrp="1"/>
-          </p:cNvSpPr>
-          <p:nvPr>
-            <p:ph idx="1"/>
-          </p:nvPr>
-        </p:nvSpPr>
-        <p:spPr/>
-        <p:txBody>
-          <a:bodyPr>
-            <a:normAutofit fontScale="92500" lnSpcReduction="10000"/>
-          </a:bodyPr>
-          <a:lstStyle/>
-          <a:p>
-            <a:r>
-              <a:rPr lang="en-AU" dirty="0" smtClean="0"/>
-              <a:t>Atlas data</a:t>
-            </a:r>
-          </a:p>
-          <a:p>
-            <a:r>
-              <a:rPr lang="en-AU" dirty="0" smtClean="0"/>
-              <a:t>Genetic data</a:t>
-            </a:r>
-          </a:p>
-          <a:p>
-            <a:r>
-              <a:rPr lang="en-AU" dirty="0" smtClean="0"/>
-              <a:t>Structure</a:t>
-            </a:r>
-          </a:p>
-          <a:p>
-            <a:r>
-              <a:rPr lang="en-AU" dirty="0" err="1" smtClean="0"/>
-              <a:t>Bayescan</a:t>
-            </a:r>
-            <a:endParaRPr lang="en-AU" dirty="0" smtClean="0"/>
-          </a:p>
-          <a:p>
-            <a:r>
-              <a:rPr lang="en-AU" dirty="0" err="1" smtClean="0"/>
-              <a:t>Selestim</a:t>
-            </a:r>
-            <a:endParaRPr lang="en-AU" dirty="0" smtClean="0"/>
-          </a:p>
-          <a:p>
-            <a:r>
-              <a:rPr lang="en-AU" dirty="0" err="1" smtClean="0"/>
-              <a:t>Pcadapt</a:t>
-            </a:r>
-            <a:endParaRPr lang="en-AU" dirty="0" smtClean="0"/>
-          </a:p>
-          <a:p>
-            <a:r>
-              <a:rPr lang="en-AU" dirty="0" err="1" smtClean="0"/>
-              <a:t>Phylin</a:t>
-            </a:r>
-            <a:endParaRPr lang="en-AU" dirty="0" smtClean="0"/>
-          </a:p>
-          <a:p>
-            <a:r>
-              <a:rPr lang="en-AU" dirty="0" smtClean="0"/>
-              <a:t>Maps showing spatial distribution of different lineages, which we can then use as inputs for individual heterozygosity, neutral genetic types, adaptive genetic types, and climate </a:t>
-            </a:r>
-            <a:r>
-              <a:rPr lang="en-AU" dirty="0" err="1" smtClean="0"/>
-              <a:t>refugia</a:t>
-            </a:r>
-            <a:r>
-              <a:rPr lang="en-AU" dirty="0" smtClean="0"/>
-              <a:t> </a:t>
-            </a:r>
+              <a:rPr lang="en-AU" sz="3600" i="1" dirty="0" err="1" smtClean="0">
+                <a:solidFill>
+                  <a:schemeClr val="bg1"/>
+                </a:solidFill>
+              </a:rPr>
+              <a:t>molleri</a:t>
+            </a:r>
+            <a:endParaRPr lang="en-AU" sz="3600" i="1" dirty="0">
+              <a:solidFill>
+                <a:schemeClr val="bg1"/>
+              </a:solidFill>
+            </a:endParaRPr>
           </a:p>
         </p:txBody>
       </p:sp>
@@ -13774,14 +16909,331 @@
             <p:ph type="title"/>
           </p:nvPr>
         </p:nvSpPr>
-        <p:spPr/>
-        <p:txBody>
-          <a:bodyPr/>
+        <p:spPr>
+          <a:xfrm>
+            <a:off x="209550" y="34925"/>
+            <a:ext cx="11544300" cy="1325563"/>
+          </a:xfrm>
+        </p:spPr>
+        <p:txBody>
+          <a:bodyPr>
+            <a:noAutofit/>
+          </a:bodyPr>
+          <a:lstStyle/>
+          <a:p>
+            <a:pPr algn="ctr"/>
+            <a:r>
+              <a:rPr lang="en-AU" dirty="0" smtClean="0">
+                <a:latin typeface="+mn-lt"/>
+              </a:rPr>
+              <a:t>Mapping components of evolution: </a:t>
+            </a:r>
+            <a:br>
+              <a:rPr lang="en-AU" dirty="0" smtClean="0">
+                <a:latin typeface="+mn-lt"/>
+              </a:rPr>
+            </a:br>
+            <a:r>
+              <a:rPr lang="en-AU" dirty="0" smtClean="0">
+                <a:latin typeface="+mn-lt"/>
+              </a:rPr>
+              <a:t>identifying natural selection</a:t>
+            </a:r>
+            <a:endParaRPr lang="en-AU" dirty="0">
+              <a:latin typeface="+mn-lt"/>
+            </a:endParaRPr>
+          </a:p>
+        </p:txBody>
+      </p:sp>
+      <p:sp>
+        <p:nvSpPr>
+          <p:cNvPr id="17" name="TextBox 16"/>
+          <p:cNvSpPr txBox="1"/>
+          <p:nvPr/>
+        </p:nvSpPr>
+        <p:spPr>
+          <a:xfrm>
+            <a:off x="530682" y="2515385"/>
+            <a:ext cx="2315167" cy="583992"/>
+          </a:xfrm>
+          <a:prstGeom prst="rect">
+            <a:avLst/>
+          </a:prstGeom>
+          <a:noFill/>
+        </p:spPr>
+        <p:txBody>
+          <a:bodyPr wrap="none" rtlCol="0">
+            <a:spAutoFit/>
+          </a:bodyPr>
+          <a:lstStyle/>
+          <a:p>
+            <a:r>
+              <a:rPr lang="en-AU" sz="3600" dirty="0" smtClean="0">
+                <a:solidFill>
+                  <a:schemeClr val="bg1"/>
+                </a:solidFill>
+              </a:rPr>
+              <a:t>Genetic data</a:t>
+            </a:r>
+            <a:endParaRPr lang="en-AU" sz="3600" dirty="0">
+              <a:solidFill>
+                <a:schemeClr val="bg1"/>
+              </a:solidFill>
+            </a:endParaRPr>
+          </a:p>
+        </p:txBody>
+      </p:sp>
+      <p:sp>
+        <p:nvSpPr>
+          <p:cNvPr id="14" name="TextBox 13"/>
+          <p:cNvSpPr txBox="1"/>
+          <p:nvPr/>
+        </p:nvSpPr>
+        <p:spPr>
+          <a:xfrm>
+            <a:off x="4417287" y="2007551"/>
+            <a:ext cx="2783711" cy="830997"/>
+          </a:xfrm>
+          <a:prstGeom prst="rect">
+            <a:avLst/>
+          </a:prstGeom>
+          <a:noFill/>
+        </p:spPr>
+        <p:txBody>
+          <a:bodyPr wrap="none" rtlCol="0">
+            <a:spAutoFit/>
+          </a:bodyPr>
+          <a:lstStyle/>
+          <a:p>
+            <a:r>
+              <a:rPr lang="en-AU" sz="4800" dirty="0" smtClean="0">
+                <a:solidFill>
+                  <a:schemeClr val="bg1"/>
+                </a:solidFill>
+              </a:rPr>
+              <a:t>BAYESCAN</a:t>
+            </a:r>
+            <a:endParaRPr lang="en-AU" sz="4800" dirty="0">
+              <a:solidFill>
+                <a:schemeClr val="bg1"/>
+              </a:solidFill>
+            </a:endParaRPr>
+          </a:p>
+        </p:txBody>
+      </p:sp>
+      <p:sp>
+        <p:nvSpPr>
+          <p:cNvPr id="15" name="TextBox 14"/>
+          <p:cNvSpPr txBox="1"/>
+          <p:nvPr/>
+        </p:nvSpPr>
+        <p:spPr>
+          <a:xfrm>
+            <a:off x="4417287" y="3716262"/>
+            <a:ext cx="2526141" cy="830997"/>
+          </a:xfrm>
+          <a:prstGeom prst="rect">
+            <a:avLst/>
+          </a:prstGeom>
+          <a:noFill/>
+        </p:spPr>
+        <p:txBody>
+          <a:bodyPr wrap="none" rtlCol="0">
+            <a:spAutoFit/>
+          </a:bodyPr>
+          <a:lstStyle/>
+          <a:p>
+            <a:r>
+              <a:rPr lang="en-AU" sz="4800" dirty="0" smtClean="0">
+                <a:solidFill>
+                  <a:schemeClr val="bg1"/>
+                </a:solidFill>
+              </a:rPr>
+              <a:t>PCADAPT</a:t>
+            </a:r>
+            <a:endParaRPr lang="en-AU" sz="4800" dirty="0">
+              <a:solidFill>
+                <a:schemeClr val="bg1"/>
+              </a:solidFill>
+            </a:endParaRPr>
+          </a:p>
+        </p:txBody>
+      </p:sp>
+      <p:sp>
+        <p:nvSpPr>
+          <p:cNvPr id="16" name="TextBox 15"/>
+          <p:cNvSpPr txBox="1"/>
+          <p:nvPr/>
+        </p:nvSpPr>
+        <p:spPr>
+          <a:xfrm>
+            <a:off x="4362913" y="5221318"/>
+            <a:ext cx="2580515" cy="830997"/>
+          </a:xfrm>
+          <a:prstGeom prst="rect">
+            <a:avLst/>
+          </a:prstGeom>
+          <a:noFill/>
+        </p:spPr>
+        <p:txBody>
+          <a:bodyPr wrap="none" rtlCol="0">
+            <a:spAutoFit/>
+          </a:bodyPr>
+          <a:lstStyle/>
+          <a:p>
+            <a:r>
+              <a:rPr lang="en-AU" sz="4800" dirty="0" smtClean="0">
+                <a:solidFill>
+                  <a:schemeClr val="bg1"/>
+                </a:solidFill>
+              </a:rPr>
+              <a:t>SELESTIM</a:t>
+            </a:r>
+            <a:endParaRPr lang="en-AU" sz="4800" dirty="0">
+              <a:solidFill>
+                <a:schemeClr val="bg1"/>
+              </a:solidFill>
+            </a:endParaRPr>
+          </a:p>
+        </p:txBody>
+      </p:sp>
+      <p:cxnSp>
+        <p:nvCxnSpPr>
+          <p:cNvPr id="4" name="Straight Arrow Connector 3"/>
+          <p:cNvCxnSpPr/>
+          <p:nvPr/>
+        </p:nvCxnSpPr>
+        <p:spPr>
+          <a:xfrm flipV="1">
+            <a:off x="3449496" y="2434561"/>
+            <a:ext cx="993543" cy="819486"/>
+          </a:xfrm>
+          <a:prstGeom prst="straightConnector1">
+            <a:avLst/>
+          </a:prstGeom>
+          <a:ln w="127000">
+            <a:solidFill>
+              <a:schemeClr val="bg1"/>
+            </a:solidFill>
+            <a:tailEnd type="triangle"/>
+          </a:ln>
+        </p:spPr>
+        <p:style>
+          <a:lnRef idx="1">
+            <a:schemeClr val="accent1"/>
+          </a:lnRef>
+          <a:fillRef idx="0">
+            <a:schemeClr val="accent1"/>
+          </a:fillRef>
+          <a:effectRef idx="0">
+            <a:schemeClr val="accent1"/>
+          </a:effectRef>
+          <a:fontRef idx="minor">
+            <a:schemeClr val="tx1"/>
+          </a:fontRef>
+        </p:style>
+      </p:cxnSp>
+      <p:cxnSp>
+        <p:nvCxnSpPr>
+          <p:cNvPr id="19" name="Straight Arrow Connector 18"/>
+          <p:cNvCxnSpPr>
+            <a:endCxn id="15" idx="1"/>
+          </p:cNvCxnSpPr>
+          <p:nvPr/>
+        </p:nvCxnSpPr>
+        <p:spPr>
+          <a:xfrm>
+            <a:off x="3449496" y="4131760"/>
+            <a:ext cx="967791" cy="1"/>
+          </a:xfrm>
+          <a:prstGeom prst="straightConnector1">
+            <a:avLst/>
+          </a:prstGeom>
+          <a:ln w="127000">
+            <a:solidFill>
+              <a:schemeClr val="bg1"/>
+            </a:solidFill>
+            <a:tailEnd type="triangle"/>
+          </a:ln>
+        </p:spPr>
+        <p:style>
+          <a:lnRef idx="1">
+            <a:schemeClr val="accent1"/>
+          </a:lnRef>
+          <a:fillRef idx="0">
+            <a:schemeClr val="accent1"/>
+          </a:fillRef>
+          <a:effectRef idx="0">
+            <a:schemeClr val="accent1"/>
+          </a:effectRef>
+          <a:fontRef idx="minor">
+            <a:schemeClr val="tx1"/>
+          </a:fontRef>
+        </p:style>
+      </p:cxnSp>
+      <p:cxnSp>
+        <p:nvCxnSpPr>
+          <p:cNvPr id="23" name="Straight Arrow Connector 22"/>
+          <p:cNvCxnSpPr>
+            <a:endCxn id="16" idx="1"/>
+          </p:cNvCxnSpPr>
+          <p:nvPr/>
+        </p:nvCxnSpPr>
+        <p:spPr>
+          <a:xfrm>
+            <a:off x="3449496" y="5189893"/>
+            <a:ext cx="913417" cy="446924"/>
+          </a:xfrm>
+          <a:prstGeom prst="straightConnector1">
+            <a:avLst/>
+          </a:prstGeom>
+          <a:ln w="127000">
+            <a:solidFill>
+              <a:schemeClr val="bg1"/>
+            </a:solidFill>
+            <a:tailEnd type="triangle"/>
+          </a:ln>
+        </p:spPr>
+        <p:style>
+          <a:lnRef idx="1">
+            <a:schemeClr val="accent1"/>
+          </a:lnRef>
+          <a:fillRef idx="0">
+            <a:schemeClr val="accent1"/>
+          </a:fillRef>
+          <a:effectRef idx="0">
+            <a:schemeClr val="accent1"/>
+          </a:effectRef>
+          <a:fontRef idx="minor">
+            <a:schemeClr val="tx1"/>
+          </a:fontRef>
+        </p:style>
+      </p:cxnSp>
+      <p:sp>
+        <p:nvSpPr>
+          <p:cNvPr id="13" name="TextBox 12"/>
+          <p:cNvSpPr txBox="1"/>
+          <p:nvPr/>
+        </p:nvSpPr>
+        <p:spPr>
+          <a:xfrm>
+            <a:off x="9448800" y="4119589"/>
+            <a:ext cx="607859" cy="369332"/>
+          </a:xfrm>
+          <a:prstGeom prst="rect">
+            <a:avLst/>
+          </a:prstGeom>
+          <a:noFill/>
+        </p:spPr>
+        <p:txBody>
+          <a:bodyPr wrap="none" rtlCol="0">
+            <a:spAutoFit/>
+          </a:bodyPr>
           <a:lstStyle/>
           <a:p>
             <a:r>
               <a:rPr lang="en-AU" dirty="0" smtClean="0"/>
-              <a:t>Performance of existing protected areas</a:t>
+              <a:t>Loci </a:t>
             </a:r>
             <a:endParaRPr lang="en-AU" dirty="0"/>
           </a:p>
@@ -13789,19 +17241,471 @@
       </p:sp>
       <p:sp>
         <p:nvSpPr>
-          <p:cNvPr id="3" name="Content Placeholder 2"/>
-          <p:cNvSpPr>
-            <a:spLocks noGrp="1"/>
-          </p:cNvSpPr>
-          <p:nvPr>
-            <p:ph idx="1"/>
-          </p:nvPr>
-        </p:nvSpPr>
-        <p:spPr/>
-        <p:txBody>
-          <a:bodyPr/>
-          <a:lstStyle/>
-          <a:p>
+          <p:cNvPr id="32" name="Right Arrow 31"/>
+          <p:cNvSpPr/>
+          <p:nvPr/>
+        </p:nvSpPr>
+        <p:spPr>
+          <a:xfrm>
+            <a:off x="7261125" y="2007551"/>
+            <a:ext cx="1194328" cy="4248420"/>
+          </a:xfrm>
+          <a:prstGeom prst="rightArrow">
+            <a:avLst/>
+          </a:prstGeom>
+          <a:solidFill>
+            <a:schemeClr val="bg1"/>
+          </a:solidFill>
+          <a:ln>
+            <a:solidFill>
+              <a:schemeClr val="bg1"/>
+            </a:solidFill>
+          </a:ln>
+        </p:spPr>
+        <p:style>
+          <a:lnRef idx="2">
+            <a:schemeClr val="accent1">
+              <a:shade val="50000"/>
+            </a:schemeClr>
+          </a:lnRef>
+          <a:fillRef idx="1">
+            <a:schemeClr val="accent1"/>
+          </a:fillRef>
+          <a:effectRef idx="0">
+            <a:schemeClr val="accent1"/>
+          </a:effectRef>
+          <a:fontRef idx="minor">
+            <a:schemeClr val="lt1"/>
+          </a:fontRef>
+        </p:style>
+        <p:txBody>
+          <a:bodyPr rtlCol="0" anchor="ctr"/>
+          <a:lstStyle/>
+          <a:p>
+            <a:pPr algn="ctr"/>
+            <a:endParaRPr lang="en-AU"/>
+          </a:p>
+        </p:txBody>
+      </p:sp>
+      <p:sp>
+        <p:nvSpPr>
+          <p:cNvPr id="37" name="TextBox 36"/>
+          <p:cNvSpPr txBox="1"/>
+          <p:nvPr/>
+        </p:nvSpPr>
+        <p:spPr>
+          <a:xfrm>
+            <a:off x="9612147" y="1157288"/>
+            <a:ext cx="1585819" cy="646331"/>
+          </a:xfrm>
+          <a:prstGeom prst="rect">
+            <a:avLst/>
+          </a:prstGeom>
+          <a:noFill/>
+        </p:spPr>
+        <p:txBody>
+          <a:bodyPr wrap="none" rtlCol="0">
+            <a:spAutoFit/>
+          </a:bodyPr>
+          <a:lstStyle/>
+          <a:p>
+            <a:r>
+              <a:rPr lang="en-AU" sz="3600" dirty="0" smtClean="0">
+                <a:solidFill>
+                  <a:schemeClr val="bg1"/>
+                </a:solidFill>
+              </a:rPr>
+              <a:t>Neutral</a:t>
+            </a:r>
+            <a:endParaRPr lang="en-AU" sz="3600" dirty="0">
+              <a:solidFill>
+                <a:schemeClr val="bg1"/>
+              </a:solidFill>
+            </a:endParaRPr>
+          </a:p>
+        </p:txBody>
+      </p:sp>
+      <p:sp>
+        <p:nvSpPr>
+          <p:cNvPr id="36" name="TextBox 35"/>
+          <p:cNvSpPr txBox="1"/>
+          <p:nvPr/>
+        </p:nvSpPr>
+        <p:spPr>
+          <a:xfrm>
+            <a:off x="9612147" y="3920061"/>
+            <a:ext cx="1848455" cy="646331"/>
+          </a:xfrm>
+          <a:prstGeom prst="rect">
+            <a:avLst/>
+          </a:prstGeom>
+          <a:noFill/>
+        </p:spPr>
+        <p:txBody>
+          <a:bodyPr wrap="none" rtlCol="0">
+            <a:spAutoFit/>
+          </a:bodyPr>
+          <a:lstStyle/>
+          <a:p>
+            <a:r>
+              <a:rPr lang="en-AU" sz="3600" dirty="0" smtClean="0">
+                <a:solidFill>
+                  <a:schemeClr val="bg1"/>
+                </a:solidFill>
+              </a:rPr>
+              <a:t>Adaptive</a:t>
+            </a:r>
+            <a:endParaRPr lang="en-AU" sz="3600" dirty="0">
+              <a:solidFill>
+                <a:schemeClr val="bg1"/>
+              </a:solidFill>
+            </a:endParaRPr>
+          </a:p>
+        </p:txBody>
+      </p:sp>
+      <p:pic>
+        <p:nvPicPr>
+          <p:cNvPr id="52" name="Picture 2" descr="Image result for genetic data"/>
+          <p:cNvPicPr>
+            <a:picLocks noChangeAspect="1" noChangeArrowheads="1"/>
+          </p:cNvPicPr>
+          <p:nvPr/>
+        </p:nvPicPr>
+        <p:blipFill rotWithShape="1">
+          <a:blip r:embed="rId2">
+            <a:extLst>
+              <a:ext uri="{28A0092B-C50C-407E-A947-70E740481C1C}">
+                <a14:useLocalDpi xmlns:a14="http://schemas.microsoft.com/office/drawing/2010/main" val="0"/>
+              </a:ext>
+            </a:extLst>
+          </a:blip>
+          <a:srcRect l="8923" r="13984"/>
+          <a:stretch/>
+        </p:blipFill>
+        <p:spPr bwMode="auto">
+          <a:xfrm>
+            <a:off x="341224" y="3188842"/>
+            <a:ext cx="2787025" cy="1992326"/>
+          </a:xfrm>
+          <a:prstGeom prst="rect">
+            <a:avLst/>
+          </a:prstGeom>
+          <a:noFill/>
+          <a:extLst>
+            <a:ext uri="{909E8E84-426E-40DD-AFC4-6F175D3DCCD1}">
+              <a14:hiddenFill xmlns:a14="http://schemas.microsoft.com/office/drawing/2010/main">
+                <a:solidFill>
+                  <a:srgbClr val="FFFFFF"/>
+                </a:solidFill>
+              </a14:hiddenFill>
+            </a:ext>
+          </a:extLst>
+        </p:spPr>
+      </p:pic>
+      <p:pic>
+        <p:nvPicPr>
+          <p:cNvPr id="55" name="Picture 2" descr="Image result for genetic data"/>
+          <p:cNvPicPr>
+            <a:picLocks noChangeAspect="1" noChangeArrowheads="1"/>
+          </p:cNvPicPr>
+          <p:nvPr/>
+        </p:nvPicPr>
+        <p:blipFill rotWithShape="1">
+          <a:blip r:embed="rId2">
+            <a:extLst>
+              <a:ext uri="{28A0092B-C50C-407E-A947-70E740481C1C}">
+                <a14:useLocalDpi xmlns:a14="http://schemas.microsoft.com/office/drawing/2010/main" val="0"/>
+              </a:ext>
+            </a:extLst>
+          </a:blip>
+          <a:srcRect l="8923" r="13984"/>
+          <a:stretch/>
+        </p:blipFill>
+        <p:spPr bwMode="auto">
+          <a:xfrm>
+            <a:off x="9011544" y="1859327"/>
+            <a:ext cx="2787025" cy="1992326"/>
+          </a:xfrm>
+          <a:prstGeom prst="rect">
+            <a:avLst/>
+          </a:prstGeom>
+          <a:noFill/>
+          <a:extLst>
+            <a:ext uri="{909E8E84-426E-40DD-AFC4-6F175D3DCCD1}">
+              <a14:hiddenFill xmlns:a14="http://schemas.microsoft.com/office/drawing/2010/main">
+                <a:solidFill>
+                  <a:srgbClr val="FFFFFF"/>
+                </a:solidFill>
+              </a14:hiddenFill>
+            </a:ext>
+          </a:extLst>
+        </p:spPr>
+      </p:pic>
+      <p:pic>
+        <p:nvPicPr>
+          <p:cNvPr id="56" name="Picture 2" descr="Image result for genetic data"/>
+          <p:cNvPicPr>
+            <a:picLocks noChangeAspect="1" noChangeArrowheads="1"/>
+          </p:cNvPicPr>
+          <p:nvPr/>
+        </p:nvPicPr>
+        <p:blipFill rotWithShape="1">
+          <a:blip r:embed="rId2">
+            <a:extLst>
+              <a:ext uri="{28A0092B-C50C-407E-A947-70E740481C1C}">
+                <a14:useLocalDpi xmlns:a14="http://schemas.microsoft.com/office/drawing/2010/main" val="0"/>
+              </a:ext>
+            </a:extLst>
+          </a:blip>
+          <a:srcRect l="8923" r="13984"/>
+          <a:stretch/>
+        </p:blipFill>
+        <p:spPr bwMode="auto">
+          <a:xfrm>
+            <a:off x="9011544" y="4519303"/>
+            <a:ext cx="2787025" cy="1992326"/>
+          </a:xfrm>
+          <a:prstGeom prst="rect">
+            <a:avLst/>
+          </a:prstGeom>
+          <a:noFill/>
+          <a:extLst>
+            <a:ext uri="{909E8E84-426E-40DD-AFC4-6F175D3DCCD1}">
+              <a14:hiddenFill xmlns:a14="http://schemas.microsoft.com/office/drawing/2010/main">
+                <a:solidFill>
+                  <a:srgbClr val="FFFFFF"/>
+                </a:solidFill>
+              </a14:hiddenFill>
+            </a:ext>
+          </a:extLst>
+        </p:spPr>
+      </p:pic>
+      <p:sp>
+        <p:nvSpPr>
+          <p:cNvPr id="48" name="Rectangle 47"/>
+          <p:cNvSpPr/>
+          <p:nvPr/>
+        </p:nvSpPr>
+        <p:spPr>
+          <a:xfrm>
+            <a:off x="9176655" y="4488920"/>
+            <a:ext cx="1032469" cy="2165879"/>
+          </a:xfrm>
+          <a:prstGeom prst="rect">
+            <a:avLst/>
+          </a:prstGeom>
+          <a:solidFill>
+            <a:schemeClr val="tx1"/>
+          </a:solidFill>
+          <a:ln>
+            <a:noFill/>
+          </a:ln>
+        </p:spPr>
+        <p:style>
+          <a:lnRef idx="2">
+            <a:schemeClr val="accent1">
+              <a:shade val="50000"/>
+            </a:schemeClr>
+          </a:lnRef>
+          <a:fillRef idx="1">
+            <a:schemeClr val="accent1"/>
+          </a:fillRef>
+          <a:effectRef idx="0">
+            <a:schemeClr val="accent1"/>
+          </a:effectRef>
+          <a:fontRef idx="minor">
+            <a:schemeClr val="lt1"/>
+          </a:fontRef>
+        </p:style>
+        <p:txBody>
+          <a:bodyPr rtlCol="0" anchor="ctr"/>
+          <a:lstStyle/>
+          <a:p>
+            <a:pPr algn="ctr"/>
+            <a:endParaRPr lang="en-AU"/>
+          </a:p>
+        </p:txBody>
+      </p:sp>
+      <p:sp>
+        <p:nvSpPr>
+          <p:cNvPr id="58" name="Rectangle 57"/>
+          <p:cNvSpPr/>
+          <p:nvPr/>
+        </p:nvSpPr>
+        <p:spPr>
+          <a:xfrm>
+            <a:off x="10383745" y="4488921"/>
+            <a:ext cx="1240204" cy="2165878"/>
+          </a:xfrm>
+          <a:prstGeom prst="rect">
+            <a:avLst/>
+          </a:prstGeom>
+          <a:solidFill>
+            <a:schemeClr val="tx1"/>
+          </a:solidFill>
+          <a:ln>
+            <a:noFill/>
+          </a:ln>
+        </p:spPr>
+        <p:style>
+          <a:lnRef idx="2">
+            <a:schemeClr val="accent1">
+              <a:shade val="50000"/>
+            </a:schemeClr>
+          </a:lnRef>
+          <a:fillRef idx="1">
+            <a:schemeClr val="accent1"/>
+          </a:fillRef>
+          <a:effectRef idx="0">
+            <a:schemeClr val="accent1"/>
+          </a:effectRef>
+          <a:fontRef idx="minor">
+            <a:schemeClr val="lt1"/>
+          </a:fontRef>
+        </p:style>
+        <p:txBody>
+          <a:bodyPr rtlCol="0" anchor="ctr"/>
+          <a:lstStyle/>
+          <a:p>
+            <a:pPr algn="ctr"/>
+            <a:endParaRPr lang="en-AU"/>
+          </a:p>
+        </p:txBody>
+      </p:sp>
+      <p:sp>
+        <p:nvSpPr>
+          <p:cNvPr id="59" name="Rectangle 58"/>
+          <p:cNvSpPr/>
+          <p:nvPr/>
+        </p:nvSpPr>
+        <p:spPr>
+          <a:xfrm>
+            <a:off x="8890946" y="1803618"/>
+            <a:ext cx="285710" cy="2165879"/>
+          </a:xfrm>
+          <a:prstGeom prst="rect">
+            <a:avLst/>
+          </a:prstGeom>
+          <a:solidFill>
+            <a:schemeClr val="tx1"/>
+          </a:solidFill>
+          <a:ln>
+            <a:noFill/>
+          </a:ln>
+        </p:spPr>
+        <p:style>
+          <a:lnRef idx="2">
+            <a:schemeClr val="accent1">
+              <a:shade val="50000"/>
+            </a:schemeClr>
+          </a:lnRef>
+          <a:fillRef idx="1">
+            <a:schemeClr val="accent1"/>
+          </a:fillRef>
+          <a:effectRef idx="0">
+            <a:schemeClr val="accent1"/>
+          </a:effectRef>
+          <a:fontRef idx="minor">
+            <a:schemeClr val="lt1"/>
+          </a:fontRef>
+        </p:style>
+        <p:txBody>
+          <a:bodyPr rtlCol="0" anchor="ctr"/>
+          <a:lstStyle/>
+          <a:p>
+            <a:pPr algn="ctr"/>
+            <a:endParaRPr lang="en-AU"/>
+          </a:p>
+        </p:txBody>
+      </p:sp>
+      <p:sp>
+        <p:nvSpPr>
+          <p:cNvPr id="60" name="Rectangle 59"/>
+          <p:cNvSpPr/>
+          <p:nvPr/>
+        </p:nvSpPr>
+        <p:spPr>
+          <a:xfrm>
+            <a:off x="11753850" y="1772551"/>
+            <a:ext cx="861300" cy="2165878"/>
+          </a:xfrm>
+          <a:prstGeom prst="rect">
+            <a:avLst/>
+          </a:prstGeom>
+          <a:solidFill>
+            <a:schemeClr val="tx1"/>
+          </a:solidFill>
+          <a:ln>
+            <a:noFill/>
+          </a:ln>
+        </p:spPr>
+        <p:style>
+          <a:lnRef idx="2">
+            <a:schemeClr val="accent1">
+              <a:shade val="50000"/>
+            </a:schemeClr>
+          </a:lnRef>
+          <a:fillRef idx="1">
+            <a:schemeClr val="accent1"/>
+          </a:fillRef>
+          <a:effectRef idx="0">
+            <a:schemeClr val="accent1"/>
+          </a:effectRef>
+          <a:fontRef idx="minor">
+            <a:schemeClr val="lt1"/>
+          </a:fontRef>
+        </p:style>
+        <p:txBody>
+          <a:bodyPr rtlCol="0" anchor="ctr"/>
+          <a:lstStyle/>
+          <a:p>
+            <a:pPr algn="ctr"/>
+            <a:endParaRPr lang="en-AU"/>
+          </a:p>
+        </p:txBody>
+      </p:sp>
+      <p:sp>
+        <p:nvSpPr>
+          <p:cNvPr id="61" name="Rectangle 60"/>
+          <p:cNvSpPr/>
+          <p:nvPr/>
+        </p:nvSpPr>
+        <p:spPr>
+          <a:xfrm>
+            <a:off x="10145402" y="1755609"/>
+            <a:ext cx="238344" cy="2165878"/>
+          </a:xfrm>
+          <a:prstGeom prst="rect">
+            <a:avLst/>
+          </a:prstGeom>
+          <a:solidFill>
+            <a:schemeClr val="tx1"/>
+          </a:solidFill>
+          <a:ln>
+            <a:noFill/>
+          </a:ln>
+        </p:spPr>
+        <p:style>
+          <a:lnRef idx="2">
+            <a:schemeClr val="accent1">
+              <a:shade val="50000"/>
+            </a:schemeClr>
+          </a:lnRef>
+          <a:fillRef idx="1">
+            <a:schemeClr val="accent1"/>
+          </a:fillRef>
+          <a:effectRef idx="0">
+            <a:schemeClr val="accent1"/>
+          </a:effectRef>
+          <a:fontRef idx="minor">
+            <a:schemeClr val="lt1"/>
+          </a:fontRef>
+        </p:style>
+        <p:txBody>
+          <a:bodyPr rtlCol="0" anchor="ctr"/>
+          <a:lstStyle/>
+          <a:p>
+            <a:pPr algn="ctr"/>
             <a:endParaRPr lang="en-AU"/>
           </a:p>
         </p:txBody>
@@ -13809,7 +17713,7 @@
     </p:spTree>
     <p:extLst>
       <p:ext uri="{BB962C8B-B14F-4D97-AF65-F5344CB8AC3E}">
-        <p14:creationId xmlns:p14="http://schemas.microsoft.com/office/powerpoint/2010/main" val="3093310042"/>
+        <p14:creationId xmlns:p14="http://schemas.microsoft.com/office/powerpoint/2010/main" val="3065757483"/>
       </p:ext>
     </p:extLst>
   </p:cSld>
@@ -13853,43 +17757,472 @@
             <p:ph type="title"/>
           </p:nvPr>
         </p:nvSpPr>
-        <p:spPr/>
-        <p:txBody>
-          <a:bodyPr/>
+        <p:spPr>
+          <a:xfrm>
+            <a:off x="0" y="9525"/>
+            <a:ext cx="12191999" cy="727075"/>
+          </a:xfrm>
+        </p:spPr>
+        <p:txBody>
+          <a:bodyPr>
+            <a:normAutofit/>
+          </a:bodyPr>
           <a:lstStyle/>
           <a:p>
             <a:pPr algn="ctr"/>
             <a:r>
-              <a:rPr lang="en-AU" dirty="0" smtClean="0"/>
-              <a:t>Priority areas for improving protection of evolutionary processes for these species</a:t>
-            </a:r>
-            <a:endParaRPr lang="en-AU" dirty="0"/>
-          </a:p>
-        </p:txBody>
-      </p:sp>
-      <p:sp>
-        <p:nvSpPr>
-          <p:cNvPr id="3" name="Content Placeholder 2"/>
-          <p:cNvSpPr>
-            <a:spLocks noGrp="1"/>
-          </p:cNvSpPr>
-          <p:nvPr>
-            <p:ph idx="1"/>
-          </p:nvPr>
-        </p:nvSpPr>
-        <p:spPr/>
-        <p:txBody>
-          <a:bodyPr/>
-          <a:lstStyle/>
-          <a:p>
-            <a:endParaRPr lang="en-AU" dirty="0"/>
+              <a:rPr lang="en-AU" sz="3600" dirty="0" smtClean="0">
+                <a:latin typeface="+mn-lt"/>
+              </a:rPr>
+              <a:t>Protection of </a:t>
+            </a:r>
+            <a:r>
+              <a:rPr lang="en-AU" sz="3600" dirty="0" smtClean="0">
+                <a:latin typeface="+mn-lt"/>
+              </a:rPr>
+              <a:t>individual heterozygosity (“genetic fitness”)</a:t>
+            </a:r>
+            <a:endParaRPr lang="en-AU" sz="3600" dirty="0">
+              <a:latin typeface="+mn-lt"/>
+            </a:endParaRPr>
+          </a:p>
+        </p:txBody>
+      </p:sp>
+      <p:grpSp>
+        <p:nvGrpSpPr>
+          <p:cNvPr id="22" name="Group 21"/>
+          <p:cNvGrpSpPr/>
+          <p:nvPr/>
+        </p:nvGrpSpPr>
+        <p:grpSpPr>
+          <a:xfrm>
+            <a:off x="841225" y="606940"/>
+            <a:ext cx="5298898" cy="1989027"/>
+            <a:chOff x="841225" y="606940"/>
+            <a:chExt cx="5298898" cy="1989027"/>
+          </a:xfrm>
+        </p:grpSpPr>
+        <p:pic>
+          <p:nvPicPr>
+            <p:cNvPr id="11" name="Picture 10"/>
+            <p:cNvPicPr>
+              <a:picLocks noChangeAspect="1"/>
+            </p:cNvPicPr>
+            <p:nvPr/>
+          </p:nvPicPr>
+          <p:blipFill>
+            <a:blip r:embed="rId2" cstate="print">
+              <a:extLst>
+                <a:ext uri="{28A0092B-C50C-407E-A947-70E740481C1C}">
+                  <a14:useLocalDpi xmlns:a14="http://schemas.microsoft.com/office/drawing/2010/main" val="0"/>
+                </a:ext>
+              </a:extLst>
+            </a:blip>
+            <a:stretch>
+              <a:fillRect/>
+            </a:stretch>
+          </p:blipFill>
+          <p:spPr>
+            <a:xfrm>
+              <a:off x="3651629" y="606940"/>
+              <a:ext cx="2488494" cy="1989027"/>
+            </a:xfrm>
+            <a:prstGeom prst="rect">
+              <a:avLst/>
+            </a:prstGeom>
+          </p:spPr>
+        </p:pic>
+        <p:pic>
+          <p:nvPicPr>
+            <p:cNvPr id="12" name="Picture 11"/>
+            <p:cNvPicPr>
+              <a:picLocks noChangeAspect="1"/>
+            </p:cNvPicPr>
+            <p:nvPr/>
+          </p:nvPicPr>
+          <p:blipFill>
+            <a:blip r:embed="rId3" cstate="print">
+              <a:extLst>
+                <a:ext uri="{28A0092B-C50C-407E-A947-70E740481C1C}">
+                  <a14:useLocalDpi xmlns:a14="http://schemas.microsoft.com/office/drawing/2010/main" val="0"/>
+                </a:ext>
+              </a:extLst>
+            </a:blip>
+            <a:stretch>
+              <a:fillRect/>
+            </a:stretch>
+          </p:blipFill>
+          <p:spPr>
+            <a:xfrm>
+              <a:off x="841225" y="606940"/>
+              <a:ext cx="2488494" cy="1989027"/>
+            </a:xfrm>
+            <a:prstGeom prst="rect">
+              <a:avLst/>
+            </a:prstGeom>
+          </p:spPr>
+        </p:pic>
+      </p:grpSp>
+      <p:sp>
+        <p:nvSpPr>
+          <p:cNvPr id="13" name="TextBox 12"/>
+          <p:cNvSpPr txBox="1"/>
+          <p:nvPr/>
+        </p:nvSpPr>
+        <p:spPr>
+          <a:xfrm rot="16200000">
+            <a:off x="-466535" y="1219726"/>
+            <a:ext cx="1794081" cy="584775"/>
+          </a:xfrm>
+          <a:prstGeom prst="rect">
+            <a:avLst/>
+          </a:prstGeom>
+          <a:noFill/>
+        </p:spPr>
+        <p:txBody>
+          <a:bodyPr wrap="none" rtlCol="0">
+            <a:spAutoFit/>
+          </a:bodyPr>
+          <a:lstStyle/>
+          <a:p>
+            <a:r>
+              <a:rPr lang="en-AU" sz="3200" i="1" dirty="0" smtClean="0">
+                <a:solidFill>
+                  <a:schemeClr val="bg1"/>
+                </a:solidFill>
+              </a:rPr>
+              <a:t>H. </a:t>
+            </a:r>
+            <a:r>
+              <a:rPr lang="en-AU" sz="3200" i="1" dirty="0" err="1" smtClean="0">
+                <a:solidFill>
+                  <a:schemeClr val="bg1"/>
+                </a:solidFill>
+              </a:rPr>
+              <a:t>molleri</a:t>
+            </a:r>
+            <a:endParaRPr lang="en-AU" sz="3200" i="1" dirty="0">
+              <a:solidFill>
+                <a:schemeClr val="bg1"/>
+              </a:solidFill>
+            </a:endParaRPr>
+          </a:p>
+        </p:txBody>
+      </p:sp>
+      <p:sp>
+        <p:nvSpPr>
+          <p:cNvPr id="14" name="TextBox 13"/>
+          <p:cNvSpPr txBox="1"/>
+          <p:nvPr/>
+        </p:nvSpPr>
+        <p:spPr>
+          <a:xfrm rot="16200000">
+            <a:off x="-611107" y="3456324"/>
+            <a:ext cx="2007024" cy="646331"/>
+          </a:xfrm>
+          <a:prstGeom prst="rect">
+            <a:avLst/>
+          </a:prstGeom>
+          <a:noFill/>
+        </p:spPr>
+        <p:txBody>
+          <a:bodyPr wrap="none" rtlCol="0">
+            <a:spAutoFit/>
+          </a:bodyPr>
+          <a:lstStyle/>
+          <a:p>
+            <a:r>
+              <a:rPr lang="en-AU" sz="3600" i="1" dirty="0" smtClean="0">
+                <a:solidFill>
+                  <a:schemeClr val="bg1"/>
+                </a:solidFill>
+              </a:rPr>
+              <a:t>P. </a:t>
+            </a:r>
+            <a:r>
+              <a:rPr lang="en-AU" sz="3200" i="1" dirty="0" err="1" smtClean="0">
+                <a:solidFill>
+                  <a:schemeClr val="bg1"/>
+                </a:solidFill>
+              </a:rPr>
+              <a:t>cultripes</a:t>
+            </a:r>
+            <a:endParaRPr lang="en-AU" sz="3200" i="1" dirty="0">
+              <a:solidFill>
+                <a:schemeClr val="bg1"/>
+              </a:solidFill>
+            </a:endParaRPr>
+          </a:p>
+        </p:txBody>
+      </p:sp>
+      <p:sp>
+        <p:nvSpPr>
+          <p:cNvPr id="15" name="TextBox 14"/>
+          <p:cNvSpPr txBox="1"/>
+          <p:nvPr/>
+        </p:nvSpPr>
+        <p:spPr>
+          <a:xfrm rot="16200000">
+            <a:off x="-469851" y="5589057"/>
+            <a:ext cx="1724511" cy="584775"/>
+          </a:xfrm>
+          <a:prstGeom prst="rect">
+            <a:avLst/>
+          </a:prstGeom>
+          <a:noFill/>
+        </p:spPr>
+        <p:txBody>
+          <a:bodyPr wrap="none" rtlCol="0">
+            <a:spAutoFit/>
+          </a:bodyPr>
+          <a:lstStyle/>
+          <a:p>
+            <a:r>
+              <a:rPr lang="en-AU" sz="3200" i="1" dirty="0" smtClean="0">
+                <a:solidFill>
+                  <a:schemeClr val="bg1"/>
+                </a:solidFill>
+              </a:rPr>
+              <a:t>R. </a:t>
+            </a:r>
+            <a:r>
+              <a:rPr lang="en-AU" sz="3200" i="1" dirty="0" err="1" smtClean="0">
+                <a:solidFill>
+                  <a:schemeClr val="bg1"/>
+                </a:solidFill>
+              </a:rPr>
+              <a:t>iberica</a:t>
+            </a:r>
+            <a:endParaRPr lang="en-AU" sz="3200" i="1" dirty="0">
+              <a:solidFill>
+                <a:schemeClr val="bg1"/>
+              </a:solidFill>
+            </a:endParaRPr>
+          </a:p>
+        </p:txBody>
+      </p:sp>
+      <p:grpSp>
+        <p:nvGrpSpPr>
+          <p:cNvPr id="21" name="Group 20"/>
+          <p:cNvGrpSpPr/>
+          <p:nvPr/>
+        </p:nvGrpSpPr>
+        <p:grpSpPr>
+          <a:xfrm>
+            <a:off x="840217" y="2704308"/>
+            <a:ext cx="5293529" cy="1990639"/>
+            <a:chOff x="840217" y="2758267"/>
+            <a:chExt cx="5293529" cy="1990639"/>
+          </a:xfrm>
+        </p:grpSpPr>
+        <p:pic>
+          <p:nvPicPr>
+            <p:cNvPr id="16" name="Picture 15"/>
+            <p:cNvPicPr>
+              <a:picLocks noChangeAspect="1"/>
+            </p:cNvPicPr>
+            <p:nvPr/>
+          </p:nvPicPr>
+          <p:blipFill>
+            <a:blip r:embed="rId4" cstate="print">
+              <a:extLst>
+                <a:ext uri="{28A0092B-C50C-407E-A947-70E740481C1C}">
+                  <a14:useLocalDpi xmlns:a14="http://schemas.microsoft.com/office/drawing/2010/main" val="0"/>
+                </a:ext>
+              </a:extLst>
+            </a:blip>
+            <a:stretch>
+              <a:fillRect/>
+            </a:stretch>
+          </p:blipFill>
+          <p:spPr>
+            <a:xfrm>
+              <a:off x="3658006" y="2764170"/>
+              <a:ext cx="2475740" cy="1978833"/>
+            </a:xfrm>
+            <a:prstGeom prst="rect">
+              <a:avLst/>
+            </a:prstGeom>
+          </p:spPr>
+        </p:pic>
+        <p:pic>
+          <p:nvPicPr>
+            <p:cNvPr id="17" name="Picture 16"/>
+            <p:cNvPicPr>
+              <a:picLocks noChangeAspect="1"/>
+            </p:cNvPicPr>
+            <p:nvPr/>
+          </p:nvPicPr>
+          <p:blipFill>
+            <a:blip r:embed="rId5" cstate="print">
+              <a:extLst>
+                <a:ext uri="{28A0092B-C50C-407E-A947-70E740481C1C}">
+                  <a14:useLocalDpi xmlns:a14="http://schemas.microsoft.com/office/drawing/2010/main" val="0"/>
+                </a:ext>
+              </a:extLst>
+            </a:blip>
+            <a:stretch>
+              <a:fillRect/>
+            </a:stretch>
+          </p:blipFill>
+          <p:spPr>
+            <a:xfrm>
+              <a:off x="840217" y="2758267"/>
+              <a:ext cx="2490511" cy="1990639"/>
+            </a:xfrm>
+            <a:prstGeom prst="rect">
+              <a:avLst/>
+            </a:prstGeom>
+          </p:spPr>
+        </p:pic>
+      </p:grpSp>
+      <p:grpSp>
+        <p:nvGrpSpPr>
+          <p:cNvPr id="20" name="Group 19"/>
+          <p:cNvGrpSpPr/>
+          <p:nvPr/>
+        </p:nvGrpSpPr>
+        <p:grpSpPr>
+          <a:xfrm>
+            <a:off x="841225" y="4803289"/>
+            <a:ext cx="5265332" cy="1989027"/>
+            <a:chOff x="841225" y="4803289"/>
+            <a:chExt cx="5265332" cy="1989027"/>
+          </a:xfrm>
+        </p:grpSpPr>
+        <p:pic>
+          <p:nvPicPr>
+            <p:cNvPr id="18" name="Picture 17"/>
+            <p:cNvPicPr>
+              <a:picLocks noChangeAspect="1"/>
+            </p:cNvPicPr>
+            <p:nvPr/>
+          </p:nvPicPr>
+          <p:blipFill>
+            <a:blip r:embed="rId6" cstate="print">
+              <a:extLst>
+                <a:ext uri="{28A0092B-C50C-407E-A947-70E740481C1C}">
+                  <a14:useLocalDpi xmlns:a14="http://schemas.microsoft.com/office/drawing/2010/main" val="0"/>
+                </a:ext>
+              </a:extLst>
+            </a:blip>
+            <a:stretch>
+              <a:fillRect/>
+            </a:stretch>
+          </p:blipFill>
+          <p:spPr>
+            <a:xfrm>
+              <a:off x="3685195" y="4830118"/>
+              <a:ext cx="2421362" cy="1935369"/>
+            </a:xfrm>
+            <a:prstGeom prst="rect">
+              <a:avLst/>
+            </a:prstGeom>
+          </p:spPr>
+        </p:pic>
+        <p:pic>
+          <p:nvPicPr>
+            <p:cNvPr id="19" name="Picture 18"/>
+            <p:cNvPicPr>
+              <a:picLocks noChangeAspect="1"/>
+            </p:cNvPicPr>
+            <p:nvPr/>
+          </p:nvPicPr>
+          <p:blipFill>
+            <a:blip r:embed="rId7" cstate="print">
+              <a:extLst>
+                <a:ext uri="{28A0092B-C50C-407E-A947-70E740481C1C}">
+                  <a14:useLocalDpi xmlns:a14="http://schemas.microsoft.com/office/drawing/2010/main" val="0"/>
+                </a:ext>
+              </a:extLst>
+            </a:blip>
+            <a:stretch>
+              <a:fillRect/>
+            </a:stretch>
+          </p:blipFill>
+          <p:spPr>
+            <a:xfrm>
+              <a:off x="841225" y="4803289"/>
+              <a:ext cx="2488494" cy="1989027"/>
+            </a:xfrm>
+            <a:prstGeom prst="rect">
+              <a:avLst/>
+            </a:prstGeom>
+          </p:spPr>
+        </p:pic>
+      </p:grpSp>
+      <p:pic>
+        <p:nvPicPr>
+          <p:cNvPr id="24" name="Picture 23"/>
+          <p:cNvPicPr>
+            <a:picLocks noChangeAspect="1"/>
+          </p:cNvPicPr>
+          <p:nvPr/>
+        </p:nvPicPr>
+        <p:blipFill>
+          <a:blip r:embed="rId8" cstate="print">
+            <a:extLst>
+              <a:ext uri="{28A0092B-C50C-407E-A947-70E740481C1C}">
+                <a14:useLocalDpi xmlns:a14="http://schemas.microsoft.com/office/drawing/2010/main" val="0"/>
+              </a:ext>
+            </a:extLst>
+          </a:blip>
+          <a:stretch>
+            <a:fillRect/>
+          </a:stretch>
+        </p:blipFill>
+        <p:spPr>
+          <a:xfrm>
+            <a:off x="6495599" y="1626853"/>
+            <a:ext cx="5417001" cy="4329752"/>
+          </a:xfrm>
+          <a:prstGeom prst="rect">
+            <a:avLst/>
+          </a:prstGeom>
+        </p:spPr>
+      </p:pic>
+      <p:sp>
+        <p:nvSpPr>
+          <p:cNvPr id="25" name="TextBox 24"/>
+          <p:cNvSpPr txBox="1"/>
+          <p:nvPr/>
+        </p:nvSpPr>
+        <p:spPr>
+          <a:xfrm>
+            <a:off x="6873846" y="5969000"/>
+            <a:ext cx="4660507" cy="646331"/>
+          </a:xfrm>
+          <a:prstGeom prst="rect">
+            <a:avLst/>
+          </a:prstGeom>
+          <a:noFill/>
+        </p:spPr>
+        <p:txBody>
+          <a:bodyPr wrap="none" rtlCol="0">
+            <a:spAutoFit/>
+          </a:bodyPr>
+          <a:lstStyle/>
+          <a:p>
+            <a:r>
+              <a:rPr lang="en-AU" sz="3600" dirty="0" smtClean="0">
+                <a:solidFill>
+                  <a:schemeClr val="bg1"/>
+                </a:solidFill>
+              </a:rPr>
+              <a:t>Existing protected areas</a:t>
+            </a:r>
+            <a:endParaRPr lang="en-AU" sz="3600" dirty="0">
+              <a:solidFill>
+                <a:schemeClr val="bg1"/>
+              </a:solidFill>
+            </a:endParaRPr>
           </a:p>
         </p:txBody>
       </p:sp>
     </p:spTree>
     <p:extLst>
       <p:ext uri="{BB962C8B-B14F-4D97-AF65-F5344CB8AC3E}">
-        <p14:creationId xmlns:p14="http://schemas.microsoft.com/office/powerpoint/2010/main" val="3320614391"/>
+        <p14:creationId xmlns:p14="http://schemas.microsoft.com/office/powerpoint/2010/main" val="3093310042"/>
       </p:ext>
     </p:extLst>
   </p:cSld>

--- a/seminars/EEF-presentation-02-08-2019/jeffrey-hanson-eff-slides.pptx
+++ b/seminars/EEF-presentation-02-08-2019/jeffrey-hanson-eff-slides.pptx
@@ -15961,7 +15961,7 @@
         </p:nvSpPr>
         <p:spPr>
           <a:xfrm>
-            <a:off x="8606334" y="914931"/>
+            <a:off x="8606334" y="932425"/>
             <a:ext cx="3023200" cy="769441"/>
           </a:xfrm>
           <a:prstGeom prst="rect">
@@ -16129,7 +16129,7 @@
         </p:nvSpPr>
         <p:spPr>
           <a:xfrm>
-            <a:off x="3943881" y="949918"/>
+            <a:off x="3943881" y="932425"/>
             <a:ext cx="4480970" cy="769441"/>
           </a:xfrm>
           <a:prstGeom prst="rect">
@@ -16191,7 +16191,7 @@
         </p:nvSpPr>
         <p:spPr>
           <a:xfrm>
-            <a:off x="838200" y="949917"/>
+            <a:off x="838200" y="932425"/>
             <a:ext cx="2924198" cy="769441"/>
           </a:xfrm>
           <a:prstGeom prst="rect">
@@ -17567,8 +17567,8 @@
         </p:nvSpPr>
         <p:spPr>
           <a:xfrm>
-            <a:off x="11753850" y="1772551"/>
-            <a:ext cx="861300" cy="2165878"/>
+            <a:off x="11633457" y="1772551"/>
+            <a:ext cx="981693" cy="2165878"/>
           </a:xfrm>
           <a:prstGeom prst="rect">
             <a:avLst/>
@@ -17723,53 +17723,229 @@
           </a:p>
         </p:txBody>
       </p:sp>
+      <p:sp>
+        <p:nvSpPr>
+          <p:cNvPr id="13" name="TextBox 12"/>
+          <p:cNvSpPr txBox="1"/>
+          <p:nvPr/>
+        </p:nvSpPr>
+        <p:spPr>
+          <a:xfrm rot="16200000">
+            <a:off x="-466535" y="1219726"/>
+            <a:ext cx="1794081" cy="584775"/>
+          </a:xfrm>
+          <a:prstGeom prst="rect">
+            <a:avLst/>
+          </a:prstGeom>
+          <a:noFill/>
+        </p:spPr>
+        <p:txBody>
+          <a:bodyPr wrap="none" rtlCol="0">
+            <a:spAutoFit/>
+          </a:bodyPr>
+          <a:lstStyle/>
+          <a:p>
+            <a:r>
+              <a:rPr lang="en-AU" sz="3200" i="1" dirty="0" smtClean="0">
+                <a:solidFill>
+                  <a:schemeClr val="bg1"/>
+                </a:solidFill>
+              </a:rPr>
+              <a:t>H. </a:t>
+            </a:r>
+            <a:r>
+              <a:rPr lang="en-AU" sz="3200" i="1" dirty="0" err="1" smtClean="0">
+                <a:solidFill>
+                  <a:schemeClr val="bg1"/>
+                </a:solidFill>
+              </a:rPr>
+              <a:t>molleri</a:t>
+            </a:r>
+            <a:endParaRPr lang="en-AU" sz="3200" i="1" dirty="0">
+              <a:solidFill>
+                <a:schemeClr val="bg1"/>
+              </a:solidFill>
+            </a:endParaRPr>
+          </a:p>
+        </p:txBody>
+      </p:sp>
+      <p:sp>
+        <p:nvSpPr>
+          <p:cNvPr id="14" name="TextBox 13"/>
+          <p:cNvSpPr txBox="1"/>
+          <p:nvPr/>
+        </p:nvSpPr>
+        <p:spPr>
+          <a:xfrm rot="16200000">
+            <a:off x="-611107" y="3456324"/>
+            <a:ext cx="2007024" cy="646331"/>
+          </a:xfrm>
+          <a:prstGeom prst="rect">
+            <a:avLst/>
+          </a:prstGeom>
+          <a:noFill/>
+        </p:spPr>
+        <p:txBody>
+          <a:bodyPr wrap="none" rtlCol="0">
+            <a:spAutoFit/>
+          </a:bodyPr>
+          <a:lstStyle/>
+          <a:p>
+            <a:r>
+              <a:rPr lang="en-AU" sz="3600" i="1" dirty="0" smtClean="0">
+                <a:solidFill>
+                  <a:schemeClr val="bg1"/>
+                </a:solidFill>
+              </a:rPr>
+              <a:t>P. </a:t>
+            </a:r>
+            <a:r>
+              <a:rPr lang="en-AU" sz="3200" i="1" dirty="0" err="1" smtClean="0">
+                <a:solidFill>
+                  <a:schemeClr val="bg1"/>
+                </a:solidFill>
+              </a:rPr>
+              <a:t>cultripes</a:t>
+            </a:r>
+            <a:endParaRPr lang="en-AU" sz="3200" i="1" dirty="0">
+              <a:solidFill>
+                <a:schemeClr val="bg1"/>
+              </a:solidFill>
+            </a:endParaRPr>
+          </a:p>
+        </p:txBody>
+      </p:sp>
+      <p:sp>
+        <p:nvSpPr>
+          <p:cNvPr id="15" name="TextBox 14"/>
+          <p:cNvSpPr txBox="1"/>
+          <p:nvPr/>
+        </p:nvSpPr>
+        <p:spPr>
+          <a:xfrm rot="16200000">
+            <a:off x="-469851" y="5589057"/>
+            <a:ext cx="1724511" cy="584775"/>
+          </a:xfrm>
+          <a:prstGeom prst="rect">
+            <a:avLst/>
+          </a:prstGeom>
+          <a:noFill/>
+        </p:spPr>
+        <p:txBody>
+          <a:bodyPr wrap="none" rtlCol="0">
+            <a:spAutoFit/>
+          </a:bodyPr>
+          <a:lstStyle/>
+          <a:p>
+            <a:r>
+              <a:rPr lang="en-AU" sz="3200" i="1" dirty="0" smtClean="0">
+                <a:solidFill>
+                  <a:schemeClr val="bg1"/>
+                </a:solidFill>
+              </a:rPr>
+              <a:t>R. </a:t>
+            </a:r>
+            <a:r>
+              <a:rPr lang="en-AU" sz="3200" i="1" dirty="0" err="1" smtClean="0">
+                <a:solidFill>
+                  <a:schemeClr val="bg1"/>
+                </a:solidFill>
+              </a:rPr>
+              <a:t>iberica</a:t>
+            </a:r>
+            <a:endParaRPr lang="en-AU" sz="3200" i="1" dirty="0">
+              <a:solidFill>
+                <a:schemeClr val="bg1"/>
+              </a:solidFill>
+            </a:endParaRPr>
+          </a:p>
+        </p:txBody>
+      </p:sp>
+      <p:pic>
+        <p:nvPicPr>
+          <p:cNvPr id="24" name="Picture 23"/>
+          <p:cNvPicPr>
+            <a:picLocks noChangeAspect="1"/>
+          </p:cNvPicPr>
+          <p:nvPr/>
+        </p:nvPicPr>
+        <p:blipFill>
+          <a:blip r:embed="rId2" cstate="print">
+            <a:extLst>
+              <a:ext uri="{28A0092B-C50C-407E-A947-70E740481C1C}">
+                <a14:useLocalDpi xmlns:a14="http://schemas.microsoft.com/office/drawing/2010/main" val="0"/>
+              </a:ext>
+            </a:extLst>
+          </a:blip>
+          <a:stretch>
+            <a:fillRect/>
+          </a:stretch>
+        </p:blipFill>
+        <p:spPr>
+          <a:xfrm>
+            <a:off x="6495599" y="1626853"/>
+            <a:ext cx="5417001" cy="4329752"/>
+          </a:xfrm>
+          <a:prstGeom prst="rect">
+            <a:avLst/>
+          </a:prstGeom>
+        </p:spPr>
+      </p:pic>
+      <p:sp>
+        <p:nvSpPr>
+          <p:cNvPr id="25" name="TextBox 24"/>
+          <p:cNvSpPr txBox="1"/>
+          <p:nvPr/>
+        </p:nvSpPr>
+        <p:spPr>
+          <a:xfrm>
+            <a:off x="6873846" y="5969000"/>
+            <a:ext cx="4660507" cy="646331"/>
+          </a:xfrm>
+          <a:prstGeom prst="rect">
+            <a:avLst/>
+          </a:prstGeom>
+          <a:noFill/>
+        </p:spPr>
+        <p:txBody>
+          <a:bodyPr wrap="none" rtlCol="0">
+            <a:spAutoFit/>
+          </a:bodyPr>
+          <a:lstStyle/>
+          <a:p>
+            <a:r>
+              <a:rPr lang="en-AU" sz="3600" dirty="0" smtClean="0">
+                <a:solidFill>
+                  <a:schemeClr val="bg1"/>
+                </a:solidFill>
+              </a:rPr>
+              <a:t>Existing protected areas</a:t>
+            </a:r>
+            <a:endParaRPr lang="en-AU" sz="3600" dirty="0">
+              <a:solidFill>
+                <a:schemeClr val="bg1"/>
+              </a:solidFill>
+            </a:endParaRPr>
+          </a:p>
+        </p:txBody>
+      </p:sp>
       <p:grpSp>
         <p:nvGrpSpPr>
-          <p:cNvPr id="22" name="Group 21"/>
+          <p:cNvPr id="23" name="Group 22"/>
           <p:cNvGrpSpPr/>
           <p:nvPr/>
         </p:nvGrpSpPr>
         <p:grpSpPr>
           <a:xfrm>
             <a:off x="841225" y="606940"/>
-            <a:ext cx="5298898" cy="1989027"/>
+            <a:ext cx="5298897" cy="1989027"/>
             <a:chOff x="841225" y="606940"/>
-            <a:chExt cx="5298898" cy="1989027"/>
+            <a:chExt cx="5298897" cy="1989027"/>
           </a:xfrm>
         </p:grpSpPr>
         <p:pic>
           <p:nvPicPr>
-            <p:cNvPr id="11" name="Picture 10"/>
-            <p:cNvPicPr>
-              <a:picLocks noChangeAspect="1"/>
-            </p:cNvPicPr>
-            <p:nvPr/>
-          </p:nvPicPr>
-          <p:blipFill>
-            <a:blip r:embed="rId2" cstate="print">
-              <a:extLst>
-                <a:ext uri="{28A0092B-C50C-407E-A947-70E740481C1C}">
-                  <a14:useLocalDpi xmlns:a14="http://schemas.microsoft.com/office/drawing/2010/main" val="0"/>
-                </a:ext>
-              </a:extLst>
-            </a:blip>
-            <a:stretch>
-              <a:fillRect/>
-            </a:stretch>
-          </p:blipFill>
-          <p:spPr>
-            <a:xfrm>
-              <a:off x="3651629" y="606940"/>
-              <a:ext cx="2488494" cy="1989027"/>
-            </a:xfrm>
-            <a:prstGeom prst="rect">
-              <a:avLst/>
-            </a:prstGeom>
-          </p:spPr>
-        </p:pic>
-        <p:pic>
-          <p:nvPicPr>
-            <p:cNvPr id="12" name="Picture 11"/>
+            <p:cNvPr id="26" name="Picture 25"/>
             <p:cNvPicPr>
               <a:picLocks noChangeAspect="1"/>
             </p:cNvPicPr>
@@ -17789,170 +17965,17 @@
           </p:blipFill>
           <p:spPr>
             <a:xfrm>
-              <a:off x="841225" y="606940"/>
-              <a:ext cx="2488494" cy="1989027"/>
+              <a:off x="3651629" y="606940"/>
+              <a:ext cx="2488493" cy="1989027"/>
             </a:xfrm>
             <a:prstGeom prst="rect">
               <a:avLst/>
             </a:prstGeom>
           </p:spPr>
         </p:pic>
-      </p:grpSp>
-      <p:sp>
-        <p:nvSpPr>
-          <p:cNvPr id="13" name="TextBox 12"/>
-          <p:cNvSpPr txBox="1"/>
-          <p:nvPr/>
-        </p:nvSpPr>
-        <p:spPr>
-          <a:xfrm rot="16200000">
-            <a:off x="-466535" y="1219726"/>
-            <a:ext cx="1794081" cy="584775"/>
-          </a:xfrm>
-          <a:prstGeom prst="rect">
-            <a:avLst/>
-          </a:prstGeom>
-          <a:noFill/>
-        </p:spPr>
-        <p:txBody>
-          <a:bodyPr wrap="none" rtlCol="0">
-            <a:spAutoFit/>
-          </a:bodyPr>
-          <a:lstStyle/>
-          <a:p>
-            <a:r>
-              <a:rPr lang="en-AU" sz="3200" i="1" dirty="0" smtClean="0">
-                <a:solidFill>
-                  <a:schemeClr val="bg1"/>
-                </a:solidFill>
-              </a:rPr>
-              <a:t>H. </a:t>
-            </a:r>
-            <a:r>
-              <a:rPr lang="en-AU" sz="3200" i="1" dirty="0" err="1" smtClean="0">
-                <a:solidFill>
-                  <a:schemeClr val="bg1"/>
-                </a:solidFill>
-              </a:rPr>
-              <a:t>molleri</a:t>
-            </a:r>
-            <a:endParaRPr lang="en-AU" sz="3200" i="1" dirty="0">
-              <a:solidFill>
-                <a:schemeClr val="bg1"/>
-              </a:solidFill>
-            </a:endParaRPr>
-          </a:p>
-        </p:txBody>
-      </p:sp>
-      <p:sp>
-        <p:nvSpPr>
-          <p:cNvPr id="14" name="TextBox 13"/>
-          <p:cNvSpPr txBox="1"/>
-          <p:nvPr/>
-        </p:nvSpPr>
-        <p:spPr>
-          <a:xfrm rot="16200000">
-            <a:off x="-611107" y="3456324"/>
-            <a:ext cx="2007024" cy="646331"/>
-          </a:xfrm>
-          <a:prstGeom prst="rect">
-            <a:avLst/>
-          </a:prstGeom>
-          <a:noFill/>
-        </p:spPr>
-        <p:txBody>
-          <a:bodyPr wrap="none" rtlCol="0">
-            <a:spAutoFit/>
-          </a:bodyPr>
-          <a:lstStyle/>
-          <a:p>
-            <a:r>
-              <a:rPr lang="en-AU" sz="3600" i="1" dirty="0" smtClean="0">
-                <a:solidFill>
-                  <a:schemeClr val="bg1"/>
-                </a:solidFill>
-              </a:rPr>
-              <a:t>P. </a:t>
-            </a:r>
-            <a:r>
-              <a:rPr lang="en-AU" sz="3200" i="1" dirty="0" err="1" smtClean="0">
-                <a:solidFill>
-                  <a:schemeClr val="bg1"/>
-                </a:solidFill>
-              </a:rPr>
-              <a:t>cultripes</a:t>
-            </a:r>
-            <a:endParaRPr lang="en-AU" sz="3200" i="1" dirty="0">
-              <a:solidFill>
-                <a:schemeClr val="bg1"/>
-              </a:solidFill>
-            </a:endParaRPr>
-          </a:p>
-        </p:txBody>
-      </p:sp>
-      <p:sp>
-        <p:nvSpPr>
-          <p:cNvPr id="15" name="TextBox 14"/>
-          <p:cNvSpPr txBox="1"/>
-          <p:nvPr/>
-        </p:nvSpPr>
-        <p:spPr>
-          <a:xfrm rot="16200000">
-            <a:off x="-469851" y="5589057"/>
-            <a:ext cx="1724511" cy="584775"/>
-          </a:xfrm>
-          <a:prstGeom prst="rect">
-            <a:avLst/>
-          </a:prstGeom>
-          <a:noFill/>
-        </p:spPr>
-        <p:txBody>
-          <a:bodyPr wrap="none" rtlCol="0">
-            <a:spAutoFit/>
-          </a:bodyPr>
-          <a:lstStyle/>
-          <a:p>
-            <a:r>
-              <a:rPr lang="en-AU" sz="3200" i="1" dirty="0" smtClean="0">
-                <a:solidFill>
-                  <a:schemeClr val="bg1"/>
-                </a:solidFill>
-              </a:rPr>
-              <a:t>R. </a:t>
-            </a:r>
-            <a:r>
-              <a:rPr lang="en-AU" sz="3200" i="1" dirty="0" err="1" smtClean="0">
-                <a:solidFill>
-                  <a:schemeClr val="bg1"/>
-                </a:solidFill>
-              </a:rPr>
-              <a:t>iberica</a:t>
-            </a:r>
-            <a:endParaRPr lang="en-AU" sz="3200" i="1" dirty="0">
-              <a:solidFill>
-                <a:schemeClr val="bg1"/>
-              </a:solidFill>
-            </a:endParaRPr>
-          </a:p>
-        </p:txBody>
-      </p:sp>
-      <p:grpSp>
-        <p:nvGrpSpPr>
-          <p:cNvPr id="21" name="Group 20"/>
-          <p:cNvGrpSpPr/>
-          <p:nvPr/>
-        </p:nvGrpSpPr>
-        <p:grpSpPr>
-          <a:xfrm>
-            <a:off x="840217" y="2704308"/>
-            <a:ext cx="5293529" cy="1990639"/>
-            <a:chOff x="840217" y="2758267"/>
-            <a:chExt cx="5293529" cy="1990639"/>
-          </a:xfrm>
-        </p:grpSpPr>
         <p:pic>
           <p:nvPicPr>
-            <p:cNvPr id="16" name="Picture 15"/>
+            <p:cNvPr id="27" name="Picture 26"/>
             <p:cNvPicPr>
               <a:picLocks noChangeAspect="1"/>
             </p:cNvPicPr>
@@ -17972,17 +17995,32 @@
           </p:blipFill>
           <p:spPr>
             <a:xfrm>
-              <a:off x="3658006" y="2764170"/>
-              <a:ext cx="2475740" cy="1978833"/>
+              <a:off x="841225" y="606940"/>
+              <a:ext cx="2488493" cy="1989027"/>
             </a:xfrm>
             <a:prstGeom prst="rect">
               <a:avLst/>
             </a:prstGeom>
           </p:spPr>
         </p:pic>
+      </p:grpSp>
+      <p:grpSp>
+        <p:nvGrpSpPr>
+          <p:cNvPr id="28" name="Group 27"/>
+          <p:cNvGrpSpPr/>
+          <p:nvPr/>
+        </p:nvGrpSpPr>
+        <p:grpSpPr>
+          <a:xfrm>
+            <a:off x="840217" y="2704308"/>
+            <a:ext cx="5293528" cy="1990639"/>
+            <a:chOff x="840217" y="2758267"/>
+            <a:chExt cx="5293528" cy="1990639"/>
+          </a:xfrm>
+        </p:grpSpPr>
         <p:pic>
           <p:nvPicPr>
-            <p:cNvPr id="17" name="Picture 16"/>
+            <p:cNvPr id="29" name="Picture 28"/>
             <p:cNvPicPr>
               <a:picLocks noChangeAspect="1"/>
             </p:cNvPicPr>
@@ -18002,32 +18040,17 @@
           </p:blipFill>
           <p:spPr>
             <a:xfrm>
-              <a:off x="840217" y="2758267"/>
-              <a:ext cx="2490511" cy="1990639"/>
+              <a:off x="3658006" y="2764170"/>
+              <a:ext cx="2475739" cy="1978833"/>
             </a:xfrm>
             <a:prstGeom prst="rect">
               <a:avLst/>
             </a:prstGeom>
           </p:spPr>
         </p:pic>
-      </p:grpSp>
-      <p:grpSp>
-        <p:nvGrpSpPr>
-          <p:cNvPr id="20" name="Group 19"/>
-          <p:cNvGrpSpPr/>
-          <p:nvPr/>
-        </p:nvGrpSpPr>
-        <p:grpSpPr>
-          <a:xfrm>
-            <a:off x="841225" y="4803289"/>
-            <a:ext cx="5265332" cy="1989027"/>
-            <a:chOff x="841225" y="4803289"/>
-            <a:chExt cx="5265332" cy="1989027"/>
-          </a:xfrm>
-        </p:grpSpPr>
         <p:pic>
           <p:nvPicPr>
-            <p:cNvPr id="18" name="Picture 17"/>
+            <p:cNvPr id="30" name="Picture 29"/>
             <p:cNvPicPr>
               <a:picLocks noChangeAspect="1"/>
             </p:cNvPicPr>
@@ -18047,17 +18070,32 @@
           </p:blipFill>
           <p:spPr>
             <a:xfrm>
-              <a:off x="3685195" y="4830118"/>
-              <a:ext cx="2421362" cy="1935369"/>
+              <a:off x="840217" y="2758267"/>
+              <a:ext cx="2490510" cy="1990639"/>
             </a:xfrm>
             <a:prstGeom prst="rect">
               <a:avLst/>
             </a:prstGeom>
           </p:spPr>
         </p:pic>
+      </p:grpSp>
+      <p:grpSp>
+        <p:nvGrpSpPr>
+          <p:cNvPr id="31" name="Group 30"/>
+          <p:cNvGrpSpPr/>
+          <p:nvPr/>
+        </p:nvGrpSpPr>
+        <p:grpSpPr>
+          <a:xfrm>
+            <a:off x="841225" y="4803289"/>
+            <a:ext cx="5265331" cy="1989027"/>
+            <a:chOff x="841225" y="4803289"/>
+            <a:chExt cx="5265331" cy="1989027"/>
+          </a:xfrm>
+        </p:grpSpPr>
         <p:pic>
           <p:nvPicPr>
-            <p:cNvPr id="19" name="Picture 18"/>
+            <p:cNvPr id="32" name="Picture 31"/>
             <p:cNvPicPr>
               <a:picLocks noChangeAspect="1"/>
             </p:cNvPicPr>
@@ -18077,8 +18115,38 @@
           </p:blipFill>
           <p:spPr>
             <a:xfrm>
+              <a:off x="3685195" y="4830118"/>
+              <a:ext cx="2421361" cy="1935369"/>
+            </a:xfrm>
+            <a:prstGeom prst="rect">
+              <a:avLst/>
+            </a:prstGeom>
+          </p:spPr>
+        </p:pic>
+        <p:pic>
+          <p:nvPicPr>
+            <p:cNvPr id="33" name="Picture 32"/>
+            <p:cNvPicPr>
+              <a:picLocks noChangeAspect="1"/>
+            </p:cNvPicPr>
+            <p:nvPr/>
+          </p:nvPicPr>
+          <p:blipFill>
+            <a:blip r:embed="rId8" cstate="print">
+              <a:extLst>
+                <a:ext uri="{28A0092B-C50C-407E-A947-70E740481C1C}">
+                  <a14:useLocalDpi xmlns:a14="http://schemas.microsoft.com/office/drawing/2010/main" val="0"/>
+                </a:ext>
+              </a:extLst>
+            </a:blip>
+            <a:stretch>
+              <a:fillRect/>
+            </a:stretch>
+          </p:blipFill>
+          <p:spPr>
+            <a:xfrm>
               <a:off x="841225" y="4803289"/>
-              <a:ext cx="2488494" cy="1989027"/>
+              <a:ext cx="2488493" cy="1989027"/>
             </a:xfrm>
             <a:prstGeom prst="rect">
               <a:avLst/>
@@ -18086,74 +18154,6 @@
           </p:spPr>
         </p:pic>
       </p:grpSp>
-      <p:pic>
-        <p:nvPicPr>
-          <p:cNvPr id="24" name="Picture 23"/>
-          <p:cNvPicPr>
-            <a:picLocks noChangeAspect="1"/>
-          </p:cNvPicPr>
-          <p:nvPr/>
-        </p:nvPicPr>
-        <p:blipFill>
-          <a:blip r:embed="rId8" cstate="print">
-            <a:extLst>
-              <a:ext uri="{28A0092B-C50C-407E-A947-70E740481C1C}">
-                <a14:useLocalDpi xmlns:a14="http://schemas.microsoft.com/office/drawing/2010/main" val="0"/>
-              </a:ext>
-            </a:extLst>
-          </a:blip>
-          <a:stretch>
-            <a:fillRect/>
-          </a:stretch>
-        </p:blipFill>
-        <p:spPr>
-          <a:xfrm>
-            <a:off x="6495599" y="1626853"/>
-            <a:ext cx="5417001" cy="4329752"/>
-          </a:xfrm>
-          <a:prstGeom prst="rect">
-            <a:avLst/>
-          </a:prstGeom>
-        </p:spPr>
-      </p:pic>
-      <p:sp>
-        <p:nvSpPr>
-          <p:cNvPr id="25" name="TextBox 24"/>
-          <p:cNvSpPr txBox="1"/>
-          <p:nvPr/>
-        </p:nvSpPr>
-        <p:spPr>
-          <a:xfrm>
-            <a:off x="6873846" y="5969000"/>
-            <a:ext cx="4660507" cy="646331"/>
-          </a:xfrm>
-          <a:prstGeom prst="rect">
-            <a:avLst/>
-          </a:prstGeom>
-          <a:noFill/>
-        </p:spPr>
-        <p:txBody>
-          <a:bodyPr wrap="none" rtlCol="0">
-            <a:spAutoFit/>
-          </a:bodyPr>
-          <a:lstStyle/>
-          <a:p>
-            <a:r>
-              <a:rPr lang="en-AU" sz="3600" dirty="0" smtClean="0">
-                <a:solidFill>
-                  <a:schemeClr val="bg1"/>
-                </a:solidFill>
-              </a:rPr>
-              <a:t>Existing protected areas</a:t>
-            </a:r>
-            <a:endParaRPr lang="en-AU" sz="3600" dirty="0">
-              <a:solidFill>
-                <a:schemeClr val="bg1"/>
-              </a:solidFill>
-            </a:endParaRPr>
-          </a:p>
-        </p:txBody>
-      </p:sp>
     </p:spTree>
     <p:extLst>
       <p:ext uri="{BB962C8B-B14F-4D97-AF65-F5344CB8AC3E}">
